--- a/reproducibility_tutorial.pptx
+++ b/reproducibility_tutorial.pptx
@@ -25,7 +25,7 @@
     <p:sldId id="272" r:id="rId20"/>
   </p:sldIdLst>
   <p:sldSz cx="9144000" cy="5143500"/>
-  <p:notesSz cx="6858000" cy="9144000"/>
+  <p:notesSz cx="7772400" cy="10058400"/>
 </p:presentation>
 </file>
 
@@ -70,7 +70,7 @@
       </p:grpSpPr>
       <p:sp>
         <p:nvSpPr>
-          <p:cNvPr id="24" name="PlaceHolder 1"/>
+          <p:cNvPr id="23" name="PlaceHolder 1"/>
           <p:cNvSpPr>
             <a:spLocks noGrp="1"/>
           </p:cNvSpPr>
@@ -80,8 +80,8 @@
         </p:nvSpPr>
         <p:spPr>
           <a:xfrm>
-            <a:off x="311760" y="444960"/>
-            <a:ext cx="8520120" cy="572400"/>
+            <a:off x="311760" y="418320"/>
+            <a:ext cx="8519760" cy="625320"/>
           </a:xfrm>
           <a:prstGeom prst="rect">
             <a:avLst/>
@@ -92,10 +92,8 @@
             <a:noAutofit/>
           </a:bodyPr>
           <a:p>
-            <a:endParaRPr b="0" lang="en-US" sz="1400" spc="-1" strike="noStrike">
-              <a:solidFill>
-                <a:srgbClr val="000000"/>
-              </a:solidFill>
+            <a:pPr algn="ctr"/>
+            <a:endParaRPr b="0" lang="en-US" sz="4400" spc="-1" strike="noStrike">
               <a:latin typeface="Arial"/>
             </a:endParaRPr>
           </a:p>
@@ -103,7 +101,7 @@
       </p:sp>
       <p:sp>
         <p:nvSpPr>
-          <p:cNvPr id="25" name="PlaceHolder 2"/>
+          <p:cNvPr id="24" name="PlaceHolder 2"/>
           <p:cNvSpPr>
             <a:spLocks noGrp="1"/>
           </p:cNvSpPr>
@@ -114,7 +112,7 @@
         <p:spPr>
           <a:xfrm>
             <a:off x="311760" y="1152360"/>
-            <a:ext cx="8520120" cy="1629360"/>
+            <a:ext cx="8519760" cy="1629000"/>
           </a:xfrm>
           <a:prstGeom prst="rect">
             <a:avLst/>
@@ -125,10 +123,7 @@
             <a:normAutofit/>
           </a:bodyPr>
           <a:p>
-            <a:endParaRPr b="0" lang="en-US" sz="1400" spc="-1" strike="noStrike">
-              <a:solidFill>
-                <a:srgbClr val="000000"/>
-              </a:solidFill>
+            <a:endParaRPr b="0" lang="en-US" sz="3200" spc="-1" strike="noStrike">
               <a:latin typeface="Arial"/>
             </a:endParaRPr>
           </a:p>
@@ -136,7 +131,7 @@
       </p:sp>
       <p:sp>
         <p:nvSpPr>
-          <p:cNvPr id="26" name="PlaceHolder 3"/>
+          <p:cNvPr id="25" name="PlaceHolder 3"/>
           <p:cNvSpPr>
             <a:spLocks noGrp="1"/>
           </p:cNvSpPr>
@@ -146,8 +141,8 @@
         </p:nvSpPr>
         <p:spPr>
           <a:xfrm>
-            <a:off x="311760" y="2936880"/>
-            <a:ext cx="8520120" cy="1629360"/>
+            <a:off x="311760" y="2936520"/>
+            <a:ext cx="8519760" cy="1629000"/>
           </a:xfrm>
           <a:prstGeom prst="rect">
             <a:avLst/>
@@ -158,10 +153,7 @@
             <a:normAutofit/>
           </a:bodyPr>
           <a:p>
-            <a:endParaRPr b="0" lang="en-US" sz="1400" spc="-1" strike="noStrike">
-              <a:solidFill>
-                <a:srgbClr val="000000"/>
-              </a:solidFill>
+            <a:endParaRPr b="0" lang="en-US" sz="3200" spc="-1" strike="noStrike">
               <a:latin typeface="Arial"/>
             </a:endParaRPr>
           </a:p>
@@ -191,7 +183,7 @@
       </p:grpSpPr>
       <p:sp>
         <p:nvSpPr>
-          <p:cNvPr id="27" name="PlaceHolder 1"/>
+          <p:cNvPr id="26" name="PlaceHolder 1"/>
           <p:cNvSpPr>
             <a:spLocks noGrp="1"/>
           </p:cNvSpPr>
@@ -201,8 +193,8 @@
         </p:nvSpPr>
         <p:spPr>
           <a:xfrm>
-            <a:off x="311760" y="444960"/>
-            <a:ext cx="8520120" cy="572400"/>
+            <a:off x="311760" y="418320"/>
+            <a:ext cx="8519760" cy="625320"/>
           </a:xfrm>
           <a:prstGeom prst="rect">
             <a:avLst/>
@@ -213,10 +205,8 @@
             <a:noAutofit/>
           </a:bodyPr>
           <a:p>
-            <a:endParaRPr b="0" lang="en-US" sz="1400" spc="-1" strike="noStrike">
-              <a:solidFill>
-                <a:srgbClr val="000000"/>
-              </a:solidFill>
+            <a:pPr algn="ctr"/>
+            <a:endParaRPr b="0" lang="en-US" sz="4400" spc="-1" strike="noStrike">
               <a:latin typeface="Arial"/>
             </a:endParaRPr>
           </a:p>
@@ -224,7 +214,7 @@
       </p:sp>
       <p:sp>
         <p:nvSpPr>
-          <p:cNvPr id="28" name="PlaceHolder 2"/>
+          <p:cNvPr id="27" name="PlaceHolder 2"/>
           <p:cNvSpPr>
             <a:spLocks noGrp="1"/>
           </p:cNvSpPr>
@@ -235,7 +225,7 @@
         <p:spPr>
           <a:xfrm>
             <a:off x="311760" y="1152360"/>
-            <a:ext cx="4157640" cy="1629360"/>
+            <a:ext cx="4157280" cy="1629000"/>
           </a:xfrm>
           <a:prstGeom prst="rect">
             <a:avLst/>
@@ -246,10 +236,7 @@
             <a:normAutofit/>
           </a:bodyPr>
           <a:p>
-            <a:endParaRPr b="0" lang="en-US" sz="1400" spc="-1" strike="noStrike">
-              <a:solidFill>
-                <a:srgbClr val="000000"/>
-              </a:solidFill>
+            <a:endParaRPr b="0" lang="en-US" sz="3200" spc="-1" strike="noStrike">
               <a:latin typeface="Arial"/>
             </a:endParaRPr>
           </a:p>
@@ -257,7 +244,7 @@
       </p:sp>
       <p:sp>
         <p:nvSpPr>
-          <p:cNvPr id="29" name="PlaceHolder 3"/>
+          <p:cNvPr id="28" name="PlaceHolder 3"/>
           <p:cNvSpPr>
             <a:spLocks noGrp="1"/>
           </p:cNvSpPr>
@@ -267,8 +254,8 @@
         </p:nvSpPr>
         <p:spPr>
           <a:xfrm>
-            <a:off x="4677840" y="1152360"/>
-            <a:ext cx="4157640" cy="1629360"/>
+            <a:off x="4677120" y="1152360"/>
+            <a:ext cx="4157280" cy="1629000"/>
           </a:xfrm>
           <a:prstGeom prst="rect">
             <a:avLst/>
@@ -279,10 +266,7 @@
             <a:normAutofit/>
           </a:bodyPr>
           <a:p>
-            <a:endParaRPr b="0" lang="en-US" sz="1400" spc="-1" strike="noStrike">
-              <a:solidFill>
-                <a:srgbClr val="000000"/>
-              </a:solidFill>
+            <a:endParaRPr b="0" lang="en-US" sz="3200" spc="-1" strike="noStrike">
               <a:latin typeface="Arial"/>
             </a:endParaRPr>
           </a:p>
@@ -290,7 +274,7 @@
       </p:sp>
       <p:sp>
         <p:nvSpPr>
-          <p:cNvPr id="30" name="PlaceHolder 4"/>
+          <p:cNvPr id="29" name="PlaceHolder 4"/>
           <p:cNvSpPr>
             <a:spLocks noGrp="1"/>
           </p:cNvSpPr>
@@ -300,8 +284,8 @@
         </p:nvSpPr>
         <p:spPr>
           <a:xfrm>
-            <a:off x="311760" y="2936880"/>
-            <a:ext cx="4157640" cy="1629360"/>
+            <a:off x="311760" y="2936520"/>
+            <a:ext cx="4157280" cy="1629000"/>
           </a:xfrm>
           <a:prstGeom prst="rect">
             <a:avLst/>
@@ -312,10 +296,7 @@
             <a:normAutofit/>
           </a:bodyPr>
           <a:p>
-            <a:endParaRPr b="0" lang="en-US" sz="1400" spc="-1" strike="noStrike">
-              <a:solidFill>
-                <a:srgbClr val="000000"/>
-              </a:solidFill>
+            <a:endParaRPr b="0" lang="en-US" sz="3200" spc="-1" strike="noStrike">
               <a:latin typeface="Arial"/>
             </a:endParaRPr>
           </a:p>
@@ -323,7 +304,7 @@
       </p:sp>
       <p:sp>
         <p:nvSpPr>
-          <p:cNvPr id="31" name="PlaceHolder 5"/>
+          <p:cNvPr id="30" name="PlaceHolder 5"/>
           <p:cNvSpPr>
             <a:spLocks noGrp="1"/>
           </p:cNvSpPr>
@@ -333,8 +314,8 @@
         </p:nvSpPr>
         <p:spPr>
           <a:xfrm>
-            <a:off x="4677840" y="2936880"/>
-            <a:ext cx="4157640" cy="1629360"/>
+            <a:off x="4677120" y="2936520"/>
+            <a:ext cx="4157280" cy="1629000"/>
           </a:xfrm>
           <a:prstGeom prst="rect">
             <a:avLst/>
@@ -345,10 +326,7 @@
             <a:normAutofit/>
           </a:bodyPr>
           <a:p>
-            <a:endParaRPr b="0" lang="en-US" sz="1400" spc="-1" strike="noStrike">
-              <a:solidFill>
-                <a:srgbClr val="000000"/>
-              </a:solidFill>
+            <a:endParaRPr b="0" lang="en-US" sz="3200" spc="-1" strike="noStrike">
               <a:latin typeface="Arial"/>
             </a:endParaRPr>
           </a:p>
@@ -378,7 +356,7 @@
       </p:grpSpPr>
       <p:sp>
         <p:nvSpPr>
-          <p:cNvPr id="32" name="PlaceHolder 1"/>
+          <p:cNvPr id="31" name="PlaceHolder 1"/>
           <p:cNvSpPr>
             <a:spLocks noGrp="1"/>
           </p:cNvSpPr>
@@ -388,8 +366,8 @@
         </p:nvSpPr>
         <p:spPr>
           <a:xfrm>
-            <a:off x="311760" y="444960"/>
-            <a:ext cx="8520120" cy="572400"/>
+            <a:off x="311760" y="418320"/>
+            <a:ext cx="8519760" cy="625320"/>
           </a:xfrm>
           <a:prstGeom prst="rect">
             <a:avLst/>
@@ -400,10 +378,8 @@
             <a:noAutofit/>
           </a:bodyPr>
           <a:p>
-            <a:endParaRPr b="0" lang="en-US" sz="1400" spc="-1" strike="noStrike">
-              <a:solidFill>
-                <a:srgbClr val="000000"/>
-              </a:solidFill>
+            <a:pPr algn="ctr"/>
+            <a:endParaRPr b="0" lang="en-US" sz="4400" spc="-1" strike="noStrike">
               <a:latin typeface="Arial"/>
             </a:endParaRPr>
           </a:p>
@@ -411,7 +387,7 @@
       </p:sp>
       <p:sp>
         <p:nvSpPr>
-          <p:cNvPr id="33" name="PlaceHolder 2"/>
+          <p:cNvPr id="32" name="PlaceHolder 2"/>
           <p:cNvSpPr>
             <a:spLocks noGrp="1"/>
           </p:cNvSpPr>
@@ -422,7 +398,7 @@
         <p:spPr>
           <a:xfrm>
             <a:off x="311760" y="1152360"/>
-            <a:ext cx="2743200" cy="1629360"/>
+            <a:ext cx="2743200" cy="1629000"/>
           </a:xfrm>
           <a:prstGeom prst="rect">
             <a:avLst/>
@@ -433,10 +409,7 @@
             <a:normAutofit/>
           </a:bodyPr>
           <a:p>
-            <a:endParaRPr b="0" lang="en-US" sz="1400" spc="-1" strike="noStrike">
-              <a:solidFill>
-                <a:srgbClr val="000000"/>
-              </a:solidFill>
+            <a:endParaRPr b="0" lang="en-US" sz="3200" spc="-1" strike="noStrike">
               <a:latin typeface="Arial"/>
             </a:endParaRPr>
           </a:p>
@@ -444,7 +417,7 @@
       </p:sp>
       <p:sp>
         <p:nvSpPr>
-          <p:cNvPr id="34" name="PlaceHolder 3"/>
+          <p:cNvPr id="33" name="PlaceHolder 3"/>
           <p:cNvSpPr>
             <a:spLocks noGrp="1"/>
           </p:cNvSpPr>
@@ -455,7 +428,7 @@
         <p:spPr>
           <a:xfrm>
             <a:off x="3192480" y="1152360"/>
-            <a:ext cx="2743200" cy="1629360"/>
+            <a:ext cx="2743200" cy="1629000"/>
           </a:xfrm>
           <a:prstGeom prst="rect">
             <a:avLst/>
@@ -466,10 +439,7 @@
             <a:normAutofit/>
           </a:bodyPr>
           <a:p>
-            <a:endParaRPr b="0" lang="en-US" sz="1400" spc="-1" strike="noStrike">
-              <a:solidFill>
-                <a:srgbClr val="000000"/>
-              </a:solidFill>
+            <a:endParaRPr b="0" lang="en-US" sz="3200" spc="-1" strike="noStrike">
               <a:latin typeface="Arial"/>
             </a:endParaRPr>
           </a:p>
@@ -477,7 +447,7 @@
       </p:sp>
       <p:sp>
         <p:nvSpPr>
-          <p:cNvPr id="35" name="PlaceHolder 4"/>
+          <p:cNvPr id="34" name="PlaceHolder 4"/>
           <p:cNvSpPr>
             <a:spLocks noGrp="1"/>
           </p:cNvSpPr>
@@ -488,7 +458,7 @@
         <p:spPr>
           <a:xfrm>
             <a:off x="6073200" y="1152360"/>
-            <a:ext cx="2743200" cy="1629360"/>
+            <a:ext cx="2743200" cy="1629000"/>
           </a:xfrm>
           <a:prstGeom prst="rect">
             <a:avLst/>
@@ -499,10 +469,7 @@
             <a:normAutofit/>
           </a:bodyPr>
           <a:p>
-            <a:endParaRPr b="0" lang="en-US" sz="1400" spc="-1" strike="noStrike">
-              <a:solidFill>
-                <a:srgbClr val="000000"/>
-              </a:solidFill>
+            <a:endParaRPr b="0" lang="en-US" sz="3200" spc="-1" strike="noStrike">
               <a:latin typeface="Arial"/>
             </a:endParaRPr>
           </a:p>
@@ -510,7 +477,7 @@
       </p:sp>
       <p:sp>
         <p:nvSpPr>
-          <p:cNvPr id="36" name="PlaceHolder 5"/>
+          <p:cNvPr id="35" name="PlaceHolder 5"/>
           <p:cNvSpPr>
             <a:spLocks noGrp="1"/>
           </p:cNvSpPr>
@@ -520,8 +487,8 @@
         </p:nvSpPr>
         <p:spPr>
           <a:xfrm>
-            <a:off x="311760" y="2936880"/>
-            <a:ext cx="2743200" cy="1629360"/>
+            <a:off x="311760" y="2936520"/>
+            <a:ext cx="2743200" cy="1629000"/>
           </a:xfrm>
           <a:prstGeom prst="rect">
             <a:avLst/>
@@ -532,10 +499,7 @@
             <a:normAutofit/>
           </a:bodyPr>
           <a:p>
-            <a:endParaRPr b="0" lang="en-US" sz="1400" spc="-1" strike="noStrike">
-              <a:solidFill>
-                <a:srgbClr val="000000"/>
-              </a:solidFill>
+            <a:endParaRPr b="0" lang="en-US" sz="3200" spc="-1" strike="noStrike">
               <a:latin typeface="Arial"/>
             </a:endParaRPr>
           </a:p>
@@ -543,7 +507,7 @@
       </p:sp>
       <p:sp>
         <p:nvSpPr>
-          <p:cNvPr id="37" name="PlaceHolder 6"/>
+          <p:cNvPr id="36" name="PlaceHolder 6"/>
           <p:cNvSpPr>
             <a:spLocks noGrp="1"/>
           </p:cNvSpPr>
@@ -553,8 +517,8 @@
         </p:nvSpPr>
         <p:spPr>
           <a:xfrm>
-            <a:off x="3192480" y="2936880"/>
-            <a:ext cx="2743200" cy="1629360"/>
+            <a:off x="3192480" y="2936520"/>
+            <a:ext cx="2743200" cy="1629000"/>
           </a:xfrm>
           <a:prstGeom prst="rect">
             <a:avLst/>
@@ -565,10 +529,7 @@
             <a:normAutofit/>
           </a:bodyPr>
           <a:p>
-            <a:endParaRPr b="0" lang="en-US" sz="1400" spc="-1" strike="noStrike">
-              <a:solidFill>
-                <a:srgbClr val="000000"/>
-              </a:solidFill>
+            <a:endParaRPr b="0" lang="en-US" sz="3200" spc="-1" strike="noStrike">
               <a:latin typeface="Arial"/>
             </a:endParaRPr>
           </a:p>
@@ -576,7 +537,7 @@
       </p:sp>
       <p:sp>
         <p:nvSpPr>
-          <p:cNvPr id="38" name="PlaceHolder 7"/>
+          <p:cNvPr id="37" name="PlaceHolder 7"/>
           <p:cNvSpPr>
             <a:spLocks noGrp="1"/>
           </p:cNvSpPr>
@@ -586,8 +547,8 @@
         </p:nvSpPr>
         <p:spPr>
           <a:xfrm>
-            <a:off x="6073200" y="2936880"/>
-            <a:ext cx="2743200" cy="1629360"/>
+            <a:off x="6073200" y="2936520"/>
+            <a:ext cx="2743200" cy="1629000"/>
           </a:xfrm>
           <a:prstGeom prst="rect">
             <a:avLst/>
@@ -598,10 +559,7 @@
             <a:normAutofit/>
           </a:bodyPr>
           <a:p>
-            <a:endParaRPr b="0" lang="en-US" sz="1400" spc="-1" strike="noStrike">
-              <a:solidFill>
-                <a:srgbClr val="000000"/>
-              </a:solidFill>
+            <a:endParaRPr b="0" lang="en-US" sz="3200" spc="-1" strike="noStrike">
               <a:latin typeface="Arial"/>
             </a:endParaRPr>
           </a:p>
@@ -653,7 +611,7 @@
       </p:grpSpPr>
       <p:sp>
         <p:nvSpPr>
-          <p:cNvPr id="42" name="PlaceHolder 1"/>
+          <p:cNvPr id="40" name="PlaceHolder 1"/>
           <p:cNvSpPr>
             <a:spLocks noGrp="1"/>
           </p:cNvSpPr>
@@ -663,8 +621,8 @@
         </p:nvSpPr>
         <p:spPr>
           <a:xfrm>
-            <a:off x="311760" y="444960"/>
-            <a:ext cx="8520120" cy="572400"/>
+            <a:off x="311760" y="418320"/>
+            <a:ext cx="8519760" cy="625320"/>
           </a:xfrm>
           <a:prstGeom prst="rect">
             <a:avLst/>
@@ -675,10 +633,8 @@
             <a:noAutofit/>
           </a:bodyPr>
           <a:p>
-            <a:endParaRPr b="0" lang="en-US" sz="1400" spc="-1" strike="noStrike">
-              <a:solidFill>
-                <a:srgbClr val="000000"/>
-              </a:solidFill>
+            <a:pPr algn="ctr"/>
+            <a:endParaRPr b="0" lang="en-US" sz="4400" spc="-1" strike="noStrike">
               <a:latin typeface="Arial"/>
             </a:endParaRPr>
           </a:p>
@@ -686,7 +642,7 @@
       </p:sp>
       <p:sp>
         <p:nvSpPr>
-          <p:cNvPr id="43" name="PlaceHolder 2"/>
+          <p:cNvPr id="41" name="PlaceHolder 2"/>
           <p:cNvSpPr>
             <a:spLocks noGrp="1"/>
           </p:cNvSpPr>
@@ -697,7 +653,7 @@
         <p:spPr>
           <a:xfrm>
             <a:off x="311760" y="1152360"/>
-            <a:ext cx="8520120" cy="3416040"/>
+            <a:ext cx="8519760" cy="3415680"/>
           </a:xfrm>
           <a:prstGeom prst="rect">
             <a:avLst/>
@@ -739,7 +695,7 @@
       </p:grpSpPr>
       <p:sp>
         <p:nvSpPr>
-          <p:cNvPr id="44" name="PlaceHolder 1"/>
+          <p:cNvPr id="42" name="PlaceHolder 1"/>
           <p:cNvSpPr>
             <a:spLocks noGrp="1"/>
           </p:cNvSpPr>
@@ -749,8 +705,8 @@
         </p:nvSpPr>
         <p:spPr>
           <a:xfrm>
-            <a:off x="311760" y="444960"/>
-            <a:ext cx="8520120" cy="572400"/>
+            <a:off x="311760" y="418320"/>
+            <a:ext cx="8519760" cy="625320"/>
           </a:xfrm>
           <a:prstGeom prst="rect">
             <a:avLst/>
@@ -761,10 +717,8 @@
             <a:noAutofit/>
           </a:bodyPr>
           <a:p>
-            <a:endParaRPr b="0" lang="en-US" sz="1400" spc="-1" strike="noStrike">
-              <a:solidFill>
-                <a:srgbClr val="000000"/>
-              </a:solidFill>
+            <a:pPr algn="ctr"/>
+            <a:endParaRPr b="0" lang="en-US" sz="4400" spc="-1" strike="noStrike">
               <a:latin typeface="Arial"/>
             </a:endParaRPr>
           </a:p>
@@ -772,7 +726,7 @@
       </p:sp>
       <p:sp>
         <p:nvSpPr>
-          <p:cNvPr id="45" name="PlaceHolder 2"/>
+          <p:cNvPr id="43" name="PlaceHolder 2"/>
           <p:cNvSpPr>
             <a:spLocks noGrp="1"/>
           </p:cNvSpPr>
@@ -783,7 +737,7 @@
         <p:spPr>
           <a:xfrm>
             <a:off x="311760" y="1152360"/>
-            <a:ext cx="8520120" cy="3416040"/>
+            <a:ext cx="8519760" cy="3415680"/>
           </a:xfrm>
           <a:prstGeom prst="rect">
             <a:avLst/>
@@ -794,10 +748,7 @@
             <a:normAutofit/>
           </a:bodyPr>
           <a:p>
-            <a:endParaRPr b="0" lang="en-US" sz="1400" spc="-1" strike="noStrike">
-              <a:solidFill>
-                <a:srgbClr val="000000"/>
-              </a:solidFill>
+            <a:endParaRPr b="0" lang="en-US" sz="3200" spc="-1" strike="noStrike">
               <a:latin typeface="Arial"/>
             </a:endParaRPr>
           </a:p>
@@ -827,7 +778,7 @@
       </p:grpSpPr>
       <p:sp>
         <p:nvSpPr>
-          <p:cNvPr id="46" name="PlaceHolder 1"/>
+          <p:cNvPr id="44" name="PlaceHolder 1"/>
           <p:cNvSpPr>
             <a:spLocks noGrp="1"/>
           </p:cNvSpPr>
@@ -837,8 +788,8 @@
         </p:nvSpPr>
         <p:spPr>
           <a:xfrm>
-            <a:off x="311760" y="444960"/>
-            <a:ext cx="8520120" cy="572400"/>
+            <a:off x="311760" y="418320"/>
+            <a:ext cx="8519760" cy="625320"/>
           </a:xfrm>
           <a:prstGeom prst="rect">
             <a:avLst/>
@@ -849,10 +800,8 @@
             <a:noAutofit/>
           </a:bodyPr>
           <a:p>
-            <a:endParaRPr b="0" lang="en-US" sz="1400" spc="-1" strike="noStrike">
-              <a:solidFill>
-                <a:srgbClr val="000000"/>
-              </a:solidFill>
+            <a:pPr algn="ctr"/>
+            <a:endParaRPr b="0" lang="en-US" sz="4400" spc="-1" strike="noStrike">
               <a:latin typeface="Arial"/>
             </a:endParaRPr>
           </a:p>
@@ -860,7 +809,7 @@
       </p:sp>
       <p:sp>
         <p:nvSpPr>
-          <p:cNvPr id="47" name="PlaceHolder 2"/>
+          <p:cNvPr id="45" name="PlaceHolder 2"/>
           <p:cNvSpPr>
             <a:spLocks noGrp="1"/>
           </p:cNvSpPr>
@@ -871,7 +820,7 @@
         <p:spPr>
           <a:xfrm>
             <a:off x="311760" y="1152360"/>
-            <a:ext cx="4157640" cy="3416040"/>
+            <a:ext cx="4157280" cy="3415680"/>
           </a:xfrm>
           <a:prstGeom prst="rect">
             <a:avLst/>
@@ -882,10 +831,7 @@
             <a:normAutofit/>
           </a:bodyPr>
           <a:p>
-            <a:endParaRPr b="0" lang="en-US" sz="1400" spc="-1" strike="noStrike">
-              <a:solidFill>
-                <a:srgbClr val="000000"/>
-              </a:solidFill>
+            <a:endParaRPr b="0" lang="en-US" sz="3200" spc="-1" strike="noStrike">
               <a:latin typeface="Arial"/>
             </a:endParaRPr>
           </a:p>
@@ -893,7 +839,7 @@
       </p:sp>
       <p:sp>
         <p:nvSpPr>
-          <p:cNvPr id="48" name="PlaceHolder 3"/>
+          <p:cNvPr id="46" name="PlaceHolder 3"/>
           <p:cNvSpPr>
             <a:spLocks noGrp="1"/>
           </p:cNvSpPr>
@@ -903,8 +849,8 @@
         </p:nvSpPr>
         <p:spPr>
           <a:xfrm>
-            <a:off x="4677840" y="1152360"/>
-            <a:ext cx="4157640" cy="3416040"/>
+            <a:off x="4677120" y="1152360"/>
+            <a:ext cx="4157280" cy="3415680"/>
           </a:xfrm>
           <a:prstGeom prst="rect">
             <a:avLst/>
@@ -915,10 +861,7 @@
             <a:normAutofit/>
           </a:bodyPr>
           <a:p>
-            <a:endParaRPr b="0" lang="en-US" sz="1400" spc="-1" strike="noStrike">
-              <a:solidFill>
-                <a:srgbClr val="000000"/>
-              </a:solidFill>
+            <a:endParaRPr b="0" lang="en-US" sz="3200" spc="-1" strike="noStrike">
               <a:latin typeface="Arial"/>
             </a:endParaRPr>
           </a:p>
@@ -948,7 +891,7 @@
       </p:grpSpPr>
       <p:sp>
         <p:nvSpPr>
-          <p:cNvPr id="49" name="PlaceHolder 1"/>
+          <p:cNvPr id="47" name="PlaceHolder 1"/>
           <p:cNvSpPr>
             <a:spLocks noGrp="1"/>
           </p:cNvSpPr>
@@ -958,8 +901,8 @@
         </p:nvSpPr>
         <p:spPr>
           <a:xfrm>
-            <a:off x="311760" y="444960"/>
-            <a:ext cx="8520120" cy="572400"/>
+            <a:off x="311760" y="418320"/>
+            <a:ext cx="8519760" cy="625320"/>
           </a:xfrm>
           <a:prstGeom prst="rect">
             <a:avLst/>
@@ -970,10 +913,8 @@
             <a:noAutofit/>
           </a:bodyPr>
           <a:p>
-            <a:endParaRPr b="0" lang="en-US" sz="1400" spc="-1" strike="noStrike">
-              <a:solidFill>
-                <a:srgbClr val="000000"/>
-              </a:solidFill>
+            <a:pPr algn="ctr"/>
+            <a:endParaRPr b="0" lang="en-US" sz="4400" spc="-1" strike="noStrike">
               <a:latin typeface="Arial"/>
             </a:endParaRPr>
           </a:p>
@@ -1003,7 +944,7 @@
       </p:grpSpPr>
       <p:sp>
         <p:nvSpPr>
-          <p:cNvPr id="50" name="PlaceHolder 1"/>
+          <p:cNvPr id="48" name="PlaceHolder 1"/>
           <p:cNvSpPr>
             <a:spLocks noGrp="1"/>
           </p:cNvSpPr>
@@ -1014,7 +955,7 @@
         <p:spPr>
           <a:xfrm>
             <a:off x="311760" y="444960"/>
-            <a:ext cx="8520120" cy="2654640"/>
+            <a:ext cx="8519760" cy="2652840"/>
           </a:xfrm>
           <a:prstGeom prst="rect">
             <a:avLst/>
@@ -1056,7 +997,7 @@
       </p:grpSpPr>
       <p:sp>
         <p:nvSpPr>
-          <p:cNvPr id="51" name="PlaceHolder 1"/>
+          <p:cNvPr id="49" name="PlaceHolder 1"/>
           <p:cNvSpPr>
             <a:spLocks noGrp="1"/>
           </p:cNvSpPr>
@@ -1066,8 +1007,8 @@
         </p:nvSpPr>
         <p:spPr>
           <a:xfrm>
-            <a:off x="311760" y="444960"/>
-            <a:ext cx="8520120" cy="572400"/>
+            <a:off x="311760" y="418320"/>
+            <a:ext cx="8519760" cy="625320"/>
           </a:xfrm>
           <a:prstGeom prst="rect">
             <a:avLst/>
@@ -1078,10 +1019,8 @@
             <a:noAutofit/>
           </a:bodyPr>
           <a:p>
-            <a:endParaRPr b="0" lang="en-US" sz="1400" spc="-1" strike="noStrike">
-              <a:solidFill>
-                <a:srgbClr val="000000"/>
-              </a:solidFill>
+            <a:pPr algn="ctr"/>
+            <a:endParaRPr b="0" lang="en-US" sz="4400" spc="-1" strike="noStrike">
               <a:latin typeface="Arial"/>
             </a:endParaRPr>
           </a:p>
@@ -1089,7 +1028,7 @@
       </p:sp>
       <p:sp>
         <p:nvSpPr>
-          <p:cNvPr id="52" name="PlaceHolder 2"/>
+          <p:cNvPr id="50" name="PlaceHolder 2"/>
           <p:cNvSpPr>
             <a:spLocks noGrp="1"/>
           </p:cNvSpPr>
@@ -1100,7 +1039,7 @@
         <p:spPr>
           <a:xfrm>
             <a:off x="311760" y="1152360"/>
-            <a:ext cx="4157640" cy="1629360"/>
+            <a:ext cx="4157280" cy="1629000"/>
           </a:xfrm>
           <a:prstGeom prst="rect">
             <a:avLst/>
@@ -1111,10 +1050,7 @@
             <a:normAutofit/>
           </a:bodyPr>
           <a:p>
-            <a:endParaRPr b="0" lang="en-US" sz="1400" spc="-1" strike="noStrike">
-              <a:solidFill>
-                <a:srgbClr val="000000"/>
-              </a:solidFill>
+            <a:endParaRPr b="0" lang="en-US" sz="3200" spc="-1" strike="noStrike">
               <a:latin typeface="Arial"/>
             </a:endParaRPr>
           </a:p>
@@ -1122,7 +1058,7 @@
       </p:sp>
       <p:sp>
         <p:nvSpPr>
-          <p:cNvPr id="53" name="PlaceHolder 3"/>
+          <p:cNvPr id="51" name="PlaceHolder 3"/>
           <p:cNvSpPr>
             <a:spLocks noGrp="1"/>
           </p:cNvSpPr>
@@ -1132,8 +1068,8 @@
         </p:nvSpPr>
         <p:spPr>
           <a:xfrm>
-            <a:off x="4677840" y="1152360"/>
-            <a:ext cx="4157640" cy="3416040"/>
+            <a:off x="4677120" y="1152360"/>
+            <a:ext cx="4157280" cy="3415680"/>
           </a:xfrm>
           <a:prstGeom prst="rect">
             <a:avLst/>
@@ -1144,10 +1080,7 @@
             <a:normAutofit/>
           </a:bodyPr>
           <a:p>
-            <a:endParaRPr b="0" lang="en-US" sz="1400" spc="-1" strike="noStrike">
-              <a:solidFill>
-                <a:srgbClr val="000000"/>
-              </a:solidFill>
+            <a:endParaRPr b="0" lang="en-US" sz="3200" spc="-1" strike="noStrike">
               <a:latin typeface="Arial"/>
             </a:endParaRPr>
           </a:p>
@@ -1155,7 +1088,7 @@
       </p:sp>
       <p:sp>
         <p:nvSpPr>
-          <p:cNvPr id="54" name="PlaceHolder 4"/>
+          <p:cNvPr id="52" name="PlaceHolder 4"/>
           <p:cNvSpPr>
             <a:spLocks noGrp="1"/>
           </p:cNvSpPr>
@@ -1165,8 +1098,8 @@
         </p:nvSpPr>
         <p:spPr>
           <a:xfrm>
-            <a:off x="311760" y="2936880"/>
-            <a:ext cx="4157640" cy="1629360"/>
+            <a:off x="311760" y="2936520"/>
+            <a:ext cx="4157280" cy="1629000"/>
           </a:xfrm>
           <a:prstGeom prst="rect">
             <a:avLst/>
@@ -1177,10 +1110,7 @@
             <a:normAutofit/>
           </a:bodyPr>
           <a:p>
-            <a:endParaRPr b="0" lang="en-US" sz="1400" spc="-1" strike="noStrike">
-              <a:solidFill>
-                <a:srgbClr val="000000"/>
-              </a:solidFill>
+            <a:endParaRPr b="0" lang="en-US" sz="3200" spc="-1" strike="noStrike">
               <a:latin typeface="Arial"/>
             </a:endParaRPr>
           </a:p>
@@ -1210,7 +1140,7 @@
       </p:grpSpPr>
       <p:sp>
         <p:nvSpPr>
-          <p:cNvPr id="3" name="PlaceHolder 1"/>
+          <p:cNvPr id="2" name="PlaceHolder 1"/>
           <p:cNvSpPr>
             <a:spLocks noGrp="1"/>
           </p:cNvSpPr>
@@ -1220,8 +1150,8 @@
         </p:nvSpPr>
         <p:spPr>
           <a:xfrm>
-            <a:off x="311760" y="444960"/>
-            <a:ext cx="8520120" cy="572400"/>
+            <a:off x="311760" y="418320"/>
+            <a:ext cx="8519760" cy="625320"/>
           </a:xfrm>
           <a:prstGeom prst="rect">
             <a:avLst/>
@@ -1232,10 +1162,8 @@
             <a:noAutofit/>
           </a:bodyPr>
           <a:p>
-            <a:endParaRPr b="0" lang="en-US" sz="1400" spc="-1" strike="noStrike">
-              <a:solidFill>
-                <a:srgbClr val="000000"/>
-              </a:solidFill>
+            <a:pPr algn="ctr"/>
+            <a:endParaRPr b="0" lang="en-US" sz="4400" spc="-1" strike="noStrike">
               <a:latin typeface="Arial"/>
             </a:endParaRPr>
           </a:p>
@@ -1243,7 +1171,7 @@
       </p:sp>
       <p:sp>
         <p:nvSpPr>
-          <p:cNvPr id="4" name="PlaceHolder 2"/>
+          <p:cNvPr id="3" name="PlaceHolder 2"/>
           <p:cNvSpPr>
             <a:spLocks noGrp="1"/>
           </p:cNvSpPr>
@@ -1254,7 +1182,7 @@
         <p:spPr>
           <a:xfrm>
             <a:off x="311760" y="1152360"/>
-            <a:ext cx="8520120" cy="3416040"/>
+            <a:ext cx="8519760" cy="3415680"/>
           </a:xfrm>
           <a:prstGeom prst="rect">
             <a:avLst/>
@@ -1296,7 +1224,7 @@
       </p:grpSpPr>
       <p:sp>
         <p:nvSpPr>
-          <p:cNvPr id="55" name="PlaceHolder 1"/>
+          <p:cNvPr id="53" name="PlaceHolder 1"/>
           <p:cNvSpPr>
             <a:spLocks noGrp="1"/>
           </p:cNvSpPr>
@@ -1306,8 +1234,8 @@
         </p:nvSpPr>
         <p:spPr>
           <a:xfrm>
-            <a:off x="311760" y="444960"/>
-            <a:ext cx="8520120" cy="572400"/>
+            <a:off x="311760" y="418320"/>
+            <a:ext cx="8519760" cy="625320"/>
           </a:xfrm>
           <a:prstGeom prst="rect">
             <a:avLst/>
@@ -1318,10 +1246,8 @@
             <a:noAutofit/>
           </a:bodyPr>
           <a:p>
-            <a:endParaRPr b="0" lang="en-US" sz="1400" spc="-1" strike="noStrike">
-              <a:solidFill>
-                <a:srgbClr val="000000"/>
-              </a:solidFill>
+            <a:pPr algn="ctr"/>
+            <a:endParaRPr b="0" lang="en-US" sz="4400" spc="-1" strike="noStrike">
               <a:latin typeface="Arial"/>
             </a:endParaRPr>
           </a:p>
@@ -1329,7 +1255,7 @@
       </p:sp>
       <p:sp>
         <p:nvSpPr>
-          <p:cNvPr id="56" name="PlaceHolder 2"/>
+          <p:cNvPr id="54" name="PlaceHolder 2"/>
           <p:cNvSpPr>
             <a:spLocks noGrp="1"/>
           </p:cNvSpPr>
@@ -1340,7 +1266,7 @@
         <p:spPr>
           <a:xfrm>
             <a:off x="311760" y="1152360"/>
-            <a:ext cx="4157640" cy="3416040"/>
+            <a:ext cx="4157280" cy="3415680"/>
           </a:xfrm>
           <a:prstGeom prst="rect">
             <a:avLst/>
@@ -1351,10 +1277,7 @@
             <a:normAutofit/>
           </a:bodyPr>
           <a:p>
-            <a:endParaRPr b="0" lang="en-US" sz="1400" spc="-1" strike="noStrike">
-              <a:solidFill>
-                <a:srgbClr val="000000"/>
-              </a:solidFill>
+            <a:endParaRPr b="0" lang="en-US" sz="3200" spc="-1" strike="noStrike">
               <a:latin typeface="Arial"/>
             </a:endParaRPr>
           </a:p>
@@ -1362,7 +1285,7 @@
       </p:sp>
       <p:sp>
         <p:nvSpPr>
-          <p:cNvPr id="57" name="PlaceHolder 3"/>
+          <p:cNvPr id="55" name="PlaceHolder 3"/>
           <p:cNvSpPr>
             <a:spLocks noGrp="1"/>
           </p:cNvSpPr>
@@ -1372,8 +1295,8 @@
         </p:nvSpPr>
         <p:spPr>
           <a:xfrm>
-            <a:off x="4677840" y="1152360"/>
-            <a:ext cx="4157640" cy="1629360"/>
+            <a:off x="4677120" y="1152360"/>
+            <a:ext cx="4157280" cy="1629000"/>
           </a:xfrm>
           <a:prstGeom prst="rect">
             <a:avLst/>
@@ -1384,10 +1307,7 @@
             <a:normAutofit/>
           </a:bodyPr>
           <a:p>
-            <a:endParaRPr b="0" lang="en-US" sz="1400" spc="-1" strike="noStrike">
-              <a:solidFill>
-                <a:srgbClr val="000000"/>
-              </a:solidFill>
+            <a:endParaRPr b="0" lang="en-US" sz="3200" spc="-1" strike="noStrike">
               <a:latin typeface="Arial"/>
             </a:endParaRPr>
           </a:p>
@@ -1395,7 +1315,7 @@
       </p:sp>
       <p:sp>
         <p:nvSpPr>
-          <p:cNvPr id="58" name="PlaceHolder 4"/>
+          <p:cNvPr id="56" name="PlaceHolder 4"/>
           <p:cNvSpPr>
             <a:spLocks noGrp="1"/>
           </p:cNvSpPr>
@@ -1405,8 +1325,8 @@
         </p:nvSpPr>
         <p:spPr>
           <a:xfrm>
-            <a:off x="4677840" y="2936880"/>
-            <a:ext cx="4157640" cy="1629360"/>
+            <a:off x="4677120" y="2936520"/>
+            <a:ext cx="4157280" cy="1629000"/>
           </a:xfrm>
           <a:prstGeom prst="rect">
             <a:avLst/>
@@ -1417,10 +1337,7 @@
             <a:normAutofit/>
           </a:bodyPr>
           <a:p>
-            <a:endParaRPr b="0" lang="en-US" sz="1400" spc="-1" strike="noStrike">
-              <a:solidFill>
-                <a:srgbClr val="000000"/>
-              </a:solidFill>
+            <a:endParaRPr b="0" lang="en-US" sz="3200" spc="-1" strike="noStrike">
               <a:latin typeface="Arial"/>
             </a:endParaRPr>
           </a:p>
@@ -1450,7 +1367,7 @@
       </p:grpSpPr>
       <p:sp>
         <p:nvSpPr>
-          <p:cNvPr id="59" name="PlaceHolder 1"/>
+          <p:cNvPr id="57" name="PlaceHolder 1"/>
           <p:cNvSpPr>
             <a:spLocks noGrp="1"/>
           </p:cNvSpPr>
@@ -1460,8 +1377,8 @@
         </p:nvSpPr>
         <p:spPr>
           <a:xfrm>
-            <a:off x="311760" y="444960"/>
-            <a:ext cx="8520120" cy="572400"/>
+            <a:off x="311760" y="418320"/>
+            <a:ext cx="8519760" cy="625320"/>
           </a:xfrm>
           <a:prstGeom prst="rect">
             <a:avLst/>
@@ -1472,10 +1389,8 @@
             <a:noAutofit/>
           </a:bodyPr>
           <a:p>
-            <a:endParaRPr b="0" lang="en-US" sz="1400" spc="-1" strike="noStrike">
-              <a:solidFill>
-                <a:srgbClr val="000000"/>
-              </a:solidFill>
+            <a:pPr algn="ctr"/>
+            <a:endParaRPr b="0" lang="en-US" sz="4400" spc="-1" strike="noStrike">
               <a:latin typeface="Arial"/>
             </a:endParaRPr>
           </a:p>
@@ -1483,7 +1398,7 @@
       </p:sp>
       <p:sp>
         <p:nvSpPr>
-          <p:cNvPr id="60" name="PlaceHolder 2"/>
+          <p:cNvPr id="58" name="PlaceHolder 2"/>
           <p:cNvSpPr>
             <a:spLocks noGrp="1"/>
           </p:cNvSpPr>
@@ -1494,7 +1409,7 @@
         <p:spPr>
           <a:xfrm>
             <a:off x="311760" y="1152360"/>
-            <a:ext cx="4157640" cy="1629360"/>
+            <a:ext cx="4157280" cy="1629000"/>
           </a:xfrm>
           <a:prstGeom prst="rect">
             <a:avLst/>
@@ -1505,10 +1420,7 @@
             <a:normAutofit/>
           </a:bodyPr>
           <a:p>
-            <a:endParaRPr b="0" lang="en-US" sz="1400" spc="-1" strike="noStrike">
-              <a:solidFill>
-                <a:srgbClr val="000000"/>
-              </a:solidFill>
+            <a:endParaRPr b="0" lang="en-US" sz="3200" spc="-1" strike="noStrike">
               <a:latin typeface="Arial"/>
             </a:endParaRPr>
           </a:p>
@@ -1516,7 +1428,7 @@
       </p:sp>
       <p:sp>
         <p:nvSpPr>
-          <p:cNvPr id="61" name="PlaceHolder 3"/>
+          <p:cNvPr id="59" name="PlaceHolder 3"/>
           <p:cNvSpPr>
             <a:spLocks noGrp="1"/>
           </p:cNvSpPr>
@@ -1526,8 +1438,8 @@
         </p:nvSpPr>
         <p:spPr>
           <a:xfrm>
-            <a:off x="4677840" y="1152360"/>
-            <a:ext cx="4157640" cy="1629360"/>
+            <a:off x="4677120" y="1152360"/>
+            <a:ext cx="4157280" cy="1629000"/>
           </a:xfrm>
           <a:prstGeom prst="rect">
             <a:avLst/>
@@ -1538,10 +1450,7 @@
             <a:normAutofit/>
           </a:bodyPr>
           <a:p>
-            <a:endParaRPr b="0" lang="en-US" sz="1400" spc="-1" strike="noStrike">
-              <a:solidFill>
-                <a:srgbClr val="000000"/>
-              </a:solidFill>
+            <a:endParaRPr b="0" lang="en-US" sz="3200" spc="-1" strike="noStrike">
               <a:latin typeface="Arial"/>
             </a:endParaRPr>
           </a:p>
@@ -1549,7 +1458,7 @@
       </p:sp>
       <p:sp>
         <p:nvSpPr>
-          <p:cNvPr id="62" name="PlaceHolder 4"/>
+          <p:cNvPr id="60" name="PlaceHolder 4"/>
           <p:cNvSpPr>
             <a:spLocks noGrp="1"/>
           </p:cNvSpPr>
@@ -1559,8 +1468,8 @@
         </p:nvSpPr>
         <p:spPr>
           <a:xfrm>
-            <a:off x="311760" y="2936880"/>
-            <a:ext cx="8520120" cy="1629360"/>
+            <a:off x="311760" y="2936520"/>
+            <a:ext cx="8519760" cy="1629000"/>
           </a:xfrm>
           <a:prstGeom prst="rect">
             <a:avLst/>
@@ -1571,10 +1480,7 @@
             <a:normAutofit/>
           </a:bodyPr>
           <a:p>
-            <a:endParaRPr b="0" lang="en-US" sz="1400" spc="-1" strike="noStrike">
-              <a:solidFill>
-                <a:srgbClr val="000000"/>
-              </a:solidFill>
+            <a:endParaRPr b="0" lang="en-US" sz="3200" spc="-1" strike="noStrike">
               <a:latin typeface="Arial"/>
             </a:endParaRPr>
           </a:p>
@@ -1604,7 +1510,7 @@
       </p:grpSpPr>
       <p:sp>
         <p:nvSpPr>
-          <p:cNvPr id="63" name="PlaceHolder 1"/>
+          <p:cNvPr id="61" name="PlaceHolder 1"/>
           <p:cNvSpPr>
             <a:spLocks noGrp="1"/>
           </p:cNvSpPr>
@@ -1614,8 +1520,8 @@
         </p:nvSpPr>
         <p:spPr>
           <a:xfrm>
-            <a:off x="311760" y="444960"/>
-            <a:ext cx="8520120" cy="572400"/>
+            <a:off x="311760" y="418320"/>
+            <a:ext cx="8519760" cy="625320"/>
           </a:xfrm>
           <a:prstGeom prst="rect">
             <a:avLst/>
@@ -1626,10 +1532,8 @@
             <a:noAutofit/>
           </a:bodyPr>
           <a:p>
-            <a:endParaRPr b="0" lang="en-US" sz="1400" spc="-1" strike="noStrike">
-              <a:solidFill>
-                <a:srgbClr val="000000"/>
-              </a:solidFill>
+            <a:pPr algn="ctr"/>
+            <a:endParaRPr b="0" lang="en-US" sz="4400" spc="-1" strike="noStrike">
               <a:latin typeface="Arial"/>
             </a:endParaRPr>
           </a:p>
@@ -1637,7 +1541,7 @@
       </p:sp>
       <p:sp>
         <p:nvSpPr>
-          <p:cNvPr id="64" name="PlaceHolder 2"/>
+          <p:cNvPr id="62" name="PlaceHolder 2"/>
           <p:cNvSpPr>
             <a:spLocks noGrp="1"/>
           </p:cNvSpPr>
@@ -1648,7 +1552,7 @@
         <p:spPr>
           <a:xfrm>
             <a:off x="311760" y="1152360"/>
-            <a:ext cx="8520120" cy="1629360"/>
+            <a:ext cx="8519760" cy="1629000"/>
           </a:xfrm>
           <a:prstGeom prst="rect">
             <a:avLst/>
@@ -1659,10 +1563,7 @@
             <a:normAutofit/>
           </a:bodyPr>
           <a:p>
-            <a:endParaRPr b="0" lang="en-US" sz="1400" spc="-1" strike="noStrike">
-              <a:solidFill>
-                <a:srgbClr val="000000"/>
-              </a:solidFill>
+            <a:endParaRPr b="0" lang="en-US" sz="3200" spc="-1" strike="noStrike">
               <a:latin typeface="Arial"/>
             </a:endParaRPr>
           </a:p>
@@ -1670,7 +1571,7 @@
       </p:sp>
       <p:sp>
         <p:nvSpPr>
-          <p:cNvPr id="65" name="PlaceHolder 3"/>
+          <p:cNvPr id="63" name="PlaceHolder 3"/>
           <p:cNvSpPr>
             <a:spLocks noGrp="1"/>
           </p:cNvSpPr>
@@ -1680,8 +1581,8 @@
         </p:nvSpPr>
         <p:spPr>
           <a:xfrm>
-            <a:off x="311760" y="2936880"/>
-            <a:ext cx="8520120" cy="1629360"/>
+            <a:off x="311760" y="2936520"/>
+            <a:ext cx="8519760" cy="1629000"/>
           </a:xfrm>
           <a:prstGeom prst="rect">
             <a:avLst/>
@@ -1692,10 +1593,7 @@
             <a:normAutofit/>
           </a:bodyPr>
           <a:p>
-            <a:endParaRPr b="0" lang="en-US" sz="1400" spc="-1" strike="noStrike">
-              <a:solidFill>
-                <a:srgbClr val="000000"/>
-              </a:solidFill>
+            <a:endParaRPr b="0" lang="en-US" sz="3200" spc="-1" strike="noStrike">
               <a:latin typeface="Arial"/>
             </a:endParaRPr>
           </a:p>
@@ -1725,7 +1623,7 @@
       </p:grpSpPr>
       <p:sp>
         <p:nvSpPr>
-          <p:cNvPr id="66" name="PlaceHolder 1"/>
+          <p:cNvPr id="64" name="PlaceHolder 1"/>
           <p:cNvSpPr>
             <a:spLocks noGrp="1"/>
           </p:cNvSpPr>
@@ -1735,8 +1633,8 @@
         </p:nvSpPr>
         <p:spPr>
           <a:xfrm>
-            <a:off x="311760" y="444960"/>
-            <a:ext cx="8520120" cy="572400"/>
+            <a:off x="311760" y="418320"/>
+            <a:ext cx="8519760" cy="625320"/>
           </a:xfrm>
           <a:prstGeom prst="rect">
             <a:avLst/>
@@ -1747,10 +1645,8 @@
             <a:noAutofit/>
           </a:bodyPr>
           <a:p>
-            <a:endParaRPr b="0" lang="en-US" sz="1400" spc="-1" strike="noStrike">
-              <a:solidFill>
-                <a:srgbClr val="000000"/>
-              </a:solidFill>
+            <a:pPr algn="ctr"/>
+            <a:endParaRPr b="0" lang="en-US" sz="4400" spc="-1" strike="noStrike">
               <a:latin typeface="Arial"/>
             </a:endParaRPr>
           </a:p>
@@ -1758,7 +1654,7 @@
       </p:sp>
       <p:sp>
         <p:nvSpPr>
-          <p:cNvPr id="67" name="PlaceHolder 2"/>
+          <p:cNvPr id="65" name="PlaceHolder 2"/>
           <p:cNvSpPr>
             <a:spLocks noGrp="1"/>
           </p:cNvSpPr>
@@ -1769,7 +1665,7 @@
         <p:spPr>
           <a:xfrm>
             <a:off x="311760" y="1152360"/>
-            <a:ext cx="4157640" cy="1629360"/>
+            <a:ext cx="4157280" cy="1629000"/>
           </a:xfrm>
           <a:prstGeom prst="rect">
             <a:avLst/>
@@ -1780,10 +1676,7 @@
             <a:normAutofit/>
           </a:bodyPr>
           <a:p>
-            <a:endParaRPr b="0" lang="en-US" sz="1400" spc="-1" strike="noStrike">
-              <a:solidFill>
-                <a:srgbClr val="000000"/>
-              </a:solidFill>
+            <a:endParaRPr b="0" lang="en-US" sz="3200" spc="-1" strike="noStrike">
               <a:latin typeface="Arial"/>
             </a:endParaRPr>
           </a:p>
@@ -1791,7 +1684,7 @@
       </p:sp>
       <p:sp>
         <p:nvSpPr>
-          <p:cNvPr id="68" name="PlaceHolder 3"/>
+          <p:cNvPr id="66" name="PlaceHolder 3"/>
           <p:cNvSpPr>
             <a:spLocks noGrp="1"/>
           </p:cNvSpPr>
@@ -1801,8 +1694,8 @@
         </p:nvSpPr>
         <p:spPr>
           <a:xfrm>
-            <a:off x="4677840" y="1152360"/>
-            <a:ext cx="4157640" cy="1629360"/>
+            <a:off x="4677120" y="1152360"/>
+            <a:ext cx="4157280" cy="1629000"/>
           </a:xfrm>
           <a:prstGeom prst="rect">
             <a:avLst/>
@@ -1813,10 +1706,7 @@
             <a:normAutofit/>
           </a:bodyPr>
           <a:p>
-            <a:endParaRPr b="0" lang="en-US" sz="1400" spc="-1" strike="noStrike">
-              <a:solidFill>
-                <a:srgbClr val="000000"/>
-              </a:solidFill>
+            <a:endParaRPr b="0" lang="en-US" sz="3200" spc="-1" strike="noStrike">
               <a:latin typeface="Arial"/>
             </a:endParaRPr>
           </a:p>
@@ -1824,7 +1714,7 @@
       </p:sp>
       <p:sp>
         <p:nvSpPr>
-          <p:cNvPr id="69" name="PlaceHolder 4"/>
+          <p:cNvPr id="67" name="PlaceHolder 4"/>
           <p:cNvSpPr>
             <a:spLocks noGrp="1"/>
           </p:cNvSpPr>
@@ -1834,8 +1724,8 @@
         </p:nvSpPr>
         <p:spPr>
           <a:xfrm>
-            <a:off x="311760" y="2936880"/>
-            <a:ext cx="4157640" cy="1629360"/>
+            <a:off x="311760" y="2936520"/>
+            <a:ext cx="4157280" cy="1629000"/>
           </a:xfrm>
           <a:prstGeom prst="rect">
             <a:avLst/>
@@ -1846,10 +1736,7 @@
             <a:normAutofit/>
           </a:bodyPr>
           <a:p>
-            <a:endParaRPr b="0" lang="en-US" sz="1400" spc="-1" strike="noStrike">
-              <a:solidFill>
-                <a:srgbClr val="000000"/>
-              </a:solidFill>
+            <a:endParaRPr b="0" lang="en-US" sz="3200" spc="-1" strike="noStrike">
               <a:latin typeface="Arial"/>
             </a:endParaRPr>
           </a:p>
@@ -1857,7 +1744,7 @@
       </p:sp>
       <p:sp>
         <p:nvSpPr>
-          <p:cNvPr id="70" name="PlaceHolder 5"/>
+          <p:cNvPr id="68" name="PlaceHolder 5"/>
           <p:cNvSpPr>
             <a:spLocks noGrp="1"/>
           </p:cNvSpPr>
@@ -1867,8 +1754,8 @@
         </p:nvSpPr>
         <p:spPr>
           <a:xfrm>
-            <a:off x="4677840" y="2936880"/>
-            <a:ext cx="4157640" cy="1629360"/>
+            <a:off x="4677120" y="2936520"/>
+            <a:ext cx="4157280" cy="1629000"/>
           </a:xfrm>
           <a:prstGeom prst="rect">
             <a:avLst/>
@@ -1879,10 +1766,7 @@
             <a:normAutofit/>
           </a:bodyPr>
           <a:p>
-            <a:endParaRPr b="0" lang="en-US" sz="1400" spc="-1" strike="noStrike">
-              <a:solidFill>
-                <a:srgbClr val="000000"/>
-              </a:solidFill>
+            <a:endParaRPr b="0" lang="en-US" sz="3200" spc="-1" strike="noStrike">
               <a:latin typeface="Arial"/>
             </a:endParaRPr>
           </a:p>
@@ -1912,7 +1796,7 @@
       </p:grpSpPr>
       <p:sp>
         <p:nvSpPr>
-          <p:cNvPr id="71" name="PlaceHolder 1"/>
+          <p:cNvPr id="69" name="PlaceHolder 1"/>
           <p:cNvSpPr>
             <a:spLocks noGrp="1"/>
           </p:cNvSpPr>
@@ -1922,8 +1806,8 @@
         </p:nvSpPr>
         <p:spPr>
           <a:xfrm>
-            <a:off x="311760" y="444960"/>
-            <a:ext cx="8520120" cy="572400"/>
+            <a:off x="311760" y="418320"/>
+            <a:ext cx="8519760" cy="625320"/>
           </a:xfrm>
           <a:prstGeom prst="rect">
             <a:avLst/>
@@ -1934,10 +1818,8 @@
             <a:noAutofit/>
           </a:bodyPr>
           <a:p>
-            <a:endParaRPr b="0" lang="en-US" sz="1400" spc="-1" strike="noStrike">
-              <a:solidFill>
-                <a:srgbClr val="000000"/>
-              </a:solidFill>
+            <a:pPr algn="ctr"/>
+            <a:endParaRPr b="0" lang="en-US" sz="4400" spc="-1" strike="noStrike">
               <a:latin typeface="Arial"/>
             </a:endParaRPr>
           </a:p>
@@ -1945,7 +1827,7 @@
       </p:sp>
       <p:sp>
         <p:nvSpPr>
-          <p:cNvPr id="72" name="PlaceHolder 2"/>
+          <p:cNvPr id="70" name="PlaceHolder 2"/>
           <p:cNvSpPr>
             <a:spLocks noGrp="1"/>
           </p:cNvSpPr>
@@ -1956,7 +1838,7 @@
         <p:spPr>
           <a:xfrm>
             <a:off x="311760" y="1152360"/>
-            <a:ext cx="2743200" cy="1629360"/>
+            <a:ext cx="2743200" cy="1629000"/>
           </a:xfrm>
           <a:prstGeom prst="rect">
             <a:avLst/>
@@ -1967,10 +1849,7 @@
             <a:normAutofit/>
           </a:bodyPr>
           <a:p>
-            <a:endParaRPr b="0" lang="en-US" sz="1400" spc="-1" strike="noStrike">
-              <a:solidFill>
-                <a:srgbClr val="000000"/>
-              </a:solidFill>
+            <a:endParaRPr b="0" lang="en-US" sz="3200" spc="-1" strike="noStrike">
               <a:latin typeface="Arial"/>
             </a:endParaRPr>
           </a:p>
@@ -1978,7 +1857,7 @@
       </p:sp>
       <p:sp>
         <p:nvSpPr>
-          <p:cNvPr id="73" name="PlaceHolder 3"/>
+          <p:cNvPr id="71" name="PlaceHolder 3"/>
           <p:cNvSpPr>
             <a:spLocks noGrp="1"/>
           </p:cNvSpPr>
@@ -1989,7 +1868,7 @@
         <p:spPr>
           <a:xfrm>
             <a:off x="3192480" y="1152360"/>
-            <a:ext cx="2743200" cy="1629360"/>
+            <a:ext cx="2743200" cy="1629000"/>
           </a:xfrm>
           <a:prstGeom prst="rect">
             <a:avLst/>
@@ -2000,10 +1879,7 @@
             <a:normAutofit/>
           </a:bodyPr>
           <a:p>
-            <a:endParaRPr b="0" lang="en-US" sz="1400" spc="-1" strike="noStrike">
-              <a:solidFill>
-                <a:srgbClr val="000000"/>
-              </a:solidFill>
+            <a:endParaRPr b="0" lang="en-US" sz="3200" spc="-1" strike="noStrike">
               <a:latin typeface="Arial"/>
             </a:endParaRPr>
           </a:p>
@@ -2011,7 +1887,7 @@
       </p:sp>
       <p:sp>
         <p:nvSpPr>
-          <p:cNvPr id="74" name="PlaceHolder 4"/>
+          <p:cNvPr id="72" name="PlaceHolder 4"/>
           <p:cNvSpPr>
             <a:spLocks noGrp="1"/>
           </p:cNvSpPr>
@@ -2022,7 +1898,7 @@
         <p:spPr>
           <a:xfrm>
             <a:off x="6073200" y="1152360"/>
-            <a:ext cx="2743200" cy="1629360"/>
+            <a:ext cx="2743200" cy="1629000"/>
           </a:xfrm>
           <a:prstGeom prst="rect">
             <a:avLst/>
@@ -2033,10 +1909,7 @@
             <a:normAutofit/>
           </a:bodyPr>
           <a:p>
-            <a:endParaRPr b="0" lang="en-US" sz="1400" spc="-1" strike="noStrike">
-              <a:solidFill>
-                <a:srgbClr val="000000"/>
-              </a:solidFill>
+            <a:endParaRPr b="0" lang="en-US" sz="3200" spc="-1" strike="noStrike">
               <a:latin typeface="Arial"/>
             </a:endParaRPr>
           </a:p>
@@ -2044,7 +1917,7 @@
       </p:sp>
       <p:sp>
         <p:nvSpPr>
-          <p:cNvPr id="75" name="PlaceHolder 5"/>
+          <p:cNvPr id="73" name="PlaceHolder 5"/>
           <p:cNvSpPr>
             <a:spLocks noGrp="1"/>
           </p:cNvSpPr>
@@ -2054,8 +1927,8 @@
         </p:nvSpPr>
         <p:spPr>
           <a:xfrm>
-            <a:off x="311760" y="2936880"/>
-            <a:ext cx="2743200" cy="1629360"/>
+            <a:off x="311760" y="2936520"/>
+            <a:ext cx="2743200" cy="1629000"/>
           </a:xfrm>
           <a:prstGeom prst="rect">
             <a:avLst/>
@@ -2066,10 +1939,7 @@
             <a:normAutofit/>
           </a:bodyPr>
           <a:p>
-            <a:endParaRPr b="0" lang="en-US" sz="1400" spc="-1" strike="noStrike">
-              <a:solidFill>
-                <a:srgbClr val="000000"/>
-              </a:solidFill>
+            <a:endParaRPr b="0" lang="en-US" sz="3200" spc="-1" strike="noStrike">
               <a:latin typeface="Arial"/>
             </a:endParaRPr>
           </a:p>
@@ -2077,7 +1947,7 @@
       </p:sp>
       <p:sp>
         <p:nvSpPr>
-          <p:cNvPr id="76" name="PlaceHolder 6"/>
+          <p:cNvPr id="74" name="PlaceHolder 6"/>
           <p:cNvSpPr>
             <a:spLocks noGrp="1"/>
           </p:cNvSpPr>
@@ -2087,8 +1957,8 @@
         </p:nvSpPr>
         <p:spPr>
           <a:xfrm>
-            <a:off x="3192480" y="2936880"/>
-            <a:ext cx="2743200" cy="1629360"/>
+            <a:off x="3192480" y="2936520"/>
+            <a:ext cx="2743200" cy="1629000"/>
           </a:xfrm>
           <a:prstGeom prst="rect">
             <a:avLst/>
@@ -2099,10 +1969,7 @@
             <a:normAutofit/>
           </a:bodyPr>
           <a:p>
-            <a:endParaRPr b="0" lang="en-US" sz="1400" spc="-1" strike="noStrike">
-              <a:solidFill>
-                <a:srgbClr val="000000"/>
-              </a:solidFill>
+            <a:endParaRPr b="0" lang="en-US" sz="3200" spc="-1" strike="noStrike">
               <a:latin typeface="Arial"/>
             </a:endParaRPr>
           </a:p>
@@ -2110,7 +1977,7 @@
       </p:sp>
       <p:sp>
         <p:nvSpPr>
-          <p:cNvPr id="77" name="PlaceHolder 7"/>
+          <p:cNvPr id="75" name="PlaceHolder 7"/>
           <p:cNvSpPr>
             <a:spLocks noGrp="1"/>
           </p:cNvSpPr>
@@ -2120,8 +1987,8 @@
         </p:nvSpPr>
         <p:spPr>
           <a:xfrm>
-            <a:off x="6073200" y="2936880"/>
-            <a:ext cx="2743200" cy="1629360"/>
+            <a:off x="6073200" y="2936520"/>
+            <a:ext cx="2743200" cy="1629000"/>
           </a:xfrm>
           <a:prstGeom prst="rect">
             <a:avLst/>
@@ -2132,10 +1999,7 @@
             <a:normAutofit/>
           </a:bodyPr>
           <a:p>
-            <a:endParaRPr b="0" lang="en-US" sz="1400" spc="-1" strike="noStrike">
-              <a:solidFill>
-                <a:srgbClr val="000000"/>
-              </a:solidFill>
+            <a:endParaRPr b="0" lang="en-US" sz="3200" spc="-1" strike="noStrike">
               <a:latin typeface="Arial"/>
             </a:endParaRPr>
           </a:p>
@@ -2165,7 +2029,7 @@
       </p:grpSpPr>
       <p:sp>
         <p:nvSpPr>
-          <p:cNvPr id="5" name="PlaceHolder 1"/>
+          <p:cNvPr id="4" name="PlaceHolder 1"/>
           <p:cNvSpPr>
             <a:spLocks noGrp="1"/>
           </p:cNvSpPr>
@@ -2175,8 +2039,8 @@
         </p:nvSpPr>
         <p:spPr>
           <a:xfrm>
-            <a:off x="311760" y="444960"/>
-            <a:ext cx="8520120" cy="572400"/>
+            <a:off x="311760" y="418320"/>
+            <a:ext cx="8519760" cy="625320"/>
           </a:xfrm>
           <a:prstGeom prst="rect">
             <a:avLst/>
@@ -2187,10 +2051,8 @@
             <a:noAutofit/>
           </a:bodyPr>
           <a:p>
-            <a:endParaRPr b="0" lang="en-US" sz="1400" spc="-1" strike="noStrike">
-              <a:solidFill>
-                <a:srgbClr val="000000"/>
-              </a:solidFill>
+            <a:pPr algn="ctr"/>
+            <a:endParaRPr b="0" lang="en-US" sz="4400" spc="-1" strike="noStrike">
               <a:latin typeface="Arial"/>
             </a:endParaRPr>
           </a:p>
@@ -2198,7 +2060,7 @@
       </p:sp>
       <p:sp>
         <p:nvSpPr>
-          <p:cNvPr id="6" name="PlaceHolder 2"/>
+          <p:cNvPr id="5" name="PlaceHolder 2"/>
           <p:cNvSpPr>
             <a:spLocks noGrp="1"/>
           </p:cNvSpPr>
@@ -2209,7 +2071,7 @@
         <p:spPr>
           <a:xfrm>
             <a:off x="311760" y="1152360"/>
-            <a:ext cx="8520120" cy="3416040"/>
+            <a:ext cx="8519760" cy="3415680"/>
           </a:xfrm>
           <a:prstGeom prst="rect">
             <a:avLst/>
@@ -2220,10 +2082,7 @@
             <a:normAutofit/>
           </a:bodyPr>
           <a:p>
-            <a:endParaRPr b="0" lang="en-US" sz="1400" spc="-1" strike="noStrike">
-              <a:solidFill>
-                <a:srgbClr val="000000"/>
-              </a:solidFill>
+            <a:endParaRPr b="0" lang="en-US" sz="3200" spc="-1" strike="noStrike">
               <a:latin typeface="Arial"/>
             </a:endParaRPr>
           </a:p>
@@ -2253,7 +2112,7 @@
       </p:grpSpPr>
       <p:sp>
         <p:nvSpPr>
-          <p:cNvPr id="7" name="PlaceHolder 1"/>
+          <p:cNvPr id="6" name="PlaceHolder 1"/>
           <p:cNvSpPr>
             <a:spLocks noGrp="1"/>
           </p:cNvSpPr>
@@ -2263,8 +2122,8 @@
         </p:nvSpPr>
         <p:spPr>
           <a:xfrm>
-            <a:off x="311760" y="444960"/>
-            <a:ext cx="8520120" cy="572400"/>
+            <a:off x="311760" y="418320"/>
+            <a:ext cx="8519760" cy="625320"/>
           </a:xfrm>
           <a:prstGeom prst="rect">
             <a:avLst/>
@@ -2275,10 +2134,8 @@
             <a:noAutofit/>
           </a:bodyPr>
           <a:p>
-            <a:endParaRPr b="0" lang="en-US" sz="1400" spc="-1" strike="noStrike">
-              <a:solidFill>
-                <a:srgbClr val="000000"/>
-              </a:solidFill>
+            <a:pPr algn="ctr"/>
+            <a:endParaRPr b="0" lang="en-US" sz="4400" spc="-1" strike="noStrike">
               <a:latin typeface="Arial"/>
             </a:endParaRPr>
           </a:p>
@@ -2286,7 +2143,7 @@
       </p:sp>
       <p:sp>
         <p:nvSpPr>
-          <p:cNvPr id="8" name="PlaceHolder 2"/>
+          <p:cNvPr id="7" name="PlaceHolder 2"/>
           <p:cNvSpPr>
             <a:spLocks noGrp="1"/>
           </p:cNvSpPr>
@@ -2297,7 +2154,7 @@
         <p:spPr>
           <a:xfrm>
             <a:off x="311760" y="1152360"/>
-            <a:ext cx="4157640" cy="3416040"/>
+            <a:ext cx="4157280" cy="3415680"/>
           </a:xfrm>
           <a:prstGeom prst="rect">
             <a:avLst/>
@@ -2308,10 +2165,7 @@
             <a:normAutofit/>
           </a:bodyPr>
           <a:p>
-            <a:endParaRPr b="0" lang="en-US" sz="1400" spc="-1" strike="noStrike">
-              <a:solidFill>
-                <a:srgbClr val="000000"/>
-              </a:solidFill>
+            <a:endParaRPr b="0" lang="en-US" sz="3200" spc="-1" strike="noStrike">
               <a:latin typeface="Arial"/>
             </a:endParaRPr>
           </a:p>
@@ -2319,7 +2173,7 @@
       </p:sp>
       <p:sp>
         <p:nvSpPr>
-          <p:cNvPr id="9" name="PlaceHolder 3"/>
+          <p:cNvPr id="8" name="PlaceHolder 3"/>
           <p:cNvSpPr>
             <a:spLocks noGrp="1"/>
           </p:cNvSpPr>
@@ -2329,8 +2183,8 @@
         </p:nvSpPr>
         <p:spPr>
           <a:xfrm>
-            <a:off x="4677840" y="1152360"/>
-            <a:ext cx="4157640" cy="3416040"/>
+            <a:off x="4677120" y="1152360"/>
+            <a:ext cx="4157280" cy="3415680"/>
           </a:xfrm>
           <a:prstGeom prst="rect">
             <a:avLst/>
@@ -2341,10 +2195,7 @@
             <a:normAutofit/>
           </a:bodyPr>
           <a:p>
-            <a:endParaRPr b="0" lang="en-US" sz="1400" spc="-1" strike="noStrike">
-              <a:solidFill>
-                <a:srgbClr val="000000"/>
-              </a:solidFill>
+            <a:endParaRPr b="0" lang="en-US" sz="3200" spc="-1" strike="noStrike">
               <a:latin typeface="Arial"/>
             </a:endParaRPr>
           </a:p>
@@ -2374,7 +2225,7 @@
       </p:grpSpPr>
       <p:sp>
         <p:nvSpPr>
-          <p:cNvPr id="10" name="PlaceHolder 1"/>
+          <p:cNvPr id="9" name="PlaceHolder 1"/>
           <p:cNvSpPr>
             <a:spLocks noGrp="1"/>
           </p:cNvSpPr>
@@ -2384,8 +2235,8 @@
         </p:nvSpPr>
         <p:spPr>
           <a:xfrm>
-            <a:off x="311760" y="444960"/>
-            <a:ext cx="8520120" cy="572400"/>
+            <a:off x="311760" y="418320"/>
+            <a:ext cx="8519760" cy="625320"/>
           </a:xfrm>
           <a:prstGeom prst="rect">
             <a:avLst/>
@@ -2396,10 +2247,8 @@
             <a:noAutofit/>
           </a:bodyPr>
           <a:p>
-            <a:endParaRPr b="0" lang="en-US" sz="1400" spc="-1" strike="noStrike">
-              <a:solidFill>
-                <a:srgbClr val="000000"/>
-              </a:solidFill>
+            <a:pPr algn="ctr"/>
+            <a:endParaRPr b="0" lang="en-US" sz="4400" spc="-1" strike="noStrike">
               <a:latin typeface="Arial"/>
             </a:endParaRPr>
           </a:p>
@@ -2429,7 +2278,7 @@
       </p:grpSpPr>
       <p:sp>
         <p:nvSpPr>
-          <p:cNvPr id="11" name="PlaceHolder 1"/>
+          <p:cNvPr id="10" name="PlaceHolder 1"/>
           <p:cNvSpPr>
             <a:spLocks noGrp="1"/>
           </p:cNvSpPr>
@@ -2440,7 +2289,7 @@
         <p:spPr>
           <a:xfrm>
             <a:off x="311760" y="444960"/>
-            <a:ext cx="8520120" cy="2654640"/>
+            <a:ext cx="8519760" cy="2652840"/>
           </a:xfrm>
           <a:prstGeom prst="rect">
             <a:avLst/>
@@ -2482,7 +2331,7 @@
       </p:grpSpPr>
       <p:sp>
         <p:nvSpPr>
-          <p:cNvPr id="12" name="PlaceHolder 1"/>
+          <p:cNvPr id="11" name="PlaceHolder 1"/>
           <p:cNvSpPr>
             <a:spLocks noGrp="1"/>
           </p:cNvSpPr>
@@ -2492,8 +2341,8 @@
         </p:nvSpPr>
         <p:spPr>
           <a:xfrm>
-            <a:off x="311760" y="444960"/>
-            <a:ext cx="8520120" cy="572400"/>
+            <a:off x="311760" y="418320"/>
+            <a:ext cx="8519760" cy="625320"/>
           </a:xfrm>
           <a:prstGeom prst="rect">
             <a:avLst/>
@@ -2504,10 +2353,8 @@
             <a:noAutofit/>
           </a:bodyPr>
           <a:p>
-            <a:endParaRPr b="0" lang="en-US" sz="1400" spc="-1" strike="noStrike">
-              <a:solidFill>
-                <a:srgbClr val="000000"/>
-              </a:solidFill>
+            <a:pPr algn="ctr"/>
+            <a:endParaRPr b="0" lang="en-US" sz="4400" spc="-1" strike="noStrike">
               <a:latin typeface="Arial"/>
             </a:endParaRPr>
           </a:p>
@@ -2515,7 +2362,7 @@
       </p:sp>
       <p:sp>
         <p:nvSpPr>
-          <p:cNvPr id="13" name="PlaceHolder 2"/>
+          <p:cNvPr id="12" name="PlaceHolder 2"/>
           <p:cNvSpPr>
             <a:spLocks noGrp="1"/>
           </p:cNvSpPr>
@@ -2526,7 +2373,7 @@
         <p:spPr>
           <a:xfrm>
             <a:off x="311760" y="1152360"/>
-            <a:ext cx="4157640" cy="1629360"/>
+            <a:ext cx="4157280" cy="1629000"/>
           </a:xfrm>
           <a:prstGeom prst="rect">
             <a:avLst/>
@@ -2537,10 +2384,7 @@
             <a:normAutofit/>
           </a:bodyPr>
           <a:p>
-            <a:endParaRPr b="0" lang="en-US" sz="1400" spc="-1" strike="noStrike">
-              <a:solidFill>
-                <a:srgbClr val="000000"/>
-              </a:solidFill>
+            <a:endParaRPr b="0" lang="en-US" sz="3200" spc="-1" strike="noStrike">
               <a:latin typeface="Arial"/>
             </a:endParaRPr>
           </a:p>
@@ -2548,7 +2392,7 @@
       </p:sp>
       <p:sp>
         <p:nvSpPr>
-          <p:cNvPr id="14" name="PlaceHolder 3"/>
+          <p:cNvPr id="13" name="PlaceHolder 3"/>
           <p:cNvSpPr>
             <a:spLocks noGrp="1"/>
           </p:cNvSpPr>
@@ -2558,8 +2402,8 @@
         </p:nvSpPr>
         <p:spPr>
           <a:xfrm>
-            <a:off x="4677840" y="1152360"/>
-            <a:ext cx="4157640" cy="3416040"/>
+            <a:off x="4677120" y="1152360"/>
+            <a:ext cx="4157280" cy="3415680"/>
           </a:xfrm>
           <a:prstGeom prst="rect">
             <a:avLst/>
@@ -2570,10 +2414,7 @@
             <a:normAutofit/>
           </a:bodyPr>
           <a:p>
-            <a:endParaRPr b="0" lang="en-US" sz="1400" spc="-1" strike="noStrike">
-              <a:solidFill>
-                <a:srgbClr val="000000"/>
-              </a:solidFill>
+            <a:endParaRPr b="0" lang="en-US" sz="3200" spc="-1" strike="noStrike">
               <a:latin typeface="Arial"/>
             </a:endParaRPr>
           </a:p>
@@ -2581,7 +2422,7 @@
       </p:sp>
       <p:sp>
         <p:nvSpPr>
-          <p:cNvPr id="15" name="PlaceHolder 4"/>
+          <p:cNvPr id="14" name="PlaceHolder 4"/>
           <p:cNvSpPr>
             <a:spLocks noGrp="1"/>
           </p:cNvSpPr>
@@ -2591,8 +2432,8 @@
         </p:nvSpPr>
         <p:spPr>
           <a:xfrm>
-            <a:off x="311760" y="2936880"/>
-            <a:ext cx="4157640" cy="1629360"/>
+            <a:off x="311760" y="2936520"/>
+            <a:ext cx="4157280" cy="1629000"/>
           </a:xfrm>
           <a:prstGeom prst="rect">
             <a:avLst/>
@@ -2603,10 +2444,7 @@
             <a:normAutofit/>
           </a:bodyPr>
           <a:p>
-            <a:endParaRPr b="0" lang="en-US" sz="1400" spc="-1" strike="noStrike">
-              <a:solidFill>
-                <a:srgbClr val="000000"/>
-              </a:solidFill>
+            <a:endParaRPr b="0" lang="en-US" sz="3200" spc="-1" strike="noStrike">
               <a:latin typeface="Arial"/>
             </a:endParaRPr>
           </a:p>
@@ -2636,7 +2474,7 @@
       </p:grpSpPr>
       <p:sp>
         <p:nvSpPr>
-          <p:cNvPr id="16" name="PlaceHolder 1"/>
+          <p:cNvPr id="15" name="PlaceHolder 1"/>
           <p:cNvSpPr>
             <a:spLocks noGrp="1"/>
           </p:cNvSpPr>
@@ -2646,8 +2484,8 @@
         </p:nvSpPr>
         <p:spPr>
           <a:xfrm>
-            <a:off x="311760" y="444960"/>
-            <a:ext cx="8520120" cy="572400"/>
+            <a:off x="311760" y="418320"/>
+            <a:ext cx="8519760" cy="625320"/>
           </a:xfrm>
           <a:prstGeom prst="rect">
             <a:avLst/>
@@ -2658,10 +2496,8 @@
             <a:noAutofit/>
           </a:bodyPr>
           <a:p>
-            <a:endParaRPr b="0" lang="en-US" sz="1400" spc="-1" strike="noStrike">
-              <a:solidFill>
-                <a:srgbClr val="000000"/>
-              </a:solidFill>
+            <a:pPr algn="ctr"/>
+            <a:endParaRPr b="0" lang="en-US" sz="4400" spc="-1" strike="noStrike">
               <a:latin typeface="Arial"/>
             </a:endParaRPr>
           </a:p>
@@ -2669,7 +2505,7 @@
       </p:sp>
       <p:sp>
         <p:nvSpPr>
-          <p:cNvPr id="17" name="PlaceHolder 2"/>
+          <p:cNvPr id="16" name="PlaceHolder 2"/>
           <p:cNvSpPr>
             <a:spLocks noGrp="1"/>
           </p:cNvSpPr>
@@ -2680,7 +2516,7 @@
         <p:spPr>
           <a:xfrm>
             <a:off x="311760" y="1152360"/>
-            <a:ext cx="4157640" cy="3416040"/>
+            <a:ext cx="4157280" cy="3415680"/>
           </a:xfrm>
           <a:prstGeom prst="rect">
             <a:avLst/>
@@ -2691,10 +2527,7 @@
             <a:normAutofit/>
           </a:bodyPr>
           <a:p>
-            <a:endParaRPr b="0" lang="en-US" sz="1400" spc="-1" strike="noStrike">
-              <a:solidFill>
-                <a:srgbClr val="000000"/>
-              </a:solidFill>
+            <a:endParaRPr b="0" lang="en-US" sz="3200" spc="-1" strike="noStrike">
               <a:latin typeface="Arial"/>
             </a:endParaRPr>
           </a:p>
@@ -2702,7 +2535,7 @@
       </p:sp>
       <p:sp>
         <p:nvSpPr>
-          <p:cNvPr id="18" name="PlaceHolder 3"/>
+          <p:cNvPr id="17" name="PlaceHolder 3"/>
           <p:cNvSpPr>
             <a:spLocks noGrp="1"/>
           </p:cNvSpPr>
@@ -2712,8 +2545,8 @@
         </p:nvSpPr>
         <p:spPr>
           <a:xfrm>
-            <a:off x="4677840" y="1152360"/>
-            <a:ext cx="4157640" cy="1629360"/>
+            <a:off x="4677120" y="1152360"/>
+            <a:ext cx="4157280" cy="1629000"/>
           </a:xfrm>
           <a:prstGeom prst="rect">
             <a:avLst/>
@@ -2724,10 +2557,7 @@
             <a:normAutofit/>
           </a:bodyPr>
           <a:p>
-            <a:endParaRPr b="0" lang="en-US" sz="1400" spc="-1" strike="noStrike">
-              <a:solidFill>
-                <a:srgbClr val="000000"/>
-              </a:solidFill>
+            <a:endParaRPr b="0" lang="en-US" sz="3200" spc="-1" strike="noStrike">
               <a:latin typeface="Arial"/>
             </a:endParaRPr>
           </a:p>
@@ -2735,7 +2565,7 @@
       </p:sp>
       <p:sp>
         <p:nvSpPr>
-          <p:cNvPr id="19" name="PlaceHolder 4"/>
+          <p:cNvPr id="18" name="PlaceHolder 4"/>
           <p:cNvSpPr>
             <a:spLocks noGrp="1"/>
           </p:cNvSpPr>
@@ -2745,8 +2575,8 @@
         </p:nvSpPr>
         <p:spPr>
           <a:xfrm>
-            <a:off x="4677840" y="2936880"/>
-            <a:ext cx="4157640" cy="1629360"/>
+            <a:off x="4677120" y="2936520"/>
+            <a:ext cx="4157280" cy="1629000"/>
           </a:xfrm>
           <a:prstGeom prst="rect">
             <a:avLst/>
@@ -2757,10 +2587,7 @@
             <a:normAutofit/>
           </a:bodyPr>
           <a:p>
-            <a:endParaRPr b="0" lang="en-US" sz="1400" spc="-1" strike="noStrike">
-              <a:solidFill>
-                <a:srgbClr val="000000"/>
-              </a:solidFill>
+            <a:endParaRPr b="0" lang="en-US" sz="3200" spc="-1" strike="noStrike">
               <a:latin typeface="Arial"/>
             </a:endParaRPr>
           </a:p>
@@ -2790,7 +2617,7 @@
       </p:grpSpPr>
       <p:sp>
         <p:nvSpPr>
-          <p:cNvPr id="20" name="PlaceHolder 1"/>
+          <p:cNvPr id="19" name="PlaceHolder 1"/>
           <p:cNvSpPr>
             <a:spLocks noGrp="1"/>
           </p:cNvSpPr>
@@ -2800,8 +2627,8 @@
         </p:nvSpPr>
         <p:spPr>
           <a:xfrm>
-            <a:off x="311760" y="444960"/>
-            <a:ext cx="8520120" cy="572400"/>
+            <a:off x="311760" y="418320"/>
+            <a:ext cx="8519760" cy="625320"/>
           </a:xfrm>
           <a:prstGeom prst="rect">
             <a:avLst/>
@@ -2812,10 +2639,8 @@
             <a:noAutofit/>
           </a:bodyPr>
           <a:p>
-            <a:endParaRPr b="0" lang="en-US" sz="1400" spc="-1" strike="noStrike">
-              <a:solidFill>
-                <a:srgbClr val="000000"/>
-              </a:solidFill>
+            <a:pPr algn="ctr"/>
+            <a:endParaRPr b="0" lang="en-US" sz="4400" spc="-1" strike="noStrike">
               <a:latin typeface="Arial"/>
             </a:endParaRPr>
           </a:p>
@@ -2823,7 +2648,7 @@
       </p:sp>
       <p:sp>
         <p:nvSpPr>
-          <p:cNvPr id="21" name="PlaceHolder 2"/>
+          <p:cNvPr id="20" name="PlaceHolder 2"/>
           <p:cNvSpPr>
             <a:spLocks noGrp="1"/>
           </p:cNvSpPr>
@@ -2834,7 +2659,7 @@
         <p:spPr>
           <a:xfrm>
             <a:off x="311760" y="1152360"/>
-            <a:ext cx="4157640" cy="1629360"/>
+            <a:ext cx="4157280" cy="1629000"/>
           </a:xfrm>
           <a:prstGeom prst="rect">
             <a:avLst/>
@@ -2845,10 +2670,7 @@
             <a:normAutofit/>
           </a:bodyPr>
           <a:p>
-            <a:endParaRPr b="0" lang="en-US" sz="1400" spc="-1" strike="noStrike">
-              <a:solidFill>
-                <a:srgbClr val="000000"/>
-              </a:solidFill>
+            <a:endParaRPr b="0" lang="en-US" sz="3200" spc="-1" strike="noStrike">
               <a:latin typeface="Arial"/>
             </a:endParaRPr>
           </a:p>
@@ -2856,7 +2678,7 @@
       </p:sp>
       <p:sp>
         <p:nvSpPr>
-          <p:cNvPr id="22" name="PlaceHolder 3"/>
+          <p:cNvPr id="21" name="PlaceHolder 3"/>
           <p:cNvSpPr>
             <a:spLocks noGrp="1"/>
           </p:cNvSpPr>
@@ -2866,8 +2688,8 @@
         </p:nvSpPr>
         <p:spPr>
           <a:xfrm>
-            <a:off x="4677840" y="1152360"/>
-            <a:ext cx="4157640" cy="1629360"/>
+            <a:off x="4677120" y="1152360"/>
+            <a:ext cx="4157280" cy="1629000"/>
           </a:xfrm>
           <a:prstGeom prst="rect">
             <a:avLst/>
@@ -2878,10 +2700,7 @@
             <a:normAutofit/>
           </a:bodyPr>
           <a:p>
-            <a:endParaRPr b="0" lang="en-US" sz="1400" spc="-1" strike="noStrike">
-              <a:solidFill>
-                <a:srgbClr val="000000"/>
-              </a:solidFill>
+            <a:endParaRPr b="0" lang="en-US" sz="3200" spc="-1" strike="noStrike">
               <a:latin typeface="Arial"/>
             </a:endParaRPr>
           </a:p>
@@ -2889,7 +2708,7 @@
       </p:sp>
       <p:sp>
         <p:nvSpPr>
-          <p:cNvPr id="23" name="PlaceHolder 4"/>
+          <p:cNvPr id="22" name="PlaceHolder 4"/>
           <p:cNvSpPr>
             <a:spLocks noGrp="1"/>
           </p:cNvSpPr>
@@ -2899,8 +2718,8 @@
         </p:nvSpPr>
         <p:spPr>
           <a:xfrm>
-            <a:off x="311760" y="2936880"/>
-            <a:ext cx="8520120" cy="1629360"/>
+            <a:off x="311760" y="2936520"/>
+            <a:ext cx="8519760" cy="1629000"/>
           </a:xfrm>
           <a:prstGeom prst="rect">
             <a:avLst/>
@@ -2911,10 +2730,7 @@
             <a:normAutofit/>
           </a:bodyPr>
           <a:p>
-            <a:endParaRPr b="0" lang="en-US" sz="1400" spc="-1" strike="noStrike">
-              <a:solidFill>
-                <a:srgbClr val="000000"/>
-              </a:solidFill>
+            <a:endParaRPr b="0" lang="en-US" sz="3200" spc="-1" strike="noStrike">
               <a:latin typeface="Arial"/>
             </a:endParaRPr>
           </a:p>
@@ -2961,247 +2777,43 @@
         </p:nvSpPr>
         <p:spPr>
           <a:xfrm>
-            <a:off x="311760" y="744480"/>
-            <a:ext cx="8520120" cy="2052360"/>
+            <a:off x="311760" y="444960"/>
+            <a:ext cx="8519760" cy="572040"/>
           </a:xfrm>
           <a:prstGeom prst="rect">
             <a:avLst/>
           </a:prstGeom>
         </p:spPr>
         <p:txBody>
-          <a:bodyPr tIns="91440" bIns="91440" anchor="b">
-            <a:normAutofit/>
+          <a:bodyPr lIns="0" rIns="0" tIns="0" bIns="0" anchor="ctr">
+            <a:noAutofit/>
           </a:bodyPr>
           <a:p>
             <a:r>
-              <a:rPr b="0" lang="en-US" sz="5200" spc="-1" strike="noStrike">
-                <a:solidFill>
-                  <a:srgbClr val="000000"/>
-                </a:solidFill>
+              <a:rPr b="0" lang="en-US" sz="1800" spc="-1" strike="noStrike">
                 <a:latin typeface="Arial"/>
               </a:rPr>
-              <a:t>C</a:t>
-            </a:r>
-            <a:r>
-              <a:rPr b="0" lang="en-US" sz="5200" spc="-1" strike="noStrike">
-                <a:solidFill>
-                  <a:srgbClr val="000000"/>
-                </a:solidFill>
+              <a:t>Click to </a:t>
+            </a:r>
+            <a:r>
+              <a:rPr b="0" lang="en-US" sz="1800" spc="-1" strike="noStrike">
                 <a:latin typeface="Arial"/>
               </a:rPr>
-              <a:t>li</a:t>
-            </a:r>
-            <a:r>
-              <a:rPr b="0" lang="en-US" sz="5200" spc="-1" strike="noStrike">
-                <a:solidFill>
-                  <a:srgbClr val="000000"/>
-                </a:solidFill>
+              <a:t>edit the </a:t>
+            </a:r>
+            <a:r>
+              <a:rPr b="0" lang="en-US" sz="1800" spc="-1" strike="noStrike">
                 <a:latin typeface="Arial"/>
               </a:rPr>
-              <a:t>c</a:t>
-            </a:r>
-            <a:r>
-              <a:rPr b="0" lang="en-US" sz="5200" spc="-1" strike="noStrike">
-                <a:solidFill>
-                  <a:srgbClr val="000000"/>
-                </a:solidFill>
+              <a:t>title text </a:t>
+            </a:r>
+            <a:r>
+              <a:rPr b="0" lang="en-US" sz="1800" spc="-1" strike="noStrike">
                 <a:latin typeface="Arial"/>
               </a:rPr>
-              <a:t>k </a:t>
-            </a:r>
-            <a:r>
-              <a:rPr b="0" lang="en-US" sz="5200" spc="-1" strike="noStrike">
-                <a:solidFill>
-                  <a:srgbClr val="000000"/>
-                </a:solidFill>
-                <a:latin typeface="Arial"/>
-              </a:rPr>
-              <a:t>t</a:t>
-            </a:r>
-            <a:r>
-              <a:rPr b="0" lang="en-US" sz="5200" spc="-1" strike="noStrike">
-                <a:solidFill>
-                  <a:srgbClr val="000000"/>
-                </a:solidFill>
-                <a:latin typeface="Arial"/>
-              </a:rPr>
-              <a:t>o </a:t>
-            </a:r>
-            <a:r>
-              <a:rPr b="0" lang="en-US" sz="5200" spc="-1" strike="noStrike">
-                <a:solidFill>
-                  <a:srgbClr val="000000"/>
-                </a:solidFill>
-                <a:latin typeface="Arial"/>
-              </a:rPr>
-              <a:t>e</a:t>
-            </a:r>
-            <a:r>
-              <a:rPr b="0" lang="en-US" sz="5200" spc="-1" strike="noStrike">
-                <a:solidFill>
-                  <a:srgbClr val="000000"/>
-                </a:solidFill>
-                <a:latin typeface="Arial"/>
-              </a:rPr>
-              <a:t>d</a:t>
-            </a:r>
-            <a:r>
-              <a:rPr b="0" lang="en-US" sz="5200" spc="-1" strike="noStrike">
-                <a:solidFill>
-                  <a:srgbClr val="000000"/>
-                </a:solidFill>
-                <a:latin typeface="Arial"/>
-              </a:rPr>
-              <a:t>it </a:t>
-            </a:r>
-            <a:r>
-              <a:rPr b="0" lang="en-US" sz="5200" spc="-1" strike="noStrike">
-                <a:solidFill>
-                  <a:srgbClr val="000000"/>
-                </a:solidFill>
-                <a:latin typeface="Arial"/>
-              </a:rPr>
-              <a:t>t</a:t>
-            </a:r>
-            <a:r>
-              <a:rPr b="0" lang="en-US" sz="5200" spc="-1" strike="noStrike">
-                <a:solidFill>
-                  <a:srgbClr val="000000"/>
-                </a:solidFill>
-                <a:latin typeface="Arial"/>
-              </a:rPr>
-              <a:t>h</a:t>
-            </a:r>
-            <a:r>
-              <a:rPr b="0" lang="en-US" sz="5200" spc="-1" strike="noStrike">
-                <a:solidFill>
-                  <a:srgbClr val="000000"/>
-                </a:solidFill>
-                <a:latin typeface="Arial"/>
-              </a:rPr>
-              <a:t>e </a:t>
-            </a:r>
-            <a:r>
-              <a:rPr b="0" lang="en-US" sz="5200" spc="-1" strike="noStrike">
-                <a:solidFill>
-                  <a:srgbClr val="000000"/>
-                </a:solidFill>
-                <a:latin typeface="Arial"/>
-              </a:rPr>
-              <a:t>ti</a:t>
-            </a:r>
-            <a:r>
-              <a:rPr b="0" lang="en-US" sz="5200" spc="-1" strike="noStrike">
-                <a:solidFill>
-                  <a:srgbClr val="000000"/>
-                </a:solidFill>
-                <a:latin typeface="Arial"/>
-              </a:rPr>
-              <a:t>tl</a:t>
-            </a:r>
-            <a:r>
-              <a:rPr b="0" lang="en-US" sz="5200" spc="-1" strike="noStrike">
-                <a:solidFill>
-                  <a:srgbClr val="000000"/>
-                </a:solidFill>
-                <a:latin typeface="Arial"/>
-              </a:rPr>
-              <a:t>e </a:t>
-            </a:r>
-            <a:r>
-              <a:rPr b="0" lang="en-US" sz="5200" spc="-1" strike="noStrike">
-                <a:solidFill>
-                  <a:srgbClr val="000000"/>
-                </a:solidFill>
-                <a:latin typeface="Arial"/>
-              </a:rPr>
-              <a:t>t</a:t>
-            </a:r>
-            <a:r>
-              <a:rPr b="0" lang="en-US" sz="5200" spc="-1" strike="noStrike">
-                <a:solidFill>
-                  <a:srgbClr val="000000"/>
-                </a:solidFill>
-                <a:latin typeface="Arial"/>
-              </a:rPr>
-              <a:t>e</a:t>
-            </a:r>
-            <a:r>
-              <a:rPr b="0" lang="en-US" sz="5200" spc="-1" strike="noStrike">
-                <a:solidFill>
-                  <a:srgbClr val="000000"/>
-                </a:solidFill>
-                <a:latin typeface="Arial"/>
-              </a:rPr>
-              <a:t>x</a:t>
-            </a:r>
-            <a:r>
-              <a:rPr b="0" lang="en-US" sz="5200" spc="-1" strike="noStrike">
-                <a:solidFill>
-                  <a:srgbClr val="000000"/>
-                </a:solidFill>
-                <a:latin typeface="Arial"/>
-              </a:rPr>
-              <a:t>t </a:t>
-            </a:r>
-            <a:r>
-              <a:rPr b="0" lang="en-US" sz="5200" spc="-1" strike="noStrike">
-                <a:solidFill>
-                  <a:srgbClr val="000000"/>
-                </a:solidFill>
-                <a:latin typeface="Arial"/>
-              </a:rPr>
-              <a:t>f</a:t>
-            </a:r>
-            <a:r>
-              <a:rPr b="0" lang="en-US" sz="5200" spc="-1" strike="noStrike">
-                <a:solidFill>
-                  <a:srgbClr val="000000"/>
-                </a:solidFill>
-                <a:latin typeface="Arial"/>
-              </a:rPr>
-              <a:t>o</a:t>
-            </a:r>
-            <a:r>
-              <a:rPr b="0" lang="en-US" sz="5200" spc="-1" strike="noStrike">
-                <a:solidFill>
-                  <a:srgbClr val="000000"/>
-                </a:solidFill>
-                <a:latin typeface="Arial"/>
-              </a:rPr>
-              <a:t>r</a:t>
-            </a:r>
-            <a:r>
-              <a:rPr b="0" lang="en-US" sz="5200" spc="-1" strike="noStrike">
-                <a:solidFill>
-                  <a:srgbClr val="000000"/>
-                </a:solidFill>
-                <a:latin typeface="Arial"/>
-              </a:rPr>
-              <a:t>m</a:t>
-            </a:r>
-            <a:r>
-              <a:rPr b="0" lang="en-US" sz="5200" spc="-1" strike="noStrike">
-                <a:solidFill>
-                  <a:srgbClr val="000000"/>
-                </a:solidFill>
-                <a:latin typeface="Arial"/>
-              </a:rPr>
-              <a:t>a</a:t>
-            </a:r>
-            <a:r>
-              <a:rPr b="0" lang="en-US" sz="5200" spc="-1" strike="noStrike">
-                <a:solidFill>
-                  <a:srgbClr val="000000"/>
-                </a:solidFill>
-                <a:latin typeface="Arial"/>
-              </a:rPr>
-              <a:t>t</a:t>
-            </a:r>
-            <a:endParaRPr b="0" lang="en-US" sz="5200" spc="-1" strike="noStrike">
-              <a:solidFill>
-                <a:srgbClr val="000000"/>
-              </a:solidFill>
+              <a:t>format</a:t>
+            </a:r>
+            <a:endParaRPr b="0" lang="en-US" sz="1800" spc="-1" strike="noStrike">
               <a:latin typeface="Arial"/>
             </a:endParaRPr>
           </a:p>
@@ -3210,54 +2822,6 @@
       <p:sp>
         <p:nvSpPr>
           <p:cNvPr id="1" name="PlaceHolder 2"/>
-          <p:cNvSpPr>
-            <a:spLocks noGrp="1"/>
-          </p:cNvSpPr>
-          <p:nvPr>
-            <p:ph type="sldNum"/>
-          </p:nvPr>
-        </p:nvSpPr>
-        <p:spPr>
-          <a:xfrm>
-            <a:off x="8472600" y="4663080"/>
-            <a:ext cx="548280" cy="393120"/>
-          </a:xfrm>
-          <a:prstGeom prst="rect">
-            <a:avLst/>
-          </a:prstGeom>
-        </p:spPr>
-        <p:txBody>
-          <a:bodyPr tIns="91440" bIns="91440" anchor="ctr">
-            <a:normAutofit/>
-          </a:bodyPr>
-          <a:p>
-            <a:pPr algn="r">
-              <a:lnSpc>
-                <a:spcPct val="100000"/>
-              </a:lnSpc>
-              <a:tabLst>
-                <a:tab algn="l" pos="0"/>
-              </a:tabLst>
-            </a:pPr>
-            <a:fld id="{3C821D1C-73F9-410E-A951-49914F5E0BCF}" type="slidenum">
-              <a:rPr b="0" lang="en" sz="1000" spc="-1" strike="noStrike">
-                <a:solidFill>
-                  <a:srgbClr val="595959"/>
-                </a:solidFill>
-                <a:latin typeface="Arial"/>
-                <a:ea typeface="Arial"/>
-              </a:rPr>
-              <a:t>&lt;number&gt;</a:t>
-            </a:fld>
-            <a:endParaRPr b="0" lang="en-US" sz="1000" spc="-1" strike="noStrike">
-              <a:latin typeface="Times New Roman"/>
-            </a:endParaRPr>
-          </a:p>
-        </p:txBody>
-      </p:sp>
-      <p:sp>
-        <p:nvSpPr>
-          <p:cNvPr id="2" name="PlaceHolder 3"/>
           <p:cNvSpPr>
             <a:spLocks noGrp="1"/>
           </p:cNvSpPr>
@@ -3291,18 +2855,12 @@
               <a:buChar char=""/>
             </a:pPr>
             <a:r>
-              <a:rPr b="0" lang="en-US" sz="1400" spc="-1" strike="noStrike">
-                <a:solidFill>
-                  <a:srgbClr val="000000"/>
-                </a:solidFill>
+              <a:rPr b="0" lang="en-US" sz="3200" spc="-1" strike="noStrike">
                 <a:latin typeface="Arial"/>
               </a:rPr>
               <a:t>Click to edit the outline text format</a:t>
             </a:r>
-            <a:endParaRPr b="0" lang="en-US" sz="1400" spc="-1" strike="noStrike">
-              <a:solidFill>
-                <a:srgbClr val="000000"/>
-              </a:solidFill>
+            <a:endParaRPr b="0" lang="en-US" sz="3200" spc="-1" strike="noStrike">
               <a:latin typeface="Arial"/>
             </a:endParaRPr>
           </a:p>
@@ -3319,18 +2877,12 @@
               <a:buChar char=""/>
             </a:pPr>
             <a:r>
-              <a:rPr b="0" lang="en-US" sz="1400" spc="-1" strike="noStrike">
-                <a:solidFill>
-                  <a:srgbClr val="000000"/>
-                </a:solidFill>
+              <a:rPr b="0" lang="en-US" sz="2800" spc="-1" strike="noStrike">
                 <a:latin typeface="Arial"/>
               </a:rPr>
               <a:t>Second Outline Level</a:t>
             </a:r>
-            <a:endParaRPr b="0" lang="en-US" sz="1400" spc="-1" strike="noStrike">
-              <a:solidFill>
-                <a:srgbClr val="000000"/>
-              </a:solidFill>
+            <a:endParaRPr b="0" lang="en-US" sz="2800" spc="-1" strike="noStrike">
               <a:latin typeface="Arial"/>
             </a:endParaRPr>
           </a:p>
@@ -3347,18 +2899,12 @@
               <a:buChar char=""/>
             </a:pPr>
             <a:r>
-              <a:rPr b="0" lang="en-US" sz="1400" spc="-1" strike="noStrike">
-                <a:solidFill>
-                  <a:srgbClr val="000000"/>
-                </a:solidFill>
+              <a:rPr b="0" lang="en-US" sz="2400" spc="-1" strike="noStrike">
                 <a:latin typeface="Arial"/>
               </a:rPr>
               <a:t>Third Outline Level</a:t>
             </a:r>
-            <a:endParaRPr b="0" lang="en-US" sz="1400" spc="-1" strike="noStrike">
-              <a:solidFill>
-                <a:srgbClr val="000000"/>
-              </a:solidFill>
+            <a:endParaRPr b="0" lang="en-US" sz="2400" spc="-1" strike="noStrike">
               <a:latin typeface="Arial"/>
             </a:endParaRPr>
           </a:p>
@@ -3375,18 +2921,12 @@
               <a:buChar char=""/>
             </a:pPr>
             <a:r>
-              <a:rPr b="0" lang="en-US" sz="1400" spc="-1" strike="noStrike">
-                <a:solidFill>
-                  <a:srgbClr val="000000"/>
-                </a:solidFill>
+              <a:rPr b="0" lang="en-US" sz="2000" spc="-1" strike="noStrike">
                 <a:latin typeface="Arial"/>
               </a:rPr>
               <a:t>Fourth Outline Level</a:t>
             </a:r>
-            <a:endParaRPr b="0" lang="en-US" sz="1400" spc="-1" strike="noStrike">
-              <a:solidFill>
-                <a:srgbClr val="000000"/>
-              </a:solidFill>
+            <a:endParaRPr b="0" lang="en-US" sz="2000" spc="-1" strike="noStrike">
               <a:latin typeface="Arial"/>
             </a:endParaRPr>
           </a:p>
@@ -3404,26 +2944,11 @@
             </a:pPr>
             <a:r>
               <a:rPr b="0" lang="en-US" sz="2000" spc="-1" strike="noStrike">
-                <a:solidFill>
-                  <a:srgbClr val="000000"/>
-                </a:solidFill>
                 <a:latin typeface="Arial"/>
               </a:rPr>
-              <a:t>Fifth Outline </a:t>
-            </a:r>
-            <a:r>
-              <a:rPr b="0" lang="en-US" sz="2000" spc="-1" strike="noStrike">
-                <a:solidFill>
-                  <a:srgbClr val="000000"/>
-                </a:solidFill>
-                <a:latin typeface="Arial"/>
-              </a:rPr>
-              <a:t>Level</a:t>
+              <a:t>Fifth Outline Level</a:t>
             </a:r>
             <a:endParaRPr b="0" lang="en-US" sz="2000" spc="-1" strike="noStrike">
-              <a:solidFill>
-                <a:srgbClr val="000000"/>
-              </a:solidFill>
               <a:latin typeface="Arial"/>
             </a:endParaRPr>
           </a:p>
@@ -3441,26 +2966,11 @@
             </a:pPr>
             <a:r>
               <a:rPr b="0" lang="en-US" sz="2000" spc="-1" strike="noStrike">
-                <a:solidFill>
-                  <a:srgbClr val="000000"/>
-                </a:solidFill>
                 <a:latin typeface="Arial"/>
               </a:rPr>
-              <a:t>Sixth Outline </a:t>
-            </a:r>
-            <a:r>
-              <a:rPr b="0" lang="en-US" sz="2000" spc="-1" strike="noStrike">
-                <a:solidFill>
-                  <a:srgbClr val="000000"/>
-                </a:solidFill>
-                <a:latin typeface="Arial"/>
-              </a:rPr>
-              <a:t>Level</a:t>
+              <a:t>Sixth Outline Level</a:t>
             </a:r>
             <a:endParaRPr b="0" lang="en-US" sz="2000" spc="-1" strike="noStrike">
-              <a:solidFill>
-                <a:srgbClr val="000000"/>
-              </a:solidFill>
               <a:latin typeface="Arial"/>
             </a:endParaRPr>
           </a:p>
@@ -3478,35 +2988,11 @@
             </a:pPr>
             <a:r>
               <a:rPr b="0" lang="en-US" sz="2000" spc="-1" strike="noStrike">
-                <a:solidFill>
-                  <a:srgbClr val="000000"/>
-                </a:solidFill>
                 <a:latin typeface="Arial"/>
               </a:rPr>
-              <a:t>Seventh </a:t>
-            </a:r>
-            <a:r>
-              <a:rPr b="0" lang="en-US" sz="2000" spc="-1" strike="noStrike">
-                <a:solidFill>
-                  <a:srgbClr val="000000"/>
-                </a:solidFill>
-                <a:latin typeface="Arial"/>
-              </a:rPr>
-              <a:t>Outline </a:t>
-            </a:r>
-            <a:r>
-              <a:rPr b="0" lang="en-US" sz="2000" spc="-1" strike="noStrike">
-                <a:solidFill>
-                  <a:srgbClr val="000000"/>
-                </a:solidFill>
-                <a:latin typeface="Arial"/>
-              </a:rPr>
-              <a:t>Level</a:t>
+              <a:t>Seventh Outline Level</a:t>
             </a:r>
             <a:endParaRPr b="0" lang="en-US" sz="2000" spc="-1" strike="noStrike">
-              <a:solidFill>
-                <a:srgbClr val="000000"/>
-              </a:solidFill>
               <a:latin typeface="Arial"/>
             </a:endParaRPr>
           </a:p>
@@ -3558,7 +3044,7 @@
       </p:grpSpPr>
       <p:sp>
         <p:nvSpPr>
-          <p:cNvPr id="39" name="PlaceHolder 1"/>
+          <p:cNvPr id="38" name="PlaceHolder 1"/>
           <p:cNvSpPr>
             <a:spLocks noGrp="1"/>
           </p:cNvSpPr>
@@ -3569,30 +3055,24 @@
         <p:spPr>
           <a:xfrm>
             <a:off x="311760" y="444960"/>
-            <a:ext cx="8520120" cy="572400"/>
+            <a:ext cx="8519760" cy="572040"/>
           </a:xfrm>
           <a:prstGeom prst="rect">
             <a:avLst/>
           </a:prstGeom>
         </p:spPr>
         <p:txBody>
-          <a:bodyPr tIns="91440" bIns="91440">
-            <a:normAutofit fontScale="97000"/>
+          <a:bodyPr lIns="0" rIns="0" tIns="0" bIns="0" anchor="ctr">
+            <a:noAutofit/>
           </a:bodyPr>
           <a:p>
             <a:r>
-              <a:rPr b="0" lang="en-US" sz="2800" spc="-1" strike="noStrike">
-                <a:solidFill>
-                  <a:srgbClr val="000000"/>
-                </a:solidFill>
+              <a:rPr b="0" lang="en-US" sz="1800" spc="-1" strike="noStrike">
                 <a:latin typeface="Arial"/>
               </a:rPr>
               <a:t>Click to edit the title text format</a:t>
             </a:r>
-            <a:endParaRPr b="0" lang="en-US" sz="2800" spc="-1" strike="noStrike">
-              <a:solidFill>
-                <a:srgbClr val="000000"/>
-              </a:solidFill>
+            <a:endParaRPr b="0" lang="en-US" sz="1800" spc="-1" strike="noStrike">
               <a:latin typeface="Arial"/>
             </a:endParaRPr>
           </a:p>
@@ -3600,7 +3080,7 @@
       </p:sp>
       <p:sp>
         <p:nvSpPr>
-          <p:cNvPr id="40" name="PlaceHolder 2"/>
+          <p:cNvPr id="39" name="PlaceHolder 2"/>
           <p:cNvSpPr>
             <a:spLocks noGrp="1"/>
           </p:cNvSpPr>
@@ -3611,14 +3091,14 @@
         <p:spPr>
           <a:xfrm>
             <a:off x="311760" y="1152360"/>
-            <a:ext cx="8520120" cy="3416040"/>
+            <a:ext cx="8519760" cy="3415680"/>
           </a:xfrm>
           <a:prstGeom prst="rect">
             <a:avLst/>
           </a:prstGeom>
         </p:spPr>
         <p:txBody>
-          <a:bodyPr tIns="91440" bIns="91440">
+          <a:bodyPr lIns="0" rIns="0" tIns="0" bIns="0">
             <a:normAutofit/>
           </a:bodyPr>
           <a:p>
@@ -3635,17 +3115,11 @@
             </a:pPr>
             <a:r>
               <a:rPr b="0" lang="en-US" sz="1800" spc="-1" strike="noStrike">
-                <a:solidFill>
-                  <a:srgbClr val="000000"/>
-                </a:solidFill>
                 <a:latin typeface="Arial"/>
               </a:rPr>
               <a:t>Click to edit the outline text format</a:t>
             </a:r>
             <a:endParaRPr b="0" lang="en-US" sz="1800" spc="-1" strike="noStrike">
-              <a:solidFill>
-                <a:srgbClr val="000000"/>
-              </a:solidFill>
               <a:latin typeface="Arial"/>
             </a:endParaRPr>
           </a:p>
@@ -3663,17 +3137,11 @@
             </a:pPr>
             <a:r>
               <a:rPr b="0" lang="en-US" sz="1800" spc="-1" strike="noStrike">
-                <a:solidFill>
-                  <a:srgbClr val="000000"/>
-                </a:solidFill>
                 <a:latin typeface="Arial"/>
               </a:rPr>
               <a:t>Second Outline Level</a:t>
             </a:r>
             <a:endParaRPr b="0" lang="en-US" sz="1800" spc="-1" strike="noStrike">
-              <a:solidFill>
-                <a:srgbClr val="000000"/>
-              </a:solidFill>
               <a:latin typeface="Arial"/>
             </a:endParaRPr>
           </a:p>
@@ -3691,17 +3159,11 @@
             </a:pPr>
             <a:r>
               <a:rPr b="0" lang="en-US" sz="1800" spc="-1" strike="noStrike">
-                <a:solidFill>
-                  <a:srgbClr val="000000"/>
-                </a:solidFill>
                 <a:latin typeface="Arial"/>
               </a:rPr>
               <a:t>Third Outline Level</a:t>
             </a:r>
             <a:endParaRPr b="0" lang="en-US" sz="1800" spc="-1" strike="noStrike">
-              <a:solidFill>
-                <a:srgbClr val="000000"/>
-              </a:solidFill>
               <a:latin typeface="Arial"/>
             </a:endParaRPr>
           </a:p>
@@ -3719,17 +3181,11 @@
             </a:pPr>
             <a:r>
               <a:rPr b="0" lang="en-US" sz="1800" spc="-1" strike="noStrike">
-                <a:solidFill>
-                  <a:srgbClr val="000000"/>
-                </a:solidFill>
                 <a:latin typeface="Arial"/>
               </a:rPr>
               <a:t>Fourth Outline Level</a:t>
             </a:r>
             <a:endParaRPr b="0" lang="en-US" sz="1800" spc="-1" strike="noStrike">
-              <a:solidFill>
-                <a:srgbClr val="000000"/>
-              </a:solidFill>
               <a:latin typeface="Arial"/>
             </a:endParaRPr>
           </a:p>
@@ -3747,17 +3203,11 @@
             </a:pPr>
             <a:r>
               <a:rPr b="0" lang="en-US" sz="1800" spc="-1" strike="noStrike">
-                <a:solidFill>
-                  <a:srgbClr val="000000"/>
-                </a:solidFill>
                 <a:latin typeface="Arial"/>
               </a:rPr>
               <a:t>Fifth Outline Level</a:t>
             </a:r>
             <a:endParaRPr b="0" lang="en-US" sz="1800" spc="-1" strike="noStrike">
-              <a:solidFill>
-                <a:srgbClr val="000000"/>
-              </a:solidFill>
               <a:latin typeface="Arial"/>
             </a:endParaRPr>
           </a:p>
@@ -3775,17 +3225,11 @@
             </a:pPr>
             <a:r>
               <a:rPr b="0" lang="en-US" sz="1800" spc="-1" strike="noStrike">
-                <a:solidFill>
-                  <a:srgbClr val="000000"/>
-                </a:solidFill>
                 <a:latin typeface="Arial"/>
               </a:rPr>
               <a:t>Sixth Outline Level</a:t>
             </a:r>
             <a:endParaRPr b="0" lang="en-US" sz="1800" spc="-1" strike="noStrike">
-              <a:solidFill>
-                <a:srgbClr val="000000"/>
-              </a:solidFill>
               <a:latin typeface="Arial"/>
             </a:endParaRPr>
           </a:p>
@@ -3803,66 +3247,12 @@
             </a:pPr>
             <a:r>
               <a:rPr b="0" lang="en-US" sz="1800" spc="-1" strike="noStrike">
-                <a:solidFill>
-                  <a:srgbClr val="000000"/>
-                </a:solidFill>
                 <a:latin typeface="Arial"/>
               </a:rPr>
               <a:t>Seventh Outline Level</a:t>
             </a:r>
             <a:endParaRPr b="0" lang="en-US" sz="1800" spc="-1" strike="noStrike">
-              <a:solidFill>
-                <a:srgbClr val="000000"/>
-              </a:solidFill>
-              <a:latin typeface="Arial"/>
-            </a:endParaRPr>
-          </a:p>
-        </p:txBody>
-      </p:sp>
-      <p:sp>
-        <p:nvSpPr>
-          <p:cNvPr id="41" name="PlaceHolder 3"/>
-          <p:cNvSpPr>
-            <a:spLocks noGrp="1"/>
-          </p:cNvSpPr>
-          <p:nvPr>
-            <p:ph type="sldNum"/>
-          </p:nvPr>
-        </p:nvSpPr>
-        <p:spPr>
-          <a:xfrm>
-            <a:off x="8472600" y="4663080"/>
-            <a:ext cx="548280" cy="393120"/>
-          </a:xfrm>
-          <a:prstGeom prst="rect">
-            <a:avLst/>
-          </a:prstGeom>
-        </p:spPr>
-        <p:txBody>
-          <a:bodyPr tIns="91440" bIns="91440" anchor="ctr">
-            <a:normAutofit/>
-          </a:bodyPr>
-          <a:p>
-            <a:pPr algn="r">
-              <a:lnSpc>
-                <a:spcPct val="100000"/>
-              </a:lnSpc>
-              <a:tabLst>
-                <a:tab algn="l" pos="0"/>
-              </a:tabLst>
-            </a:pPr>
-            <a:fld id="{DE9816B2-73FA-4C40-89D1-E303AE972A0C}" type="slidenum">
-              <a:rPr b="0" lang="en" sz="1000" spc="-1" strike="noStrike">
-                <a:solidFill>
-                  <a:srgbClr val="595959"/>
-                </a:solidFill>
-                <a:latin typeface="Arial"/>
-                <a:ea typeface="Arial"/>
-              </a:rPr>
-              <a:t>&lt;number&gt;</a:t>
-            </a:fld>
-            <a:endParaRPr b="0" lang="en-US" sz="1000" spc="-1" strike="noStrike">
-              <a:latin typeface="Times New Roman"/>
+              <a:latin typeface="Arial"/>
             </a:endParaRPr>
           </a:p>
         </p:txBody>
@@ -3906,14 +3296,14 @@
       </p:grpSpPr>
       <p:sp>
         <p:nvSpPr>
-          <p:cNvPr id="78" name="TextShape 1"/>
-          <p:cNvSpPr txBox="1"/>
+          <p:cNvPr id="76" name="CustomShape 1"/>
+          <p:cNvSpPr/>
           <p:nvPr/>
         </p:nvSpPr>
         <p:spPr>
           <a:xfrm>
             <a:off x="311760" y="2268720"/>
-            <a:ext cx="8520120" cy="2052360"/>
+            <a:ext cx="8519760" cy="2052000"/>
           </a:xfrm>
           <a:prstGeom prst="rect">
             <a:avLst/>
@@ -3923,8 +3313,14 @@
             <a:noFill/>
           </a:ln>
         </p:spPr>
+        <p:style>
+          <a:lnRef idx="0"/>
+          <a:fillRef idx="0"/>
+          <a:effectRef idx="0"/>
+          <a:fontRef idx="minor"/>
+        </p:style>
         <p:txBody>
-          <a:bodyPr tIns="91440" bIns="91440" anchor="b">
+          <a:bodyPr lIns="90000" rIns="90000" tIns="91440" bIns="91440" anchor="b">
             <a:normAutofit/>
           </a:bodyPr>
           <a:p>
@@ -3944,142 +3340,9 @@
                 <a:latin typeface="Arial"/>
                 <a:ea typeface="Arial"/>
               </a:rPr>
-              <a:t>Re</a:t>
-            </a:r>
-            <a:r>
-              <a:rPr b="0" lang="en" sz="5200" spc="-1" strike="noStrike">
-                <a:solidFill>
-                  <a:srgbClr val="0000ff"/>
-                </a:solidFill>
-                <a:latin typeface="Arial"/>
-                <a:ea typeface="Arial"/>
-              </a:rPr>
-              <a:t>pro</a:t>
-            </a:r>
-            <a:r>
-              <a:rPr b="0" lang="en" sz="5200" spc="-1" strike="noStrike">
-                <a:solidFill>
-                  <a:srgbClr val="0000ff"/>
-                </a:solidFill>
-                <a:latin typeface="Arial"/>
-                <a:ea typeface="Arial"/>
-              </a:rPr>
-              <a:t>du</a:t>
-            </a:r>
-            <a:r>
-              <a:rPr b="0" lang="en" sz="5200" spc="-1" strike="noStrike">
-                <a:solidFill>
-                  <a:srgbClr val="0000ff"/>
-                </a:solidFill>
-                <a:latin typeface="Arial"/>
-                <a:ea typeface="Arial"/>
-              </a:rPr>
-              <a:t>cib</a:t>
-            </a:r>
-            <a:r>
-              <a:rPr b="0" lang="en" sz="5200" spc="-1" strike="noStrike">
-                <a:solidFill>
-                  <a:srgbClr val="0000ff"/>
-                </a:solidFill>
-                <a:latin typeface="Arial"/>
-                <a:ea typeface="Arial"/>
-              </a:rPr>
-              <a:t>ility </a:t>
-            </a:r>
-            <a:r>
-              <a:rPr b="0" lang="en" sz="5200" spc="-1" strike="noStrike">
-                <a:solidFill>
-                  <a:srgbClr val="0000ff"/>
-                </a:solidFill>
-                <a:latin typeface="Arial"/>
-                <a:ea typeface="Arial"/>
-              </a:rPr>
-              <a:t>an</a:t>
-            </a:r>
-            <a:r>
-              <a:rPr b="0" lang="en" sz="5200" spc="-1" strike="noStrike">
-                <a:solidFill>
-                  <a:srgbClr val="0000ff"/>
-                </a:solidFill>
-                <a:latin typeface="Arial"/>
-                <a:ea typeface="Arial"/>
-              </a:rPr>
-              <a:t>d </a:t>
-            </a:r>
-            <a:r>
-              <a:rPr b="0" lang="en" sz="5200" spc="-1" strike="noStrike">
-                <a:solidFill>
-                  <a:srgbClr val="0000ff"/>
-                </a:solidFill>
-                <a:latin typeface="Arial"/>
-                <a:ea typeface="Arial"/>
-              </a:rPr>
-              <a:t>pa</a:t>
-            </a:r>
-            <a:r>
-              <a:rPr b="0" lang="en" sz="5200" spc="-1" strike="noStrike">
-                <a:solidFill>
-                  <a:srgbClr val="0000ff"/>
-                </a:solidFill>
-                <a:latin typeface="Arial"/>
-                <a:ea typeface="Arial"/>
-              </a:rPr>
-              <a:t>ck</a:t>
-            </a:r>
-            <a:r>
-              <a:rPr b="0" lang="en" sz="5200" spc="-1" strike="noStrike">
-                <a:solidFill>
-                  <a:srgbClr val="0000ff"/>
-                </a:solidFill>
-                <a:latin typeface="Arial"/>
-                <a:ea typeface="Arial"/>
-              </a:rPr>
-              <a:t>agi</a:t>
-            </a:r>
-            <a:r>
-              <a:rPr b="0" lang="en" sz="5200" spc="-1" strike="noStrike">
-                <a:solidFill>
-                  <a:srgbClr val="0000ff"/>
-                </a:solidFill>
-                <a:latin typeface="Arial"/>
-                <a:ea typeface="Arial"/>
-              </a:rPr>
-              <a:t>ng </a:t>
-            </a:r>
-            <a:r>
-              <a:rPr b="0" lang="en" sz="5200" spc="-1" strike="noStrike">
-                <a:solidFill>
-                  <a:srgbClr val="0000ff"/>
-                </a:solidFill>
-                <a:latin typeface="Arial"/>
-                <a:ea typeface="Arial"/>
-              </a:rPr>
-              <a:t>ba</a:t>
-            </a:r>
-            <a:r>
-              <a:rPr b="0" lang="en" sz="5200" spc="-1" strike="noStrike">
-                <a:solidFill>
-                  <a:srgbClr val="0000ff"/>
-                </a:solidFill>
-                <a:latin typeface="Arial"/>
-                <a:ea typeface="Arial"/>
-              </a:rPr>
-              <a:t>sic</a:t>
-            </a:r>
-            <a:r>
-              <a:rPr b="0" lang="en" sz="5200" spc="-1" strike="noStrike">
-                <a:solidFill>
-                  <a:srgbClr val="0000ff"/>
-                </a:solidFill>
-                <a:latin typeface="Arial"/>
-                <a:ea typeface="Arial"/>
-              </a:rPr>
-              <a:t>s</a:t>
+              <a:t>Reproducibility and packaging basics</a:t>
             </a:r>
             <a:endParaRPr b="0" lang="en-US" sz="5200" spc="-1" strike="noStrike">
-              <a:solidFill>
-                <a:srgbClr val="000000"/>
-              </a:solidFill>
               <a:latin typeface="Arial"/>
             </a:endParaRPr>
           </a:p>
@@ -4087,14 +3350,14 @@
       </p:sp>
       <p:sp>
         <p:nvSpPr>
-          <p:cNvPr id="79" name="TextShape 2"/>
-          <p:cNvSpPr txBox="1"/>
+          <p:cNvPr id="77" name="CustomShape 2"/>
+          <p:cNvSpPr/>
           <p:nvPr/>
         </p:nvSpPr>
         <p:spPr>
           <a:xfrm>
             <a:off x="311760" y="4358160"/>
-            <a:ext cx="8520120" cy="792360"/>
+            <a:ext cx="8519760" cy="792000"/>
           </a:xfrm>
           <a:prstGeom prst="rect">
             <a:avLst/>
@@ -4104,8 +3367,14 @@
             <a:noFill/>
           </a:ln>
         </p:spPr>
+        <p:style>
+          <a:lnRef idx="0"/>
+          <a:fillRef idx="0"/>
+          <a:effectRef idx="0"/>
+          <a:fontRef idx="minor"/>
+        </p:style>
         <p:txBody>
-          <a:bodyPr tIns="91440" bIns="91440">
+          <a:bodyPr lIns="90000" rIns="90000" tIns="91440" bIns="91440">
             <a:normAutofit fontScale="35000"/>
           </a:bodyPr>
           <a:p>
@@ -4125,27 +3394,7 @@
                 <a:latin typeface="Arial"/>
                 <a:ea typeface="Arial"/>
               </a:rPr>
-              <a:t>Eric </a:t>
-            </a:r>
-            <a:r>
-              <a:rPr b="0" lang="en" sz="2800" spc="-1" strike="noStrike">
-                <a:solidFill>
-                  <a:srgbClr val="595959"/>
-                </a:solidFill>
-                <a:latin typeface="Arial"/>
-                <a:ea typeface="Arial"/>
-              </a:rPr>
-              <a:t>Kernf</a:t>
-            </a:r>
-            <a:r>
-              <a:rPr b="0" lang="en" sz="2800" spc="-1" strike="noStrike">
-                <a:solidFill>
-                  <a:srgbClr val="595959"/>
-                </a:solidFill>
-                <a:latin typeface="Arial"/>
-                <a:ea typeface="Arial"/>
-              </a:rPr>
-              <a:t>eld</a:t>
+              <a:t>Eric Kernfeld</a:t>
             </a:r>
             <a:endParaRPr b="0" lang="en-US" sz="2800" spc="-1" strike="noStrike">
               <a:latin typeface="Arial"/>
@@ -4168,17 +3417,7 @@
                 <a:latin typeface="Arial"/>
                 <a:ea typeface="Arial"/>
               </a:rPr>
-              <a:t>Battle </a:t>
-            </a:r>
-            <a:r>
-              <a:rPr b="0" lang="en" sz="2800" spc="-1" strike="noStrike">
-                <a:solidFill>
-                  <a:srgbClr val="595959"/>
-                </a:solidFill>
-                <a:latin typeface="Arial"/>
-                <a:ea typeface="Arial"/>
-              </a:rPr>
-              <a:t>lab</a:t>
+              <a:t>Battle lab</a:t>
             </a:r>
             <a:endParaRPr b="0" lang="en-US" sz="2800" spc="-1" strike="noStrike">
               <a:latin typeface="Arial"/>
@@ -4201,37 +3440,7 @@
                 <a:latin typeface="Arial"/>
                 <a:ea typeface="Arial"/>
               </a:rPr>
-              <a:t>Short </a:t>
-            </a:r>
-            <a:r>
-              <a:rPr b="0" lang="en" sz="2800" spc="-1" strike="noStrike">
-                <a:solidFill>
-                  <a:srgbClr val="595959"/>
-                </a:solidFill>
-                <a:latin typeface="Arial"/>
-                <a:ea typeface="Arial"/>
-              </a:rPr>
-              <a:t>talk </a:t>
-            </a:r>
-            <a:r>
-              <a:rPr b="0" lang="en" sz="2800" spc="-1" strike="noStrike">
-                <a:solidFill>
-                  <a:srgbClr val="595959"/>
-                </a:solidFill>
-                <a:latin typeface="Arial"/>
-                <a:ea typeface="Arial"/>
-              </a:rPr>
-              <a:t>6/5/2</a:t>
-            </a:r>
-            <a:r>
-              <a:rPr b="0" lang="en" sz="2800" spc="-1" strike="noStrike">
-                <a:solidFill>
-                  <a:srgbClr val="595959"/>
-                </a:solidFill>
-                <a:latin typeface="Arial"/>
-                <a:ea typeface="Arial"/>
-              </a:rPr>
-              <a:t>3</a:t>
+              <a:t>Short talk 6/5/23</a:t>
             </a:r>
             <a:endParaRPr b="0" lang="en-US" sz="2800" spc="-1" strike="noStrike">
               <a:latin typeface="Arial"/>
@@ -4271,14 +3480,14 @@
       </p:grpSpPr>
       <p:sp>
         <p:nvSpPr>
-          <p:cNvPr id="105" name="TextShape 1"/>
-          <p:cNvSpPr txBox="1"/>
+          <p:cNvPr id="103" name="CustomShape 1"/>
+          <p:cNvSpPr/>
           <p:nvPr/>
         </p:nvSpPr>
         <p:spPr>
           <a:xfrm>
             <a:off x="311760" y="444960"/>
-            <a:ext cx="8520120" cy="572400"/>
+            <a:ext cx="8519760" cy="572040"/>
           </a:xfrm>
           <a:prstGeom prst="rect">
             <a:avLst/>
@@ -4288,8 +3497,14 @@
             <a:noFill/>
           </a:ln>
         </p:spPr>
+        <p:style>
+          <a:lnRef idx="0"/>
+          <a:fillRef idx="0"/>
+          <a:effectRef idx="0"/>
+          <a:fontRef idx="minor"/>
+        </p:style>
         <p:txBody>
-          <a:bodyPr tIns="91440" bIns="91440">
+          <a:bodyPr lIns="90000" rIns="90000" tIns="91440" bIns="91440">
             <a:normAutofit fontScale="97000"/>
           </a:bodyPr>
           <a:p>
@@ -4309,52 +3524,9 @@
                 <a:latin typeface="Arial"/>
                 <a:ea typeface="Arial"/>
               </a:rPr>
-              <a:t>My </a:t>
-            </a:r>
-            <a:r>
-              <a:rPr b="0" lang="en" sz="2800" spc="-1" strike="noStrike">
-                <a:solidFill>
-                  <a:srgbClr val="000000"/>
-                </a:solidFill>
-                <a:latin typeface="Arial"/>
-                <a:ea typeface="Arial"/>
-              </a:rPr>
-              <a:t>sche</a:t>
-            </a:r>
-            <a:r>
-              <a:rPr b="0" lang="en" sz="2800" spc="-1" strike="noStrike">
-                <a:solidFill>
-                  <a:srgbClr val="000000"/>
-                </a:solidFill>
-                <a:latin typeface="Arial"/>
-                <a:ea typeface="Arial"/>
-              </a:rPr>
-              <a:t>me in </a:t>
-            </a:r>
-            <a:r>
-              <a:rPr b="0" lang="en" sz="2800" spc="-1" strike="noStrike">
-                <a:solidFill>
-                  <a:srgbClr val="000000"/>
-                </a:solidFill>
-                <a:latin typeface="Arial"/>
-                <a:ea typeface="Arial"/>
-              </a:rPr>
-              <a:t>Pytho</a:t>
-            </a:r>
-            <a:r>
-              <a:rPr b="0" lang="en" sz="2800" spc="-1" strike="noStrike">
-                <a:solidFill>
-                  <a:srgbClr val="000000"/>
-                </a:solidFill>
-                <a:latin typeface="Arial"/>
-                <a:ea typeface="Arial"/>
-              </a:rPr>
-              <a:t>n</a:t>
+              <a:t>My scheme in Python</a:t>
             </a:r>
             <a:endParaRPr b="0" lang="en-US" sz="2800" spc="-1" strike="noStrike">
-              <a:solidFill>
-                <a:srgbClr val="000000"/>
-              </a:solidFill>
               <a:latin typeface="Arial"/>
             </a:endParaRPr>
           </a:p>
@@ -4362,14 +3534,14 @@
       </p:sp>
       <p:sp>
         <p:nvSpPr>
-          <p:cNvPr id="106" name="TextShape 2"/>
-          <p:cNvSpPr txBox="1"/>
+          <p:cNvPr id="104" name="CustomShape 2"/>
+          <p:cNvSpPr/>
           <p:nvPr/>
         </p:nvSpPr>
         <p:spPr>
           <a:xfrm>
             <a:off x="311760" y="1152360"/>
-            <a:ext cx="6103800" cy="3416040"/>
+            <a:ext cx="6103440" cy="3415680"/>
           </a:xfrm>
           <a:prstGeom prst="rect">
             <a:avLst/>
@@ -4379,8 +3551,14 @@
             <a:noFill/>
           </a:ln>
         </p:spPr>
+        <p:style>
+          <a:lnRef idx="0"/>
+          <a:fillRef idx="0"/>
+          <a:effectRef idx="0"/>
+          <a:fontRef idx="minor"/>
+        </p:style>
         <p:txBody>
-          <a:bodyPr tIns="91440" bIns="91440">
+          <a:bodyPr lIns="90000" rIns="90000" tIns="91440" bIns="91440">
             <a:normAutofit fontScale="80000"/>
           </a:bodyPr>
           <a:p>
@@ -4403,14 +3581,11 @@
               <a:t>Don’t:</a:t>
             </a:r>
             <a:endParaRPr b="0" lang="en-US" sz="1800" spc="-1" strike="noStrike">
-              <a:solidFill>
-                <a:srgbClr val="000000"/>
-              </a:solidFill>
-              <a:latin typeface="Arial"/>
-            </a:endParaRPr>
-          </a:p>
-          <a:p>
-            <a:pPr marL="457200" indent="-334080">
+              <a:latin typeface="Arial"/>
+            </a:endParaRPr>
+          </a:p>
+          <a:p>
+            <a:pPr marL="457200" indent="-333720">
               <a:lnSpc>
                 <a:spcPct val="115000"/>
               </a:lnSpc>
@@ -4437,14 +3612,11 @@
               <a:t>Use whatever Python version happens to be installed</a:t>
             </a:r>
             <a:endParaRPr b="0" lang="en-US" sz="1800" spc="-1" strike="noStrike">
-              <a:solidFill>
-                <a:srgbClr val="000000"/>
-              </a:solidFill>
-              <a:latin typeface="Arial"/>
-            </a:endParaRPr>
-          </a:p>
-          <a:p>
-            <a:pPr marL="457200" indent="-334080">
+              <a:latin typeface="Arial"/>
+            </a:endParaRPr>
+          </a:p>
+          <a:p>
+            <a:pPr marL="457200" indent="-333720">
               <a:lnSpc>
                 <a:spcPct val="115000"/>
               </a:lnSpc>
@@ -4468,9 +3640,6 @@
               <a:t>Freely mix pip- and conda-installed packages</a:t>
             </a:r>
             <a:endParaRPr b="0" lang="en-US" sz="1800" spc="-1" strike="noStrike">
-              <a:solidFill>
-                <a:srgbClr val="000000"/>
-              </a:solidFill>
               <a:latin typeface="Arial"/>
             </a:endParaRPr>
           </a:p>
@@ -4497,14 +3666,11 @@
               <a:t>Do:</a:t>
             </a:r>
             <a:endParaRPr b="0" lang="en-US" sz="1800" spc="-1" strike="noStrike">
-              <a:solidFill>
-                <a:srgbClr val="000000"/>
-              </a:solidFill>
-              <a:latin typeface="Arial"/>
-            </a:endParaRPr>
-          </a:p>
-          <a:p>
-            <a:pPr marL="457200" indent="-334080">
+              <a:latin typeface="Arial"/>
+            </a:endParaRPr>
+          </a:p>
+          <a:p>
+            <a:pPr marL="457200" indent="-333720">
               <a:lnSpc>
                 <a:spcPct val="115000"/>
               </a:lnSpc>
@@ -4531,14 +3697,11 @@
               <a:t>Make a project-specific conda environment</a:t>
             </a:r>
             <a:endParaRPr b="0" lang="en-US" sz="1800" spc="-1" strike="noStrike">
-              <a:solidFill>
-                <a:srgbClr val="000000"/>
-              </a:solidFill>
-              <a:latin typeface="Arial"/>
-            </a:endParaRPr>
-          </a:p>
-          <a:p>
-            <a:pPr marL="457200" indent="-334080">
+              <a:latin typeface="Arial"/>
+            </a:endParaRPr>
+          </a:p>
+          <a:p>
+            <a:pPr marL="457200" indent="-333720">
               <a:lnSpc>
                 <a:spcPct val="115000"/>
               </a:lnSpc>
@@ -4582,14 +3745,11 @@
               <a:t> that is checked into git (example in 2 slides)</a:t>
             </a:r>
             <a:endParaRPr b="0" lang="en-US" sz="1800" spc="-1" strike="noStrike">
-              <a:solidFill>
-                <a:srgbClr val="000000"/>
-              </a:solidFill>
-              <a:latin typeface="Arial"/>
-            </a:endParaRPr>
-          </a:p>
-          <a:p>
-            <a:pPr marL="457200" indent="-334080">
+              <a:latin typeface="Arial"/>
+            </a:endParaRPr>
+          </a:p>
+          <a:p>
+            <a:pPr marL="457200" indent="-333720">
               <a:lnSpc>
                 <a:spcPct val="115000"/>
               </a:lnSpc>
@@ -4643,14 +3803,11 @@
               <a:t>conda list --explicit</a:t>
             </a:r>
             <a:endParaRPr b="0" lang="en-US" sz="1800" spc="-1" strike="noStrike">
-              <a:solidFill>
-                <a:srgbClr val="000000"/>
-              </a:solidFill>
-              <a:latin typeface="Arial"/>
-            </a:endParaRPr>
-          </a:p>
-          <a:p>
-            <a:pPr marL="457200" indent="-334080">
+              <a:latin typeface="Arial"/>
+            </a:endParaRPr>
+          </a:p>
+          <a:p>
+            <a:pPr marL="457200" indent="-333720">
               <a:lnSpc>
                 <a:spcPct val="115000"/>
               </a:lnSpc>
@@ -4674,9 +3831,6 @@
               <a:t>Minimize use of pip and separately document each use of pip</a:t>
             </a:r>
             <a:endParaRPr b="0" lang="en-US" sz="1800" spc="-1" strike="noStrike">
-              <a:solidFill>
-                <a:srgbClr val="000000"/>
-              </a:solidFill>
               <a:latin typeface="Arial"/>
             </a:endParaRPr>
           </a:p>
@@ -4684,14 +3838,14 @@
       </p:sp>
       <p:sp>
         <p:nvSpPr>
-          <p:cNvPr id="107" name="TextShape 3"/>
-          <p:cNvSpPr txBox="1"/>
+          <p:cNvPr id="105" name="CustomShape 3"/>
+          <p:cNvSpPr/>
           <p:nvPr/>
         </p:nvSpPr>
         <p:spPr>
           <a:xfrm>
             <a:off x="6415920" y="1152360"/>
-            <a:ext cx="2590560" cy="3416040"/>
+            <a:ext cx="2590200" cy="3415680"/>
           </a:xfrm>
           <a:prstGeom prst="rect">
             <a:avLst/>
@@ -4701,8 +3855,14 @@
             <a:noFill/>
           </a:ln>
         </p:spPr>
+        <p:style>
+          <a:lnRef idx="0"/>
+          <a:fillRef idx="0"/>
+          <a:effectRef idx="0"/>
+          <a:fontRef idx="minor"/>
+        </p:style>
         <p:txBody>
-          <a:bodyPr tIns="91440" bIns="91440">
+          <a:bodyPr lIns="90000" rIns="90000" tIns="91440" bIns="91440">
             <a:normAutofit/>
           </a:bodyPr>
           <a:p>
@@ -4725,14 +3885,11 @@
               <a:t>Alternatives:</a:t>
             </a:r>
             <a:endParaRPr b="0" lang="en-US" sz="1800" spc="-1" strike="noStrike">
-              <a:solidFill>
-                <a:srgbClr val="000000"/>
-              </a:solidFill>
-              <a:latin typeface="Arial"/>
-            </a:endParaRPr>
-          </a:p>
-          <a:p>
-            <a:pPr marL="457200" indent="-342720">
+              <a:latin typeface="Arial"/>
+            </a:endParaRPr>
+          </a:p>
+          <a:p>
+            <a:pPr marL="457200" indent="-342360">
               <a:lnSpc>
                 <a:spcPct val="115000"/>
               </a:lnSpc>
@@ -4759,14 +3916,11 @@
               <a:t>AWS, Docker, Virtualenv for encapsulation</a:t>
             </a:r>
             <a:endParaRPr b="0" lang="en-US" sz="1800" spc="-1" strike="noStrike">
-              <a:solidFill>
-                <a:srgbClr val="000000"/>
-              </a:solidFill>
-              <a:latin typeface="Arial"/>
-            </a:endParaRPr>
-          </a:p>
-          <a:p>
-            <a:pPr marL="457200" indent="-342720">
+              <a:latin typeface="Arial"/>
+            </a:endParaRPr>
+          </a:p>
+          <a:p>
+            <a:pPr marL="457200" indent="-342360">
               <a:lnSpc>
                 <a:spcPct val="115000"/>
               </a:lnSpc>
@@ -4790,14 +3944,11 @@
               <a:t>Pyenv for python versions</a:t>
             </a:r>
             <a:endParaRPr b="0" lang="en-US" sz="1800" spc="-1" strike="noStrike">
-              <a:solidFill>
-                <a:srgbClr val="000000"/>
-              </a:solidFill>
-              <a:latin typeface="Arial"/>
-            </a:endParaRPr>
-          </a:p>
-          <a:p>
-            <a:pPr marL="457200" indent="-342720">
+              <a:latin typeface="Arial"/>
+            </a:endParaRPr>
+          </a:p>
+          <a:p>
+            <a:pPr marL="457200" indent="-342360">
               <a:lnSpc>
                 <a:spcPct val="115000"/>
               </a:lnSpc>
@@ -4821,9 +3972,6 @@
               <a:t>Pip or poetry for packages</a:t>
             </a:r>
             <a:endParaRPr b="0" lang="en-US" sz="1800" spc="-1" strike="noStrike">
-              <a:solidFill>
-                <a:srgbClr val="000000"/>
-              </a:solidFill>
               <a:latin typeface="Arial"/>
             </a:endParaRPr>
           </a:p>
@@ -4861,14 +4009,14 @@
       </p:grpSpPr>
       <p:sp>
         <p:nvSpPr>
-          <p:cNvPr id="108" name="TextShape 1"/>
-          <p:cNvSpPr txBox="1"/>
+          <p:cNvPr id="106" name="CustomShape 1"/>
+          <p:cNvSpPr/>
           <p:nvPr/>
         </p:nvSpPr>
         <p:spPr>
           <a:xfrm>
             <a:off x="311760" y="444960"/>
-            <a:ext cx="8520120" cy="572400"/>
+            <a:ext cx="8519760" cy="572040"/>
           </a:xfrm>
           <a:prstGeom prst="rect">
             <a:avLst/>
@@ -4878,8 +4026,14 @@
             <a:noFill/>
           </a:ln>
         </p:spPr>
+        <p:style>
+          <a:lnRef idx="0"/>
+          <a:fillRef idx="0"/>
+          <a:effectRef idx="0"/>
+          <a:fontRef idx="minor"/>
+        </p:style>
         <p:txBody>
-          <a:bodyPr tIns="91440" bIns="91440">
+          <a:bodyPr lIns="90000" rIns="90000" tIns="91440" bIns="91440">
             <a:normAutofit fontScale="97000"/>
           </a:bodyPr>
           <a:p>
@@ -4899,62 +4053,9 @@
                 <a:latin typeface="Arial"/>
                 <a:ea typeface="Arial"/>
               </a:rPr>
-              <a:t>Warni</a:t>
-            </a:r>
-            <a:r>
-              <a:rPr b="0" lang="en" sz="2800" spc="-1" strike="noStrike">
-                <a:solidFill>
-                  <a:srgbClr val="000000"/>
-                </a:solidFill>
-                <a:latin typeface="Arial"/>
-                <a:ea typeface="Arial"/>
-              </a:rPr>
-              <a:t>ngs </a:t>
-            </a:r>
-            <a:r>
-              <a:rPr b="0" lang="en" sz="2800" spc="-1" strike="noStrike">
-                <a:solidFill>
-                  <a:srgbClr val="000000"/>
-                </a:solidFill>
-                <a:latin typeface="Arial"/>
-                <a:ea typeface="Arial"/>
-              </a:rPr>
-              <a:t>about </a:t>
-            </a:r>
-            <a:r>
-              <a:rPr b="0" lang="en" sz="2800" spc="-1" strike="noStrike">
-                <a:solidFill>
-                  <a:srgbClr val="000000"/>
-                </a:solidFill>
-                <a:latin typeface="Arial"/>
-                <a:ea typeface="Arial"/>
-              </a:rPr>
-              <a:t>cond</a:t>
-            </a:r>
-            <a:r>
-              <a:rPr b="0" lang="en" sz="2800" spc="-1" strike="noStrike">
-                <a:solidFill>
-                  <a:srgbClr val="000000"/>
-                </a:solidFill>
-                <a:latin typeface="Arial"/>
-                <a:ea typeface="Arial"/>
-              </a:rPr>
-              <a:t>a + </a:t>
-            </a:r>
-            <a:r>
-              <a:rPr b="0" lang="en" sz="2800" spc="-1" strike="noStrike">
-                <a:solidFill>
-                  <a:srgbClr val="000000"/>
-                </a:solidFill>
-                <a:latin typeface="Arial"/>
-                <a:ea typeface="Arial"/>
-              </a:rPr>
-              <a:t>pip</a:t>
+              <a:t>Warnings about conda + pip</a:t>
             </a:r>
             <a:endParaRPr b="0" lang="en-US" sz="2800" spc="-1" strike="noStrike">
-              <a:solidFill>
-                <a:srgbClr val="000000"/>
-              </a:solidFill>
               <a:latin typeface="Arial"/>
             </a:endParaRPr>
           </a:p>
@@ -4962,14 +4063,14 @@
       </p:sp>
       <p:sp>
         <p:nvSpPr>
-          <p:cNvPr id="109" name="TextShape 2"/>
-          <p:cNvSpPr txBox="1"/>
+          <p:cNvPr id="107" name="CustomShape 2"/>
+          <p:cNvSpPr/>
           <p:nvPr/>
         </p:nvSpPr>
         <p:spPr>
           <a:xfrm>
             <a:off x="311760" y="1152360"/>
-            <a:ext cx="8520120" cy="3416040"/>
+            <a:ext cx="8519760" cy="3415680"/>
           </a:xfrm>
           <a:prstGeom prst="rect">
             <a:avLst/>
@@ -4979,12 +4080,18 @@
             <a:noFill/>
           </a:ln>
         </p:spPr>
+        <p:style>
+          <a:lnRef idx="0"/>
+          <a:fillRef idx="0"/>
+          <a:effectRef idx="0"/>
+          <a:fontRef idx="minor"/>
+        </p:style>
         <p:txBody>
-          <a:bodyPr tIns="91440" bIns="91440">
+          <a:bodyPr lIns="90000" rIns="90000" tIns="91440" bIns="91440">
             <a:normAutofit/>
           </a:bodyPr>
           <a:p>
-            <a:pPr marL="457200" indent="-342720">
+            <a:pPr marL="457200" indent="-342360">
               <a:lnSpc>
                 <a:spcPct val="115000"/>
               </a:lnSpc>
@@ -5005,14 +4112,11 @@
               <a:t>The advertised way to reproduce a conda environment is:</a:t>
             </a:r>
             <a:endParaRPr b="0" lang="en-US" sz="1800" spc="-1" strike="noStrike">
-              <a:solidFill>
-                <a:srgbClr val="000000"/>
-              </a:solidFill>
-              <a:latin typeface="Arial"/>
-            </a:endParaRPr>
-          </a:p>
-          <a:p>
-            <a:pPr lvl="1" marL="914400" indent="-317160">
+              <a:latin typeface="Arial"/>
+            </a:endParaRPr>
+          </a:p>
+          <a:p>
+            <a:pPr lvl="1" marL="914400" indent="-316800">
               <a:lnSpc>
                 <a:spcPct val="115000"/>
               </a:lnSpc>
@@ -5036,14 +4140,11 @@
               <a:t>conda list --explicit &gt; specs.txt</a:t>
             </a:r>
             <a:endParaRPr b="0" lang="en-US" sz="1400" spc="-1" strike="noStrike">
-              <a:solidFill>
-                <a:srgbClr val="000000"/>
-              </a:solidFill>
-              <a:latin typeface="Arial"/>
-            </a:endParaRPr>
-          </a:p>
-          <a:p>
-            <a:pPr lvl="1" marL="914400" indent="-317160">
+              <a:latin typeface="Arial"/>
+            </a:endParaRPr>
+          </a:p>
+          <a:p>
+            <a:pPr lvl="1" marL="914400" indent="-316800">
               <a:lnSpc>
                 <a:spcPct val="115000"/>
               </a:lnSpc>
@@ -5064,12 +4165,22 @@
                 <a:latin typeface="Source Code Pro"/>
                 <a:ea typeface="Source Code Pro"/>
               </a:rPr>
-              <a:t>conda create -n my_same_environment –file</a:t>
+              <a:t>conda create -n my_same_environment –file </a:t>
+            </a:r>
+            <a:r>
+              <a:rPr b="0" lang="en" sz="1400" spc="-1" strike="noStrike">
+                <a:solidFill>
+                  <a:srgbClr val="000000"/>
+                </a:solidFill>
+                <a:highlight>
+                  <a:srgbClr val="ffab40"/>
+                </a:highlight>
+                <a:latin typeface="Source Code Pro"/>
+                <a:ea typeface="Source Code Pro"/>
+              </a:rPr>
+              <a:t>specs.txt</a:t>
             </a:r>
             <a:endParaRPr b="0" lang="en-US" sz="1400" spc="-1" strike="noStrike">
-              <a:solidFill>
-                <a:srgbClr val="000000"/>
-              </a:solidFill>
               <a:latin typeface="Arial"/>
             </a:endParaRPr>
           </a:p>
@@ -5077,7 +4188,7 @@
       </p:sp>
       <p:pic>
         <p:nvPicPr>
-          <p:cNvPr id="110" name="Google Shape;134;p24" descr=""/>
+          <p:cNvPr id="108" name="Google Shape;134;p24" descr=""/>
           <p:cNvPicPr/>
           <p:nvPr/>
         </p:nvPicPr>
@@ -5088,7 +4199,7 @@
         <p:spPr>
           <a:xfrm>
             <a:off x="7058160" y="101880"/>
-            <a:ext cx="1024560" cy="945720"/>
+            <a:ext cx="1024200" cy="945360"/>
           </a:xfrm>
           <a:prstGeom prst="rect">
             <a:avLst/>
@@ -5130,14 +4241,14 @@
       </p:grpSpPr>
       <p:sp>
         <p:nvSpPr>
-          <p:cNvPr id="111" name="TextShape 1"/>
-          <p:cNvSpPr txBox="1"/>
+          <p:cNvPr id="109" name="CustomShape 1"/>
+          <p:cNvSpPr/>
           <p:nvPr/>
         </p:nvSpPr>
         <p:spPr>
           <a:xfrm>
             <a:off x="311760" y="444960"/>
-            <a:ext cx="8520120" cy="572400"/>
+            <a:ext cx="8519760" cy="572040"/>
           </a:xfrm>
           <a:prstGeom prst="rect">
             <a:avLst/>
@@ -5147,30 +4258,23 @@
             <a:noFill/>
           </a:ln>
         </p:spPr>
-        <p:txBody>
-          <a:bodyPr lIns="0" rIns="0" tIns="0" bIns="0" anchor="ctr">
-            <a:noAutofit/>
-          </a:bodyPr>
-          <a:p>
-            <a:endParaRPr b="0" lang="en-US" sz="1400" spc="-1" strike="noStrike">
-              <a:solidFill>
-                <a:srgbClr val="000000"/>
-              </a:solidFill>
-              <a:latin typeface="Arial"/>
-            </a:endParaRPr>
-          </a:p>
-        </p:txBody>
+        <p:style>
+          <a:lnRef idx="0"/>
+          <a:fillRef idx="0"/>
+          <a:effectRef idx="0"/>
+          <a:fontRef idx="minor"/>
+        </p:style>
       </p:sp>
       <p:sp>
         <p:nvSpPr>
-          <p:cNvPr id="112" name="TextShape 2"/>
-          <p:cNvSpPr txBox="1"/>
+          <p:cNvPr id="110" name="CustomShape 2"/>
+          <p:cNvSpPr/>
           <p:nvPr/>
         </p:nvSpPr>
         <p:spPr>
           <a:xfrm>
             <a:off x="311760" y="1152360"/>
-            <a:ext cx="8520120" cy="3416040"/>
+            <a:ext cx="8519760" cy="3415680"/>
           </a:xfrm>
           <a:prstGeom prst="rect">
             <a:avLst/>
@@ -5180,12 +4284,21 @@
             <a:noFill/>
           </a:ln>
         </p:spPr>
+        <p:style>
+          <a:lnRef idx="0"/>
+          <a:fillRef idx="0"/>
+          <a:effectRef idx="0"/>
+          <a:fontRef idx="minor"/>
+        </p:style>
         <p:txBody>
           <a:bodyPr lIns="0" rIns="0" tIns="0" bIns="0">
             <a:normAutofit/>
           </a:bodyPr>
           <a:p>
-            <a:pPr marL="432000" indent="-324000">
+            <a:pPr marL="432000" indent="-323640">
+              <a:lnSpc>
+                <a:spcPct val="100000"/>
+              </a:lnSpc>
               <a:spcBef>
                 <a:spcPts val="1417"/>
               </a:spcBef>
@@ -5206,14 +4319,14 @@
               <a:t>This does not work cross-platform.</a:t>
             </a:r>
             <a:endParaRPr b="0" lang="en-US" sz="1400" spc="-1" strike="noStrike">
-              <a:solidFill>
-                <a:srgbClr val="000000"/>
-              </a:solidFill>
-              <a:latin typeface="Arial"/>
-            </a:endParaRPr>
-          </a:p>
-          <a:p>
-            <a:pPr marL="432000" indent="-324000">
+              <a:latin typeface="Arial"/>
+            </a:endParaRPr>
+          </a:p>
+          <a:p>
+            <a:pPr marL="432000" indent="-323640">
+              <a:lnSpc>
+                <a:spcPct val="100000"/>
+              </a:lnSpc>
               <a:spcBef>
                 <a:spcPts val="1417"/>
               </a:spcBef>
@@ -5234,14 +4347,14 @@
               <a:t>This does not include pip-installed packages.</a:t>
             </a:r>
             <a:endParaRPr b="0" lang="en-US" sz="1400" spc="-1" strike="noStrike">
-              <a:solidFill>
-                <a:srgbClr val="000000"/>
-              </a:solidFill>
-              <a:latin typeface="Arial"/>
-            </a:endParaRPr>
-          </a:p>
-          <a:p>
-            <a:pPr marL="432000" indent="-324000">
+              <a:latin typeface="Arial"/>
+            </a:endParaRPr>
+          </a:p>
+          <a:p>
+            <a:pPr marL="432000" indent="-323640">
+              <a:lnSpc>
+                <a:spcPct val="100000"/>
+              </a:lnSpc>
               <a:spcBef>
                 <a:spcPts val="1417"/>
               </a:spcBef>
@@ -5262,14 +4375,14 @@
               <a:t>Surprisingly, conda list without --explicit does include pip-installed packages, though the output is not readable by conda create. </a:t>
             </a:r>
             <a:endParaRPr b="0" lang="en-US" sz="1400" spc="-1" strike="noStrike">
-              <a:solidFill>
-                <a:srgbClr val="000000"/>
-              </a:solidFill>
-              <a:latin typeface="Arial"/>
-            </a:endParaRPr>
-          </a:p>
-          <a:p>
-            <a:pPr marL="432000" indent="-324000">
+              <a:latin typeface="Arial"/>
+            </a:endParaRPr>
+          </a:p>
+          <a:p>
+            <a:pPr marL="432000" indent="-323640">
+              <a:lnSpc>
+                <a:spcPct val="100000"/>
+              </a:lnSpc>
               <a:spcBef>
                 <a:spcPts val="1417"/>
               </a:spcBef>
@@ -5290,9 +4403,6 @@
               <a:t>Note that conda create and conda env create are different. See next slide for an example of conda env create, which accepts a different type of input for use with flexible installations.</a:t>
             </a:r>
             <a:endParaRPr b="0" lang="en-US" sz="1400" spc="-1" strike="noStrike">
-              <a:solidFill>
-                <a:srgbClr val="000000"/>
-              </a:solidFill>
               <a:latin typeface="Arial"/>
             </a:endParaRPr>
           </a:p>
@@ -5300,14 +4410,14 @@
       </p:sp>
       <p:sp>
         <p:nvSpPr>
-          <p:cNvPr id="113" name="TextShape 3"/>
-          <p:cNvSpPr txBox="1"/>
+          <p:cNvPr id="111" name="CustomShape 3"/>
+          <p:cNvSpPr/>
           <p:nvPr/>
         </p:nvSpPr>
         <p:spPr>
           <a:xfrm>
             <a:off x="312120" y="444960"/>
-            <a:ext cx="8520120" cy="572400"/>
+            <a:ext cx="8519760" cy="572040"/>
           </a:xfrm>
           <a:prstGeom prst="rect">
             <a:avLst/>
@@ -5317,8 +4427,14 @@
             <a:noFill/>
           </a:ln>
         </p:spPr>
+        <p:style>
+          <a:lnRef idx="0"/>
+          <a:fillRef idx="0"/>
+          <a:effectRef idx="0"/>
+          <a:fontRef idx="minor"/>
+        </p:style>
         <p:txBody>
-          <a:bodyPr tIns="91440" bIns="91440">
+          <a:bodyPr lIns="90000" rIns="90000" tIns="91440" bIns="91440">
             <a:normAutofit fontScale="97000"/>
           </a:bodyPr>
           <a:p>
@@ -5338,62 +4454,9 @@
                 <a:latin typeface="Arial"/>
                 <a:ea typeface="Arial"/>
               </a:rPr>
-              <a:t>Warni</a:t>
-            </a:r>
-            <a:r>
-              <a:rPr b="0" lang="en" sz="2800" spc="-1" strike="noStrike">
-                <a:solidFill>
-                  <a:srgbClr val="000000"/>
-                </a:solidFill>
-                <a:latin typeface="Arial"/>
-                <a:ea typeface="Arial"/>
-              </a:rPr>
-              <a:t>ngs </a:t>
-            </a:r>
-            <a:r>
-              <a:rPr b="0" lang="en" sz="2800" spc="-1" strike="noStrike">
-                <a:solidFill>
-                  <a:srgbClr val="000000"/>
-                </a:solidFill>
-                <a:latin typeface="Arial"/>
-                <a:ea typeface="Arial"/>
-              </a:rPr>
-              <a:t>about </a:t>
-            </a:r>
-            <a:r>
-              <a:rPr b="0" lang="en" sz="2800" spc="-1" strike="noStrike">
-                <a:solidFill>
-                  <a:srgbClr val="000000"/>
-                </a:solidFill>
-                <a:latin typeface="Arial"/>
-                <a:ea typeface="Arial"/>
-              </a:rPr>
-              <a:t>cond</a:t>
-            </a:r>
-            <a:r>
-              <a:rPr b="0" lang="en" sz="2800" spc="-1" strike="noStrike">
-                <a:solidFill>
-                  <a:srgbClr val="000000"/>
-                </a:solidFill>
-                <a:latin typeface="Arial"/>
-                <a:ea typeface="Arial"/>
-              </a:rPr>
-              <a:t>a + </a:t>
-            </a:r>
-            <a:r>
-              <a:rPr b="0" lang="en" sz="2800" spc="-1" strike="noStrike">
-                <a:solidFill>
-                  <a:srgbClr val="000000"/>
-                </a:solidFill>
-                <a:latin typeface="Arial"/>
-                <a:ea typeface="Arial"/>
-              </a:rPr>
-              <a:t>pip</a:t>
+              <a:t>Warnings about conda + pip</a:t>
             </a:r>
             <a:endParaRPr b="0" lang="en-US" sz="2800" spc="-1" strike="noStrike">
-              <a:solidFill>
-                <a:srgbClr val="000000"/>
-              </a:solidFill>
               <a:latin typeface="Arial"/>
             </a:endParaRPr>
           </a:p>
@@ -5401,7 +4464,7 @@
       </p:sp>
       <p:pic>
         <p:nvPicPr>
-          <p:cNvPr id="114" name="Google Shape;134;p24_0" descr=""/>
+          <p:cNvPr id="112" name="Google Shape;134;p24_0" descr=""/>
           <p:cNvPicPr/>
           <p:nvPr/>
         </p:nvPicPr>
@@ -5412,7 +4475,7 @@
         <p:spPr>
           <a:xfrm>
             <a:off x="7058160" y="102240"/>
-            <a:ext cx="1024560" cy="945720"/>
+            <a:ext cx="1024200" cy="945360"/>
           </a:xfrm>
           <a:prstGeom prst="rect">
             <a:avLst/>
@@ -5454,14 +4517,14 @@
       </p:grpSpPr>
       <p:sp>
         <p:nvSpPr>
-          <p:cNvPr id="115" name="TextShape 1"/>
-          <p:cNvSpPr txBox="1"/>
+          <p:cNvPr id="113" name="CustomShape 1"/>
+          <p:cNvSpPr/>
           <p:nvPr/>
         </p:nvSpPr>
         <p:spPr>
           <a:xfrm>
             <a:off x="311760" y="444960"/>
-            <a:ext cx="8520120" cy="572400"/>
+            <a:ext cx="8519760" cy="572040"/>
           </a:xfrm>
           <a:prstGeom prst="rect">
             <a:avLst/>
@@ -5471,8 +4534,14 @@
             <a:noFill/>
           </a:ln>
         </p:spPr>
+        <p:style>
+          <a:lnRef idx="0"/>
+          <a:fillRef idx="0"/>
+          <a:effectRef idx="0"/>
+          <a:fontRef idx="minor"/>
+        </p:style>
         <p:txBody>
-          <a:bodyPr tIns="91440" bIns="91440">
+          <a:bodyPr lIns="90000" rIns="90000" tIns="91440" bIns="91440">
             <a:normAutofit fontScale="97000"/>
           </a:bodyPr>
           <a:p>
@@ -5492,92 +4561,9 @@
                 <a:latin typeface="Arial"/>
                 <a:ea typeface="Arial"/>
               </a:rPr>
-              <a:t>How </a:t>
-            </a:r>
-            <a:r>
-              <a:rPr b="0" lang="en" sz="2800" spc="-1" strike="noStrike">
-                <a:solidFill>
-                  <a:srgbClr val="000000"/>
-                </a:solidFill>
-                <a:latin typeface="Arial"/>
-                <a:ea typeface="Arial"/>
-              </a:rPr>
-              <a:t>to </a:t>
-            </a:r>
-            <a:r>
-              <a:rPr b="0" lang="en" sz="2800" spc="-1" strike="noStrike">
-                <a:solidFill>
-                  <a:srgbClr val="000000"/>
-                </a:solidFill>
-                <a:latin typeface="Arial"/>
-                <a:ea typeface="Arial"/>
-              </a:rPr>
-              <a:t>install </a:t>
-            </a:r>
-            <a:r>
-              <a:rPr b="0" lang="en" sz="2800" spc="-1" strike="noStrike">
-                <a:solidFill>
-                  <a:srgbClr val="000000"/>
-                </a:solidFill>
-                <a:latin typeface="Arial"/>
-                <a:ea typeface="Arial"/>
-              </a:rPr>
-              <a:t>Pytho</a:t>
-            </a:r>
-            <a:r>
-              <a:rPr b="0" lang="en" sz="2800" spc="-1" strike="noStrike">
-                <a:solidFill>
-                  <a:srgbClr val="000000"/>
-                </a:solidFill>
-                <a:latin typeface="Arial"/>
-                <a:ea typeface="Arial"/>
-              </a:rPr>
-              <a:t>n and </a:t>
-            </a:r>
-            <a:r>
-              <a:rPr b="0" lang="en" sz="2800" spc="-1" strike="noStrike">
-                <a:solidFill>
-                  <a:srgbClr val="000000"/>
-                </a:solidFill>
-                <a:latin typeface="Arial"/>
-                <a:ea typeface="Arial"/>
-              </a:rPr>
-              <a:t>pack</a:t>
-            </a:r>
-            <a:r>
-              <a:rPr b="0" lang="en" sz="2800" spc="-1" strike="noStrike">
-                <a:solidFill>
-                  <a:srgbClr val="000000"/>
-                </a:solidFill>
-                <a:latin typeface="Arial"/>
-                <a:ea typeface="Arial"/>
-              </a:rPr>
-              <a:t>ages </a:t>
-            </a:r>
-            <a:r>
-              <a:rPr b="0" lang="en" sz="2800" spc="-1" strike="noStrike">
-                <a:solidFill>
-                  <a:srgbClr val="000000"/>
-                </a:solidFill>
-                <a:latin typeface="Arial"/>
-                <a:ea typeface="Arial"/>
-              </a:rPr>
-              <a:t>(one </a:t>
-            </a:r>
-            <a:r>
-              <a:rPr b="0" lang="en" sz="2800" spc="-1" strike="noStrike">
-                <a:solidFill>
-                  <a:srgbClr val="000000"/>
-                </a:solidFill>
-                <a:latin typeface="Arial"/>
-                <a:ea typeface="Arial"/>
-              </a:rPr>
-              <a:t>way)</a:t>
+              <a:t>How to install Python and packages (one way)</a:t>
             </a:r>
             <a:endParaRPr b="0" lang="en-US" sz="2800" spc="-1" strike="noStrike">
-              <a:solidFill>
-                <a:srgbClr val="000000"/>
-              </a:solidFill>
               <a:latin typeface="Arial"/>
             </a:endParaRPr>
           </a:p>
@@ -5585,14 +4571,14 @@
       </p:sp>
       <p:sp>
         <p:nvSpPr>
-          <p:cNvPr id="116" name="TextShape 2"/>
-          <p:cNvSpPr txBox="1"/>
+          <p:cNvPr id="114" name="CustomShape 2"/>
+          <p:cNvSpPr/>
           <p:nvPr/>
         </p:nvSpPr>
         <p:spPr>
           <a:xfrm>
             <a:off x="311760" y="1152360"/>
-            <a:ext cx="4259880" cy="3794400"/>
+            <a:ext cx="4259520" cy="3794040"/>
           </a:xfrm>
           <a:prstGeom prst="rect">
             <a:avLst/>
@@ -5604,8 +4590,14 @@
             <a:noFill/>
           </a:ln>
         </p:spPr>
+        <p:style>
+          <a:lnRef idx="0"/>
+          <a:fillRef idx="0"/>
+          <a:effectRef idx="0"/>
+          <a:fontRef idx="minor"/>
+        </p:style>
         <p:txBody>
-          <a:bodyPr tIns="91440" bIns="91440">
+          <a:bodyPr lIns="90000" rIns="90000" tIns="91440" bIns="91440">
             <a:normAutofit/>
           </a:bodyPr>
           <a:p>
@@ -5631,9 +4623,6 @@
               <a:t>[setup.sh]</a:t>
             </a:r>
             <a:endParaRPr b="0" lang="en-US" sz="1050" spc="-1" strike="noStrike">
-              <a:solidFill>
-                <a:srgbClr val="000000"/>
-              </a:solidFill>
               <a:latin typeface="Arial"/>
             </a:endParaRPr>
           </a:p>
@@ -5816,9 +4805,6 @@
               <a:t>soft_deps.yaml</a:t>
             </a:r>
             <a:endParaRPr b="0" lang="en-US" sz="1050" spc="-1" strike="noStrike">
-              <a:solidFill>
-                <a:srgbClr val="000000"/>
-              </a:solidFill>
               <a:latin typeface="Arial"/>
             </a:endParaRPr>
           </a:p>
@@ -5897,9 +4883,6 @@
               <a:t>ggrn</a:t>
             </a:r>
             <a:endParaRPr b="0" lang="en-US" sz="1050" spc="-1" strike="noStrike">
-              <a:solidFill>
-                <a:srgbClr val="000000"/>
-              </a:solidFill>
               <a:latin typeface="Arial"/>
             </a:endParaRPr>
           </a:p>
@@ -5952,9 +4935,6 @@
               <a:t>list --explicit &gt; exact_deps_no_pip.txt</a:t>
             </a:r>
             <a:endParaRPr b="0" lang="en-US" sz="1050" spc="-1" strike="noStrike">
-              <a:solidFill>
-                <a:srgbClr val="000000"/>
-              </a:solidFill>
               <a:latin typeface="Arial"/>
             </a:endParaRPr>
           </a:p>
@@ -6007,9 +4987,6 @@
               <a:t>list &gt; exact_deps.txt</a:t>
             </a:r>
             <a:endParaRPr b="0" lang="en-US" sz="1050" spc="-1" strike="noStrike">
-              <a:solidFill>
-                <a:srgbClr val="000000"/>
-              </a:solidFill>
               <a:latin typeface="Arial"/>
             </a:endParaRPr>
           </a:p>
@@ -6062,9 +5039,6 @@
               <a:t>add exact_deps.yaml </a:t>
             </a:r>
             <a:endParaRPr b="0" lang="en-US" sz="1050" spc="-1" strike="noStrike">
-              <a:solidFill>
-                <a:srgbClr val="000000"/>
-              </a:solidFill>
               <a:latin typeface="Arial"/>
             </a:endParaRPr>
           </a:p>
@@ -6117,9 +5091,6 @@
               <a:t>commit -m “Update deps”</a:t>
             </a:r>
             <a:endParaRPr b="0" lang="en-US" sz="1050" spc="-1" strike="noStrike">
-              <a:solidFill>
-                <a:srgbClr val="000000"/>
-              </a:solidFill>
               <a:latin typeface="Arial"/>
             </a:endParaRPr>
           </a:p>
@@ -6250,9 +5221,6 @@
               <a:t>--no-deps</a:t>
             </a:r>
             <a:endParaRPr b="0" lang="en-US" sz="1050" spc="-1" strike="noStrike">
-              <a:solidFill>
-                <a:srgbClr val="000000"/>
-              </a:solidFill>
               <a:latin typeface="Arial"/>
             </a:endParaRPr>
           </a:p>
@@ -6383,9 +5351,6 @@
               <a:t>--no-deps</a:t>
             </a:r>
             <a:endParaRPr b="0" lang="en-US" sz="1050" spc="-1" strike="noStrike">
-              <a:solidFill>
-                <a:srgbClr val="000000"/>
-              </a:solidFill>
               <a:latin typeface="Arial"/>
             </a:endParaRPr>
           </a:p>
@@ -6516,9 +5481,6 @@
               <a:t>--no-deps</a:t>
             </a:r>
             <a:endParaRPr b="0" lang="en-US" sz="1050" spc="-1" strike="noStrike">
-              <a:solidFill>
-                <a:srgbClr val="000000"/>
-              </a:solidFill>
               <a:latin typeface="Arial"/>
             </a:endParaRPr>
           </a:p>
@@ -6649,9 +5611,6 @@
               <a:t>--no-deps</a:t>
             </a:r>
             <a:endParaRPr b="0" lang="en-US" sz="1050" spc="-1" strike="noStrike">
-              <a:solidFill>
-                <a:srgbClr val="000000"/>
-              </a:solidFill>
               <a:latin typeface="Arial"/>
             </a:endParaRPr>
           </a:p>
@@ -6659,14 +5618,14 @@
       </p:sp>
       <p:sp>
         <p:nvSpPr>
-          <p:cNvPr id="117" name="TextShape 3"/>
-          <p:cNvSpPr txBox="1"/>
+          <p:cNvPr id="115" name="CustomShape 3"/>
+          <p:cNvSpPr/>
           <p:nvPr/>
         </p:nvSpPr>
         <p:spPr>
           <a:xfrm>
             <a:off x="4658040" y="1152360"/>
-            <a:ext cx="4259880" cy="3794400"/>
+            <a:ext cx="4259520" cy="3794040"/>
           </a:xfrm>
           <a:prstGeom prst="rect">
             <a:avLst/>
@@ -6678,8 +5637,14 @@
             <a:noFill/>
           </a:ln>
         </p:spPr>
+        <p:style>
+          <a:lnRef idx="0"/>
+          <a:fillRef idx="0"/>
+          <a:effectRef idx="0"/>
+          <a:fontRef idx="minor"/>
+        </p:style>
         <p:txBody>
-          <a:bodyPr tIns="91440" bIns="91440">
+          <a:bodyPr lIns="90000" rIns="90000" tIns="91440" bIns="91440">
             <a:normAutofit fontScale="70000"/>
           </a:bodyPr>
           <a:p>
@@ -6705,9 +5670,6 @@
               <a:t>[soft_deps.yaml]</a:t>
             </a:r>
             <a:endParaRPr b="0" lang="en-US" sz="1050" spc="-1" strike="noStrike">
-              <a:solidFill>
-                <a:srgbClr val="000000"/>
-              </a:solidFill>
               <a:latin typeface="Arial"/>
             </a:endParaRPr>
           </a:p>
@@ -6760,9 +5722,6 @@
               <a:t>ggrn</a:t>
             </a:r>
             <a:endParaRPr b="0" lang="en-US" sz="1050" spc="-1" strike="noStrike">
-              <a:solidFill>
-                <a:srgbClr val="000000"/>
-              </a:solidFill>
               <a:latin typeface="Arial"/>
             </a:endParaRPr>
           </a:p>
@@ -6802,9 +5761,6 @@
               <a:t>:</a:t>
             </a:r>
             <a:endParaRPr b="0" lang="en-US" sz="1050" spc="-1" strike="noStrike">
-              <a:solidFill>
-                <a:srgbClr val="000000"/>
-              </a:solidFill>
               <a:latin typeface="Arial"/>
             </a:endParaRPr>
           </a:p>
@@ -6857,9 +5813,6 @@
               <a:t>pytorch</a:t>
             </a:r>
             <a:endParaRPr b="0" lang="en-US" sz="1050" spc="-1" strike="noStrike">
-              <a:solidFill>
-                <a:srgbClr val="000000"/>
-              </a:solidFill>
               <a:latin typeface="Arial"/>
             </a:endParaRPr>
           </a:p>
@@ -6912,9 +5865,6 @@
               <a:t>pyg</a:t>
             </a:r>
             <a:endParaRPr b="0" lang="en-US" sz="1050" spc="-1" strike="noStrike">
-              <a:solidFill>
-                <a:srgbClr val="000000"/>
-              </a:solidFill>
               <a:latin typeface="Arial"/>
             </a:endParaRPr>
           </a:p>
@@ -6967,9 +5917,6 @@
               <a:t>conda-forge</a:t>
             </a:r>
             <a:endParaRPr b="0" lang="en-US" sz="1050" spc="-1" strike="noStrike">
-              <a:solidFill>
-                <a:srgbClr val="000000"/>
-              </a:solidFill>
               <a:latin typeface="Arial"/>
             </a:endParaRPr>
           </a:p>
@@ -7022,9 +5969,6 @@
               <a:t>bioconda</a:t>
             </a:r>
             <a:endParaRPr b="0" lang="en-US" sz="1050" spc="-1" strike="noStrike">
-              <a:solidFill>
-                <a:srgbClr val="000000"/>
-              </a:solidFill>
               <a:latin typeface="Arial"/>
             </a:endParaRPr>
           </a:p>
@@ -7077,9 +6021,6 @@
               <a:t>defaults</a:t>
             </a:r>
             <a:endParaRPr b="0" lang="en-US" sz="1050" spc="-1" strike="noStrike">
-              <a:solidFill>
-                <a:srgbClr val="000000"/>
-              </a:solidFill>
               <a:latin typeface="Arial"/>
             </a:endParaRPr>
           </a:p>
@@ -7132,9 +6073,6 @@
               <a:t>lingfeiwang</a:t>
             </a:r>
             <a:endParaRPr b="0" lang="en-US" sz="1050" spc="-1" strike="noStrike">
-              <a:solidFill>
-                <a:srgbClr val="000000"/>
-              </a:solidFill>
               <a:latin typeface="Arial"/>
             </a:endParaRPr>
           </a:p>
@@ -7174,9 +6112,6 @@
               <a:t>:</a:t>
             </a:r>
             <a:endParaRPr b="0" lang="en-US" sz="1050" spc="-1" strike="noStrike">
-              <a:solidFill>
-                <a:srgbClr val="000000"/>
-              </a:solidFill>
               <a:latin typeface="Arial"/>
             </a:endParaRPr>
           </a:p>
@@ -7229,9 +6164,6 @@
               <a:t>python=3.9</a:t>
             </a:r>
             <a:endParaRPr b="0" lang="en-US" sz="1310" spc="-1" strike="noStrike">
-              <a:solidFill>
-                <a:srgbClr val="000000"/>
-              </a:solidFill>
               <a:latin typeface="Arial"/>
             </a:endParaRPr>
           </a:p>
@@ -7284,9 +6216,6 @@
               <a:t>python-duckdb</a:t>
             </a:r>
             <a:endParaRPr b="0" lang="en-US" sz="1050" spc="-1" strike="noStrike">
-              <a:solidFill>
-                <a:srgbClr val="000000"/>
-              </a:solidFill>
               <a:latin typeface="Arial"/>
             </a:endParaRPr>
           </a:p>
@@ -7339,9 +6268,6 @@
               <a:t>pytorch-lightning</a:t>
             </a:r>
             <a:endParaRPr b="0" lang="en-US" sz="1050" spc="-1" strike="noStrike">
-              <a:solidFill>
-                <a:srgbClr val="000000"/>
-              </a:solidFill>
               <a:latin typeface="Arial"/>
             </a:endParaRPr>
           </a:p>
@@ -7394,9 +6320,6 @@
               <a:t>scipy</a:t>
             </a:r>
             <a:endParaRPr b="0" lang="en-US" sz="1050" spc="-1" strike="noStrike">
-              <a:solidFill>
-                <a:srgbClr val="000000"/>
-              </a:solidFill>
               <a:latin typeface="Arial"/>
             </a:endParaRPr>
           </a:p>
@@ -7449,9 +6372,6 @@
               <a:t>pytorch</a:t>
             </a:r>
             <a:endParaRPr b="0" lang="en-US" sz="1050" spc="-1" strike="noStrike">
-              <a:solidFill>
-                <a:srgbClr val="000000"/>
-              </a:solidFill>
               <a:latin typeface="Arial"/>
             </a:endParaRPr>
           </a:p>
@@ -7504,9 +6424,6 @@
               <a:t>pyg</a:t>
             </a:r>
             <a:endParaRPr b="0" lang="en-US" sz="1050" spc="-1" strike="noStrike">
-              <a:solidFill>
-                <a:srgbClr val="000000"/>
-              </a:solidFill>
               <a:latin typeface="Arial"/>
             </a:endParaRPr>
           </a:p>
@@ -7559,9 +6476,6 @@
               <a:t>torchvision</a:t>
             </a:r>
             <a:endParaRPr b="0" lang="en-US" sz="1050" spc="-1" strike="noStrike">
-              <a:solidFill>
-                <a:srgbClr val="000000"/>
-              </a:solidFill>
               <a:latin typeface="Arial"/>
             </a:endParaRPr>
           </a:p>
@@ -7614,9 +6528,6 @@
               <a:t>torchaudio</a:t>
             </a:r>
             <a:endParaRPr b="0" lang="en-US" sz="1050" spc="-1" strike="noStrike">
-              <a:solidFill>
-                <a:srgbClr val="000000"/>
-              </a:solidFill>
               <a:latin typeface="Arial"/>
             </a:endParaRPr>
           </a:p>
@@ -7669,9 +6580,6 @@
               <a:t>numpy[version='&lt;=1.23']</a:t>
             </a:r>
             <a:endParaRPr b="0" lang="en-US" sz="1050" spc="-1" strike="noStrike">
-              <a:solidFill>
-                <a:srgbClr val="000000"/>
-              </a:solidFill>
               <a:latin typeface="Arial"/>
             </a:endParaRPr>
           </a:p>
@@ -7724,9 +6632,6 @@
               <a:t>cython</a:t>
             </a:r>
             <a:endParaRPr b="0" lang="en-US" sz="1050" spc="-1" strike="noStrike">
-              <a:solidFill>
-                <a:srgbClr val="000000"/>
-              </a:solidFill>
               <a:latin typeface="Arial"/>
             </a:endParaRPr>
           </a:p>
@@ -7779,9 +6684,6 @@
               <a:t>scikit-learn</a:t>
             </a:r>
             <a:endParaRPr b="0" lang="en-US" sz="1050" spc="-1" strike="noStrike">
-              <a:solidFill>
-                <a:srgbClr val="000000"/>
-              </a:solidFill>
               <a:latin typeface="Arial"/>
             </a:endParaRPr>
           </a:p>
@@ -7834,9 +6736,6 @@
               <a:t>pyarrow</a:t>
             </a:r>
             <a:endParaRPr b="0" lang="en-US" sz="1050" spc="-1" strike="noStrike">
-              <a:solidFill>
-                <a:srgbClr val="000000"/>
-              </a:solidFill>
               <a:latin typeface="Arial"/>
             </a:endParaRPr>
           </a:p>
@@ -7874,14 +6773,14 @@
       </p:grpSpPr>
       <p:sp>
         <p:nvSpPr>
-          <p:cNvPr id="118" name="TextShape 1"/>
-          <p:cNvSpPr txBox="1"/>
+          <p:cNvPr id="116" name="CustomShape 1"/>
+          <p:cNvSpPr/>
           <p:nvPr/>
         </p:nvSpPr>
         <p:spPr>
           <a:xfrm>
             <a:off x="311760" y="444960"/>
-            <a:ext cx="8520120" cy="572400"/>
+            <a:ext cx="8519760" cy="572040"/>
           </a:xfrm>
           <a:prstGeom prst="rect">
             <a:avLst/>
@@ -7891,8 +6790,14 @@
             <a:noFill/>
           </a:ln>
         </p:spPr>
+        <p:style>
+          <a:lnRef idx="0"/>
+          <a:fillRef idx="0"/>
+          <a:effectRef idx="0"/>
+          <a:fontRef idx="minor"/>
+        </p:style>
         <p:txBody>
-          <a:bodyPr tIns="91440" bIns="91440">
+          <a:bodyPr lIns="90000" rIns="90000" tIns="91440" bIns="91440">
             <a:normAutofit fontScale="97000"/>
           </a:bodyPr>
           <a:p>
@@ -7912,42 +6817,9 @@
                 <a:latin typeface="Arial"/>
                 <a:ea typeface="Arial"/>
               </a:rPr>
-              <a:t>Make </a:t>
-            </a:r>
-            <a:r>
-              <a:rPr b="0" lang="en" sz="2800" spc="-1" strike="noStrike">
-                <a:solidFill>
-                  <a:srgbClr val="000000"/>
-                </a:solidFill>
-                <a:latin typeface="Arial"/>
-                <a:ea typeface="Arial"/>
-              </a:rPr>
-              <a:t>R </a:t>
-            </a:r>
-            <a:r>
-              <a:rPr b="0" lang="en" sz="2800" spc="-1" strike="noStrike">
-                <a:solidFill>
-                  <a:srgbClr val="000000"/>
-                </a:solidFill>
-                <a:latin typeface="Arial"/>
-                <a:ea typeface="Arial"/>
-              </a:rPr>
-              <a:t>pack</a:t>
-            </a:r>
-            <a:r>
-              <a:rPr b="0" lang="en" sz="2800" spc="-1" strike="noStrike">
-                <a:solidFill>
-                  <a:srgbClr val="000000"/>
-                </a:solidFill>
-                <a:latin typeface="Arial"/>
-                <a:ea typeface="Arial"/>
-              </a:rPr>
-              <a:t>ages</a:t>
+              <a:t>Make R packages</a:t>
             </a:r>
             <a:endParaRPr b="0" lang="en-US" sz="2800" spc="-1" strike="noStrike">
-              <a:solidFill>
-                <a:srgbClr val="000000"/>
-              </a:solidFill>
               <a:latin typeface="Arial"/>
             </a:endParaRPr>
           </a:p>
@@ -7955,14 +6827,14 @@
       </p:sp>
       <p:sp>
         <p:nvSpPr>
-          <p:cNvPr id="119" name="TextShape 2"/>
-          <p:cNvSpPr txBox="1"/>
+          <p:cNvPr id="117" name="CustomShape 2"/>
+          <p:cNvSpPr/>
           <p:nvPr/>
         </p:nvSpPr>
         <p:spPr>
           <a:xfrm>
             <a:off x="311760" y="1152360"/>
-            <a:ext cx="6103800" cy="3416040"/>
+            <a:ext cx="6103440" cy="3415680"/>
           </a:xfrm>
           <a:prstGeom prst="rect">
             <a:avLst/>
@@ -7972,12 +6844,18 @@
             <a:noFill/>
           </a:ln>
         </p:spPr>
+        <p:style>
+          <a:lnRef idx="0"/>
+          <a:fillRef idx="0"/>
+          <a:effectRef idx="0"/>
+          <a:fontRef idx="minor"/>
+        </p:style>
         <p:txBody>
-          <a:bodyPr tIns="91440" bIns="91440">
+          <a:bodyPr lIns="90000" rIns="90000" tIns="91440" bIns="91440">
             <a:normAutofit fontScale="94000"/>
           </a:bodyPr>
           <a:p>
-            <a:pPr marL="457200" indent="-342720">
+            <a:pPr marL="457200" indent="-342360">
               <a:lnSpc>
                 <a:spcPct val="115000"/>
               </a:lnSpc>
@@ -7998,14 +6876,11 @@
               <a:t>It’s easy. It’s clean. Do it early.</a:t>
             </a:r>
             <a:endParaRPr b="0" lang="en-US" sz="1800" spc="-1" strike="noStrike">
-              <a:solidFill>
-                <a:srgbClr val="000000"/>
-              </a:solidFill>
-              <a:latin typeface="Arial"/>
-            </a:endParaRPr>
-          </a:p>
-          <a:p>
-            <a:pPr marL="457200" indent="-342720">
+              <a:latin typeface="Arial"/>
+            </a:endParaRPr>
+          </a:p>
+          <a:p>
+            <a:pPr marL="457200" indent="-342360">
               <a:lnSpc>
                 <a:spcPct val="115000"/>
               </a:lnSpc>
@@ -8038,9 +6913,6 @@
               <a:t>https://r-pkgs.org/</a:t>
             </a:r>
             <a:endParaRPr b="0" lang="en-US" sz="1800" spc="-1" strike="noStrike">
-              <a:solidFill>
-                <a:srgbClr val="000000"/>
-              </a:solidFill>
               <a:latin typeface="Arial"/>
             </a:endParaRPr>
           </a:p>
@@ -8067,9 +6939,6 @@
               <a:t>devtools::create_package(“path/to/package”)</a:t>
             </a:r>
             <a:endParaRPr b="0" lang="en-US" sz="1800" spc="-1" strike="noStrike">
-              <a:solidFill>
-                <a:srgbClr val="000000"/>
-              </a:solidFill>
               <a:latin typeface="Arial"/>
             </a:endParaRPr>
           </a:p>
@@ -8096,9 +6965,6 @@
               <a:t>setwd(“path/to/package”)</a:t>
             </a:r>
             <a:endParaRPr b="0" lang="en-US" sz="1800" spc="-1" strike="noStrike">
-              <a:solidFill>
-                <a:srgbClr val="000000"/>
-              </a:solidFill>
               <a:latin typeface="Arial"/>
             </a:endParaRPr>
           </a:p>
@@ -8125,9 +6991,6 @@
               <a:t>devtools::document()</a:t>
             </a:r>
             <a:endParaRPr b="0" lang="en-US" sz="1800" spc="-1" strike="noStrike">
-              <a:solidFill>
-                <a:srgbClr val="000000"/>
-              </a:solidFill>
               <a:latin typeface="Arial"/>
             </a:endParaRPr>
           </a:p>
@@ -8154,9 +7017,6 @@
               <a:t>usethis::use_testthat(3)</a:t>
             </a:r>
             <a:endParaRPr b="0" lang="en-US" sz="1800" spc="-1" strike="noStrike">
-              <a:solidFill>
-                <a:srgbClr val="000000"/>
-              </a:solidFill>
               <a:latin typeface="Arial"/>
             </a:endParaRPr>
           </a:p>
@@ -8183,9 +7043,6 @@
               <a:t>devtools::test()</a:t>
             </a:r>
             <a:endParaRPr b="0" lang="en-US" sz="1800" spc="-1" strike="noStrike">
-              <a:solidFill>
-                <a:srgbClr val="000000"/>
-              </a:solidFill>
               <a:latin typeface="Arial"/>
             </a:endParaRPr>
           </a:p>
@@ -8215,9 +7072,6 @@
               <a:t>devtools::install()</a:t>
             </a:r>
             <a:endParaRPr b="0" lang="en-US" sz="1800" spc="-1" strike="noStrike">
-              <a:solidFill>
-                <a:srgbClr val="000000"/>
-              </a:solidFill>
               <a:latin typeface="Arial"/>
             </a:endParaRPr>
           </a:p>
@@ -8225,7 +7079,7 @@
       </p:sp>
       <p:pic>
         <p:nvPicPr>
-          <p:cNvPr id="120" name="Google Shape;148;p26" descr=""/>
+          <p:cNvPr id="118" name="Google Shape;148;p26" descr=""/>
           <p:cNvPicPr/>
           <p:nvPr/>
         </p:nvPicPr>
@@ -8236,7 +7090,7 @@
         <p:spPr>
           <a:xfrm>
             <a:off x="4223160" y="2363040"/>
-            <a:ext cx="4156920" cy="2614320"/>
+            <a:ext cx="4156560" cy="2613960"/>
           </a:xfrm>
           <a:prstGeom prst="rect">
             <a:avLst/>
@@ -8248,7 +7102,7 @@
       </p:pic>
       <p:pic>
         <p:nvPicPr>
-          <p:cNvPr id="121" name="Google Shape;149;p26" descr=""/>
+          <p:cNvPr id="119" name="Google Shape;149;p26" descr=""/>
           <p:cNvPicPr/>
           <p:nvPr/>
         </p:nvPicPr>
@@ -8259,7 +7113,7 @@
         <p:spPr>
           <a:xfrm>
             <a:off x="4296240" y="239760"/>
-            <a:ext cx="4568760" cy="1486800"/>
+            <a:ext cx="4568400" cy="1486440"/>
           </a:xfrm>
           <a:prstGeom prst="rect">
             <a:avLst/>
@@ -8301,14 +7155,14 @@
       </p:grpSpPr>
       <p:sp>
         <p:nvSpPr>
-          <p:cNvPr id="122" name="TextShape 1"/>
-          <p:cNvSpPr txBox="1"/>
+          <p:cNvPr id="120" name="CustomShape 1"/>
+          <p:cNvSpPr/>
           <p:nvPr/>
         </p:nvSpPr>
         <p:spPr>
           <a:xfrm>
             <a:off x="311760" y="444960"/>
-            <a:ext cx="8520120" cy="572400"/>
+            <a:ext cx="8519760" cy="572040"/>
           </a:xfrm>
           <a:prstGeom prst="rect">
             <a:avLst/>
@@ -8318,8 +7172,14 @@
             <a:noFill/>
           </a:ln>
         </p:spPr>
+        <p:style>
+          <a:lnRef idx="0"/>
+          <a:fillRef idx="0"/>
+          <a:effectRef idx="0"/>
+          <a:fontRef idx="minor"/>
+        </p:style>
         <p:txBody>
-          <a:bodyPr tIns="91440" bIns="91440">
+          <a:bodyPr lIns="90000" rIns="90000" tIns="91440" bIns="91440">
             <a:normAutofit fontScale="97000"/>
           </a:bodyPr>
           <a:p>
@@ -8339,52 +7199,9 @@
                 <a:latin typeface="Arial"/>
                 <a:ea typeface="Arial"/>
               </a:rPr>
-              <a:t>Make </a:t>
-            </a:r>
-            <a:r>
-              <a:rPr b="0" lang="en" sz="2800" spc="-1" strike="noStrike">
-                <a:solidFill>
-                  <a:srgbClr val="000000"/>
-                </a:solidFill>
-                <a:latin typeface="Arial"/>
-                <a:ea typeface="Arial"/>
-              </a:rPr>
-              <a:t>pytho</a:t>
-            </a:r>
-            <a:r>
-              <a:rPr b="0" lang="en" sz="2800" spc="-1" strike="noStrike">
-                <a:solidFill>
-                  <a:srgbClr val="000000"/>
-                </a:solidFill>
-                <a:latin typeface="Arial"/>
-                <a:ea typeface="Arial"/>
-              </a:rPr>
-              <a:t>n </a:t>
-            </a:r>
-            <a:r>
-              <a:rPr b="0" lang="en" sz="2800" spc="-1" strike="noStrike">
-                <a:solidFill>
-                  <a:srgbClr val="000000"/>
-                </a:solidFill>
-                <a:latin typeface="Arial"/>
-                <a:ea typeface="Arial"/>
-              </a:rPr>
-              <a:t>pack</a:t>
-            </a:r>
-            <a:r>
-              <a:rPr b="0" lang="en" sz="2800" spc="-1" strike="noStrike">
-                <a:solidFill>
-                  <a:srgbClr val="000000"/>
-                </a:solidFill>
-                <a:latin typeface="Arial"/>
-                <a:ea typeface="Arial"/>
-              </a:rPr>
-              <a:t>ages</a:t>
+              <a:t>Make python packages</a:t>
             </a:r>
             <a:endParaRPr b="0" lang="en-US" sz="2800" spc="-1" strike="noStrike">
-              <a:solidFill>
-                <a:srgbClr val="000000"/>
-              </a:solidFill>
               <a:latin typeface="Arial"/>
             </a:endParaRPr>
           </a:p>
@@ -8392,14 +7209,14 @@
       </p:sp>
       <p:sp>
         <p:nvSpPr>
-          <p:cNvPr id="123" name="TextShape 2"/>
-          <p:cNvSpPr txBox="1"/>
+          <p:cNvPr id="121" name="CustomShape 2"/>
+          <p:cNvSpPr/>
           <p:nvPr/>
         </p:nvSpPr>
         <p:spPr>
           <a:xfrm>
             <a:off x="311760" y="1152360"/>
-            <a:ext cx="5459760" cy="3416040"/>
+            <a:ext cx="5459400" cy="3415680"/>
           </a:xfrm>
           <a:prstGeom prst="rect">
             <a:avLst/>
@@ -8409,12 +7226,18 @@
             <a:noFill/>
           </a:ln>
         </p:spPr>
+        <p:style>
+          <a:lnRef idx="0"/>
+          <a:fillRef idx="0"/>
+          <a:effectRef idx="0"/>
+          <a:fontRef idx="minor"/>
+        </p:style>
         <p:txBody>
-          <a:bodyPr tIns="91440" bIns="91440">
+          <a:bodyPr lIns="90000" rIns="90000" tIns="91440" bIns="91440">
             <a:normAutofit/>
           </a:bodyPr>
           <a:p>
-            <a:pPr marL="457200" indent="-342720">
+            <a:pPr marL="457200" indent="-342360">
               <a:lnSpc>
                 <a:spcPct val="115000"/>
               </a:lnSpc>
@@ -8447,14 +7270,11 @@
               <a:t>packaging.python.org</a:t>
             </a:r>
             <a:endParaRPr b="0" lang="en-US" sz="1800" spc="-1" strike="noStrike">
-              <a:solidFill>
-                <a:srgbClr val="000000"/>
-              </a:solidFill>
-              <a:latin typeface="Arial"/>
-            </a:endParaRPr>
-          </a:p>
-          <a:p>
-            <a:pPr marL="457200" indent="-342720">
+              <a:latin typeface="Arial"/>
+            </a:endParaRPr>
+          </a:p>
+          <a:p>
+            <a:pPr marL="457200" indent="-342360">
               <a:lnSpc>
                 <a:spcPct val="115000"/>
               </a:lnSpc>
@@ -8475,14 +7295,11 @@
               <a:t>For simplest possible, you write:</a:t>
             </a:r>
             <a:endParaRPr b="0" lang="en-US" sz="1800" spc="-1" strike="noStrike">
-              <a:solidFill>
-                <a:srgbClr val="000000"/>
-              </a:solidFill>
-              <a:latin typeface="Arial"/>
-            </a:endParaRPr>
-          </a:p>
-          <a:p>
-            <a:pPr lvl="1" marL="914400" indent="-317160">
+              <a:latin typeface="Arial"/>
+            </a:endParaRPr>
+          </a:p>
+          <a:p>
+            <a:pPr lvl="1" marL="914400" indent="-316800">
               <a:lnSpc>
                 <a:spcPct val="115000"/>
               </a:lnSpc>
@@ -8503,14 +7320,11 @@
               <a:t>actual code</a:t>
             </a:r>
             <a:endParaRPr b="0" lang="en-US" sz="1400" spc="-1" strike="noStrike">
-              <a:solidFill>
-                <a:srgbClr val="000000"/>
-              </a:solidFill>
-              <a:latin typeface="Arial"/>
-            </a:endParaRPr>
-          </a:p>
-          <a:p>
-            <a:pPr lvl="1" marL="914400" indent="-317160">
+              <a:latin typeface="Arial"/>
+            </a:endParaRPr>
+          </a:p>
+          <a:p>
+            <a:pPr lvl="1" marL="914400" indent="-316800">
               <a:lnSpc>
                 <a:spcPct val="115000"/>
               </a:lnSpc>
@@ -8541,14 +7355,11 @@
               <a:t> (the package metadata)</a:t>
             </a:r>
             <a:endParaRPr b="0" lang="en-US" sz="1400" spc="-1" strike="noStrike">
-              <a:solidFill>
-                <a:srgbClr val="000000"/>
-              </a:solidFill>
-              <a:latin typeface="Arial"/>
-            </a:endParaRPr>
-          </a:p>
-          <a:p>
-            <a:pPr marL="457200" indent="-342720">
+              <a:latin typeface="Arial"/>
+            </a:endParaRPr>
+          </a:p>
+          <a:p>
+            <a:pPr marL="457200" indent="-342360">
               <a:lnSpc>
                 <a:spcPct val="115000"/>
               </a:lnSpc>
@@ -8569,9 +7380,6 @@
               <a:t>Pip does its thing:</a:t>
             </a:r>
             <a:endParaRPr b="0" lang="en-US" sz="1800" spc="-1" strike="noStrike">
-              <a:solidFill>
-                <a:srgbClr val="000000"/>
-              </a:solidFill>
               <a:latin typeface="Arial"/>
             </a:endParaRPr>
           </a:p>
@@ -8598,9 +7406,6 @@
               <a:t>cd .. # parent directory</a:t>
             </a:r>
             <a:endParaRPr b="0" lang="en-US" sz="1400" spc="-1" strike="noStrike">
-              <a:solidFill>
-                <a:srgbClr val="000000"/>
-              </a:solidFill>
               <a:latin typeface="Arial"/>
             </a:endParaRPr>
           </a:p>
@@ -8627,14 +7432,11 @@
               <a:t>pip install ggrn # consider -e for rapid development</a:t>
             </a:r>
             <a:endParaRPr b="0" lang="en-US" sz="1400" spc="-1" strike="noStrike">
-              <a:solidFill>
-                <a:srgbClr val="000000"/>
-              </a:solidFill>
-              <a:latin typeface="Arial"/>
-            </a:endParaRPr>
-          </a:p>
-          <a:p>
-            <a:pPr marL="457200" indent="-342720">
+              <a:latin typeface="Arial"/>
+            </a:endParaRPr>
+          </a:p>
+          <a:p>
+            <a:pPr marL="457200" indent="-342360">
               <a:lnSpc>
                 <a:spcPct val="115000"/>
               </a:lnSpc>
@@ -8661,9 +7463,6 @@
               <a:t>You can then turn pip packages into conda packages</a:t>
             </a:r>
             <a:endParaRPr b="0" lang="en-US" sz="1800" spc="-1" strike="noStrike">
-              <a:solidFill>
-                <a:srgbClr val="000000"/>
-              </a:solidFill>
               <a:latin typeface="Arial"/>
             </a:endParaRPr>
           </a:p>
@@ -8671,7 +7470,7 @@
       </p:sp>
       <p:pic>
         <p:nvPicPr>
-          <p:cNvPr id="124" name="Google Shape;156;p27" descr=""/>
+          <p:cNvPr id="122" name="Google Shape;156;p27" descr=""/>
           <p:cNvPicPr/>
           <p:nvPr/>
         </p:nvPicPr>
@@ -8682,7 +7481,7 @@
         <p:spPr>
           <a:xfrm>
             <a:off x="5868000" y="1058400"/>
-            <a:ext cx="2904840" cy="3257280"/>
+            <a:ext cx="2904480" cy="3256920"/>
           </a:xfrm>
           <a:prstGeom prst="rect">
             <a:avLst/>
@@ -8694,14 +7493,14 @@
       </p:pic>
       <p:sp>
         <p:nvSpPr>
-          <p:cNvPr id="125" name="CustomShape 3"/>
+          <p:cNvPr id="123" name="CustomShape 3"/>
           <p:cNvSpPr/>
           <p:nvPr/>
         </p:nvSpPr>
         <p:spPr>
           <a:xfrm>
             <a:off x="6184440" y="1186920"/>
-            <a:ext cx="2203920" cy="684720"/>
+            <a:ext cx="2203560" cy="684360"/>
           </a:xfrm>
           <a:prstGeom prst="rect">
             <a:avLst/>
@@ -8723,14 +7522,14 @@
       </p:sp>
       <p:sp>
         <p:nvSpPr>
-          <p:cNvPr id="126" name="CustomShape 4"/>
+          <p:cNvPr id="124" name="CustomShape 4"/>
           <p:cNvSpPr/>
           <p:nvPr/>
         </p:nvSpPr>
         <p:spPr>
           <a:xfrm>
             <a:off x="7057800" y="1533600"/>
-            <a:ext cx="1254600" cy="335520"/>
+            <a:ext cx="1254240" cy="335160"/>
           </a:xfrm>
           <a:prstGeom prst="rect">
             <a:avLst/>
@@ -8747,7 +7546,7 @@
           <a:fontRef idx="minor"/>
         </p:style>
         <p:txBody>
-          <a:bodyPr tIns="91440" bIns="91440">
+          <a:bodyPr lIns="90000" rIns="90000" tIns="91440" bIns="91440">
             <a:spAutoFit/>
           </a:bodyPr>
           <a:p>
@@ -8777,14 +7576,14 @@
       </p:sp>
       <p:sp>
         <p:nvSpPr>
-          <p:cNvPr id="127" name="CustomShape 5"/>
+          <p:cNvPr id="125" name="CustomShape 5"/>
           <p:cNvSpPr/>
           <p:nvPr/>
         </p:nvSpPr>
         <p:spPr>
           <a:xfrm>
             <a:off x="6184440" y="2908080"/>
-            <a:ext cx="2203920" cy="1055880"/>
+            <a:ext cx="2203560" cy="1055520"/>
           </a:xfrm>
           <a:prstGeom prst="rect">
             <a:avLst/>
@@ -8806,14 +7605,14 @@
       </p:sp>
       <p:sp>
         <p:nvSpPr>
-          <p:cNvPr id="128" name="CustomShape 6"/>
+          <p:cNvPr id="126" name="CustomShape 6"/>
           <p:cNvSpPr/>
           <p:nvPr/>
         </p:nvSpPr>
         <p:spPr>
           <a:xfrm>
             <a:off x="7685280" y="3383280"/>
-            <a:ext cx="662040" cy="639360"/>
+            <a:ext cx="661680" cy="639360"/>
           </a:xfrm>
           <a:prstGeom prst="rect">
             <a:avLst/>
@@ -8830,7 +7629,7 @@
           <a:fontRef idx="minor"/>
         </p:style>
         <p:txBody>
-          <a:bodyPr tIns="91440" bIns="91440">
+          <a:bodyPr lIns="90000" rIns="90000" tIns="91440" bIns="91440">
             <a:spAutoFit/>
           </a:bodyPr>
           <a:p>
@@ -8860,14 +7659,14 @@
       </p:sp>
       <p:sp>
         <p:nvSpPr>
-          <p:cNvPr id="129" name="CustomShape 7"/>
+          <p:cNvPr id="127" name="CustomShape 7"/>
           <p:cNvSpPr/>
           <p:nvPr/>
         </p:nvSpPr>
         <p:spPr>
           <a:xfrm rot="10800000">
-            <a:off x="6172560" y="1919520"/>
-            <a:ext cx="2237040" cy="387720"/>
+            <a:off x="6172920" y="1919520"/>
+            <a:ext cx="2236680" cy="387360"/>
           </a:xfrm>
           <a:prstGeom prst="rect">
             <a:avLst/>
@@ -8889,14 +7688,14 @@
       </p:sp>
       <p:sp>
         <p:nvSpPr>
-          <p:cNvPr id="130" name="CustomShape 8"/>
+          <p:cNvPr id="128" name="CustomShape 8"/>
           <p:cNvSpPr/>
           <p:nvPr/>
         </p:nvSpPr>
         <p:spPr>
           <a:xfrm>
             <a:off x="6997680" y="1917000"/>
-            <a:ext cx="1471320" cy="335520"/>
+            <a:ext cx="1470960" cy="335160"/>
           </a:xfrm>
           <a:prstGeom prst="rect">
             <a:avLst/>
@@ -8913,7 +7712,7 @@
           <a:fontRef idx="minor"/>
         </p:style>
         <p:txBody>
-          <a:bodyPr tIns="91440" bIns="91440">
+          <a:bodyPr lIns="90000" rIns="90000" tIns="91440" bIns="91440">
             <a:spAutoFit/>
           </a:bodyPr>
           <a:p>
@@ -8973,14 +7772,14 @@
       </p:grpSpPr>
       <p:sp>
         <p:nvSpPr>
-          <p:cNvPr id="131" name="TextShape 1"/>
-          <p:cNvSpPr txBox="1"/>
+          <p:cNvPr id="129" name="CustomShape 1"/>
+          <p:cNvSpPr/>
           <p:nvPr/>
         </p:nvSpPr>
         <p:spPr>
           <a:xfrm>
             <a:off x="311760" y="444960"/>
-            <a:ext cx="8520120" cy="572400"/>
+            <a:ext cx="8519760" cy="572040"/>
           </a:xfrm>
           <a:prstGeom prst="rect">
             <a:avLst/>
@@ -8990,8 +7789,14 @@
             <a:noFill/>
           </a:ln>
         </p:spPr>
+        <p:style>
+          <a:lnRef idx="0"/>
+          <a:fillRef idx="0"/>
+          <a:effectRef idx="0"/>
+          <a:fontRef idx="minor"/>
+        </p:style>
         <p:txBody>
-          <a:bodyPr tIns="91440" bIns="91440">
+          <a:bodyPr lIns="90000" rIns="90000" tIns="91440" bIns="91440">
             <a:normAutofit fontScale="97000"/>
           </a:bodyPr>
           <a:p>
@@ -9011,52 +7816,9 @@
                 <a:latin typeface="Arial"/>
                 <a:ea typeface="Arial"/>
               </a:rPr>
-              <a:t>Cont</a:t>
-            </a:r>
-            <a:r>
-              <a:rPr b="0" lang="en" sz="2800" spc="-1" strike="noStrike">
-                <a:solidFill>
-                  <a:srgbClr val="000000"/>
-                </a:solidFill>
-                <a:latin typeface="Arial"/>
-                <a:ea typeface="Arial"/>
-              </a:rPr>
-              <a:t>ents </a:t>
-            </a:r>
-            <a:r>
-              <a:rPr b="0" lang="en" sz="2800" spc="-1" strike="noStrike">
-                <a:solidFill>
-                  <a:srgbClr val="000000"/>
-                </a:solidFill>
-                <a:latin typeface="Arial"/>
-                <a:ea typeface="Arial"/>
-              </a:rPr>
-              <a:t>of </a:t>
-            </a:r>
-            <a:r>
-              <a:rPr b="0" lang="en" sz="2800" spc="-1" strike="noStrike">
-                <a:solidFill>
-                  <a:srgbClr val="000000"/>
-                </a:solidFill>
-                <a:latin typeface="Arial"/>
-                <a:ea typeface="Arial"/>
-              </a:rPr>
-              <a:t>setup</a:t>
-            </a:r>
-            <a:r>
-              <a:rPr b="0" lang="en" sz="2800" spc="-1" strike="noStrike">
-                <a:solidFill>
-                  <a:srgbClr val="000000"/>
-                </a:solidFill>
-                <a:latin typeface="Arial"/>
-                <a:ea typeface="Arial"/>
-              </a:rPr>
-              <a:t>.py</a:t>
+              <a:t>Contents of setup.py</a:t>
             </a:r>
             <a:endParaRPr b="0" lang="en-US" sz="2800" spc="-1" strike="noStrike">
-              <a:solidFill>
-                <a:srgbClr val="000000"/>
-              </a:solidFill>
               <a:latin typeface="Arial"/>
             </a:endParaRPr>
           </a:p>
@@ -9064,14 +7826,14 @@
       </p:sp>
       <p:sp>
         <p:nvSpPr>
-          <p:cNvPr id="132" name="TextShape 2"/>
-          <p:cNvSpPr txBox="1"/>
+          <p:cNvPr id="130" name="CustomShape 2"/>
+          <p:cNvSpPr/>
           <p:nvPr/>
         </p:nvSpPr>
         <p:spPr>
           <a:xfrm>
             <a:off x="311760" y="1152360"/>
-            <a:ext cx="8520120" cy="3885120"/>
+            <a:ext cx="8519760" cy="3884760"/>
           </a:xfrm>
           <a:prstGeom prst="rect">
             <a:avLst/>
@@ -9083,8 +7845,14 @@
             <a:noFill/>
           </a:ln>
         </p:spPr>
+        <p:style>
+          <a:lnRef idx="0"/>
+          <a:fillRef idx="0"/>
+          <a:effectRef idx="0"/>
+          <a:fontRef idx="minor"/>
+        </p:style>
         <p:txBody>
-          <a:bodyPr tIns="91440" bIns="91440">
+          <a:bodyPr lIns="90000" rIns="90000" tIns="91440" bIns="91440">
             <a:normAutofit fontScale="75000"/>
           </a:bodyPr>
           <a:p>
@@ -9188,9 +7956,6 @@
               <a:t>setup</a:t>
             </a:r>
             <a:endParaRPr b="0" lang="en-US" sz="1050" spc="-1" strike="noStrike">
-              <a:solidFill>
-                <a:srgbClr val="000000"/>
-              </a:solidFill>
               <a:latin typeface="Arial"/>
             </a:endParaRPr>
           </a:p>
@@ -9295,9 +8060,6 @@
               <a:t>find_packages</a:t>
             </a:r>
             <a:endParaRPr b="0" lang="en-US" sz="1050" spc="-1" strike="noStrike">
-              <a:solidFill>
-                <a:srgbClr val="000000"/>
-              </a:solidFill>
               <a:latin typeface="Arial"/>
             </a:endParaRPr>
           </a:p>
@@ -9311,9 +8073,6 @@
               </a:tabLst>
             </a:pPr>
             <a:endParaRPr b="0" lang="en-US" sz="1050" spc="-1" strike="noStrike">
-              <a:solidFill>
-                <a:srgbClr val="000000"/>
-              </a:solidFill>
               <a:latin typeface="Arial"/>
             </a:endParaRPr>
           </a:p>
@@ -9535,9 +8294,6 @@
               <a:t>:</a:t>
             </a:r>
             <a:endParaRPr b="0" lang="en-US" sz="1050" spc="-1" strike="noStrike">
-              <a:solidFill>
-                <a:srgbClr val="000000"/>
-              </a:solidFill>
               <a:latin typeface="Arial"/>
             </a:endParaRPr>
           </a:p>
@@ -9668,9 +8424,6 @@
               <a:t>()</a:t>
             </a:r>
             <a:endParaRPr b="0" lang="en-US" sz="1050" spc="-1" strike="noStrike">
-              <a:solidFill>
-                <a:srgbClr val="000000"/>
-              </a:solidFill>
               <a:latin typeface="Arial"/>
             </a:endParaRPr>
           </a:p>
@@ -9684,9 +8437,6 @@
               </a:tabLst>
             </a:pPr>
             <a:endParaRPr b="0" lang="en-US" sz="1050" spc="-1" strike="noStrike">
-              <a:solidFill>
-                <a:srgbClr val="000000"/>
-              </a:solidFill>
               <a:latin typeface="Arial"/>
             </a:endParaRPr>
           </a:p>
@@ -9726,9 +8476,6 @@
               <a:t>(</a:t>
             </a:r>
             <a:endParaRPr b="0" lang="en-US" sz="1050" spc="-1" strike="noStrike">
-              <a:solidFill>
-                <a:srgbClr val="000000"/>
-              </a:solidFill>
               <a:latin typeface="Arial"/>
             </a:endParaRPr>
           </a:p>
@@ -9807,9 +8554,6 @@
               <a:t>,</a:t>
             </a:r>
             <a:endParaRPr b="0" lang="en-US" sz="1050" spc="-1" strike="noStrike">
-              <a:solidFill>
-                <a:srgbClr val="000000"/>
-              </a:solidFill>
               <a:latin typeface="Arial"/>
             </a:endParaRPr>
           </a:p>
@@ -9888,9 +8632,6 @@
               <a:t>,</a:t>
             </a:r>
             <a:endParaRPr b="0" lang="en-US" sz="1050" spc="-1" strike="noStrike">
-              <a:solidFill>
-                <a:srgbClr val="000000"/>
-              </a:solidFill>
               <a:latin typeface="Arial"/>
             </a:endParaRPr>
           </a:p>
@@ -9969,9 +8710,6 @@
               <a:t>,</a:t>
             </a:r>
             <a:endParaRPr b="0" lang="en-US" sz="1050" spc="-1" strike="noStrike">
-              <a:solidFill>
-                <a:srgbClr val="000000"/>
-              </a:solidFill>
               <a:latin typeface="Arial"/>
             </a:endParaRPr>
           </a:p>
@@ -10050,9 +8788,6 @@
               <a:t>,</a:t>
             </a:r>
             <a:endParaRPr b="0" lang="en-US" sz="1050" spc="-1" strike="noStrike">
-              <a:solidFill>
-                <a:srgbClr val="000000"/>
-              </a:solidFill>
               <a:latin typeface="Arial"/>
             </a:endParaRPr>
           </a:p>
@@ -10131,9 +8866,6 @@
               <a:t>,</a:t>
             </a:r>
             <a:endParaRPr b="0" lang="en-US" sz="1050" spc="-1" strike="noStrike">
-              <a:solidFill>
-                <a:srgbClr val="000000"/>
-              </a:solidFill>
               <a:latin typeface="Arial"/>
             </a:endParaRPr>
           </a:p>
@@ -10160,9 +8892,6 @@
               <a:t> </a:t>
             </a:r>
             <a:endParaRPr b="0" lang="en-US" sz="1050" spc="-1" strike="noStrike">
-              <a:solidFill>
-                <a:srgbClr val="000000"/>
-              </a:solidFill>
               <a:latin typeface="Arial"/>
             </a:endParaRPr>
           </a:p>
@@ -10241,9 +8970,6 @@
               <a:t>,</a:t>
             </a:r>
             <a:endParaRPr b="0" lang="en-US" sz="1050" spc="-1" strike="noStrike">
-              <a:solidFill>
-                <a:srgbClr val="000000"/>
-              </a:solidFill>
               <a:latin typeface="Arial"/>
             </a:endParaRPr>
           </a:p>
@@ -10322,9 +9048,6 @@
               <a:t>,</a:t>
             </a:r>
             <a:endParaRPr b="0" lang="en-US" sz="1050" spc="-1" strike="noStrike">
-              <a:solidFill>
-                <a:srgbClr val="000000"/>
-              </a:solidFill>
               <a:latin typeface="Arial"/>
             </a:endParaRPr>
           </a:p>
@@ -10403,9 +9126,6 @@
               <a:t>(),</a:t>
             </a:r>
             <a:endParaRPr b="0" lang="en-US" sz="1050" spc="-1" strike="noStrike">
-              <a:solidFill>
-                <a:srgbClr val="000000"/>
-              </a:solidFill>
               <a:latin typeface="Arial"/>
             </a:endParaRPr>
           </a:p>
@@ -10471,9 +9191,6 @@
               <a:t>[</a:t>
             </a:r>
             <a:endParaRPr b="0" lang="en-US" sz="1050" spc="-1" strike="noStrike">
-              <a:solidFill>
-                <a:srgbClr val="000000"/>
-              </a:solidFill>
               <a:latin typeface="Arial"/>
             </a:endParaRPr>
           </a:p>
@@ -10643,9 +9360,6 @@
               <a:t>'anndata'</a:t>
             </a:r>
             <a:endParaRPr b="0" lang="en-US" sz="1050" spc="-1" strike="noStrike">
-              <a:solidFill>
-                <a:srgbClr val="000000"/>
-              </a:solidFill>
               <a:latin typeface="Arial"/>
             </a:endParaRPr>
           </a:p>
@@ -10685,9 +9399,6 @@
               <a:t>],</a:t>
             </a:r>
             <a:endParaRPr b="0" lang="en-US" sz="1050" spc="-1" strike="noStrike">
-              <a:solidFill>
-                <a:srgbClr val="000000"/>
-              </a:solidFill>
               <a:latin typeface="Arial"/>
             </a:endParaRPr>
           </a:p>
@@ -10766,9 +9477,6 @@
               <a:t>,</a:t>
             </a:r>
             <a:endParaRPr b="0" lang="en-US" sz="1050" spc="-1" strike="noStrike">
-              <a:solidFill>
-                <a:srgbClr val="000000"/>
-              </a:solidFill>
               <a:latin typeface="Arial"/>
             </a:endParaRPr>
           </a:p>
@@ -10847,9 +9555,6 @@
               <a:t>,</a:t>
             </a:r>
             <a:endParaRPr b="0" lang="en-US" sz="1050" spc="-1" strike="noStrike">
-              <a:solidFill>
-                <a:srgbClr val="000000"/>
-              </a:solidFill>
               <a:latin typeface="Arial"/>
             </a:endParaRPr>
           </a:p>
@@ -10876,9 +9581,6 @@
               <a:t>)</a:t>
             </a:r>
             <a:endParaRPr b="0" lang="en-US" sz="1050" spc="-1" strike="noStrike">
-              <a:solidFill>
-                <a:srgbClr val="000000"/>
-              </a:solidFill>
               <a:latin typeface="Arial"/>
             </a:endParaRPr>
           </a:p>
@@ -10916,14 +9618,14 @@
       </p:grpSpPr>
       <p:sp>
         <p:nvSpPr>
-          <p:cNvPr id="133" name="TextShape 1"/>
-          <p:cNvSpPr txBox="1"/>
+          <p:cNvPr id="131" name="CustomShape 1"/>
+          <p:cNvSpPr/>
           <p:nvPr/>
         </p:nvSpPr>
         <p:spPr>
           <a:xfrm>
             <a:off x="311760" y="444960"/>
-            <a:ext cx="8520120" cy="572400"/>
+            <a:ext cx="8519760" cy="572040"/>
           </a:xfrm>
           <a:prstGeom prst="rect">
             <a:avLst/>
@@ -10933,8 +9635,14 @@
             <a:noFill/>
           </a:ln>
         </p:spPr>
+        <p:style>
+          <a:lnRef idx="0"/>
+          <a:fillRef idx="0"/>
+          <a:effectRef idx="0"/>
+          <a:fontRef idx="minor"/>
+        </p:style>
         <p:txBody>
-          <a:bodyPr tIns="91440" bIns="91440">
+          <a:bodyPr lIns="90000" rIns="90000" tIns="91440" bIns="91440">
             <a:normAutofit fontScale="97000"/>
           </a:bodyPr>
           <a:p>
@@ -10954,22 +9662,9 @@
                 <a:latin typeface="Arial"/>
                 <a:ea typeface="Arial"/>
               </a:rPr>
-              <a:t>Diss </a:t>
-            </a:r>
-            <a:r>
-              <a:rPr b="0" lang="en" sz="2800" spc="-1" strike="noStrike">
-                <a:solidFill>
-                  <a:srgbClr val="000000"/>
-                </a:solidFill>
-                <a:latin typeface="Arial"/>
-                <a:ea typeface="Arial"/>
-              </a:rPr>
-              <a:t>track</a:t>
+              <a:t>Diss track</a:t>
             </a:r>
             <a:endParaRPr b="0" lang="en-US" sz="2800" spc="-1" strike="noStrike">
-              <a:solidFill>
-                <a:srgbClr val="000000"/>
-              </a:solidFill>
               <a:latin typeface="Arial"/>
             </a:endParaRPr>
           </a:p>
@@ -10977,14 +9672,14 @@
       </p:sp>
       <p:sp>
         <p:nvSpPr>
-          <p:cNvPr id="134" name="TextShape 2"/>
-          <p:cNvSpPr txBox="1"/>
+          <p:cNvPr id="132" name="CustomShape 2"/>
+          <p:cNvSpPr/>
           <p:nvPr/>
         </p:nvSpPr>
         <p:spPr>
           <a:xfrm>
             <a:off x="311760" y="1152360"/>
-            <a:ext cx="8520120" cy="3416040"/>
+            <a:ext cx="8519760" cy="3415680"/>
           </a:xfrm>
           <a:prstGeom prst="rect">
             <a:avLst/>
@@ -10994,8 +9689,14 @@
             <a:noFill/>
           </a:ln>
         </p:spPr>
+        <p:style>
+          <a:lnRef idx="0"/>
+          <a:fillRef idx="0"/>
+          <a:effectRef idx="0"/>
+          <a:fontRef idx="minor"/>
+        </p:style>
         <p:txBody>
-          <a:bodyPr tIns="91440" bIns="91440">
+          <a:bodyPr lIns="90000" rIns="90000" tIns="91440" bIns="91440">
             <a:normAutofit fontScale="81000"/>
           </a:bodyPr>
           <a:p>
@@ -11106,9 +9807,6 @@
               <a:t>I could just skip to retractin' your shit</a:t>
             </a:r>
             <a:endParaRPr b="0" lang="en-US" sz="1800" spc="-1" strike="noStrike">
-              <a:solidFill>
-                <a:srgbClr val="000000"/>
-              </a:solidFill>
               <a:latin typeface="Arial"/>
             </a:endParaRPr>
           </a:p>
@@ -11147,9 +9845,6 @@
               <a:t>Needin' it and heedin' it without the key to repeatin' it</a:t>
             </a:r>
             <a:endParaRPr b="0" lang="en-US" sz="1800" spc="-1" strike="noStrike">
-              <a:solidFill>
-                <a:srgbClr val="000000"/>
-              </a:solidFill>
               <a:latin typeface="Arial"/>
             </a:endParaRPr>
           </a:p>
@@ -11169,9 +9864,6 @@
               </a:tabLst>
             </a:pPr>
             <a:endParaRPr b="0" lang="en-US" sz="1800" spc="-1" strike="noStrike">
-              <a:solidFill>
-                <a:srgbClr val="000000"/>
-              </a:solidFill>
               <a:latin typeface="Arial"/>
             </a:endParaRPr>
           </a:p>
@@ -11179,7 +9871,7 @@
       </p:sp>
       <p:pic>
         <p:nvPicPr>
-          <p:cNvPr id="135" name="Google Shape;175;p29" descr=""/>
+          <p:cNvPr id="133" name="Google Shape;175;p29" descr=""/>
           <p:cNvPicPr/>
           <p:nvPr/>
         </p:nvPicPr>
@@ -11190,7 +9882,7 @@
         <p:spPr>
           <a:xfrm>
             <a:off x="2172240" y="220680"/>
-            <a:ext cx="895320" cy="895320"/>
+            <a:ext cx="894960" cy="894960"/>
           </a:xfrm>
           <a:prstGeom prst="rect">
             <a:avLst/>
@@ -11232,14 +9924,14 @@
       </p:grpSpPr>
       <p:sp>
         <p:nvSpPr>
-          <p:cNvPr id="80" name="TextShape 1"/>
-          <p:cNvSpPr txBox="1"/>
+          <p:cNvPr id="78" name="CustomShape 1"/>
+          <p:cNvSpPr/>
           <p:nvPr/>
         </p:nvSpPr>
         <p:spPr>
           <a:xfrm>
             <a:off x="311760" y="192960"/>
-            <a:ext cx="8520120" cy="572400"/>
+            <a:ext cx="8519760" cy="572040"/>
           </a:xfrm>
           <a:prstGeom prst="rect">
             <a:avLst/>
@@ -11249,8 +9941,14 @@
             <a:noFill/>
           </a:ln>
         </p:spPr>
+        <p:style>
+          <a:lnRef idx="0"/>
+          <a:fillRef idx="0"/>
+          <a:effectRef idx="0"/>
+          <a:fontRef idx="minor"/>
+        </p:style>
         <p:txBody>
-          <a:bodyPr tIns="91440" bIns="91440">
+          <a:bodyPr lIns="90000" rIns="90000" tIns="91440" bIns="91440">
             <a:normAutofit fontScale="97000"/>
           </a:bodyPr>
           <a:p>
@@ -11270,22 +9968,9 @@
                 <a:latin typeface="Arial"/>
                 <a:ea typeface="Arial"/>
               </a:rPr>
-              <a:t>Scen</a:t>
-            </a:r>
-            <a:r>
-              <a:rPr b="0" lang="en" sz="2800" spc="-1" strike="noStrike">
-                <a:solidFill>
-                  <a:srgbClr val="000000"/>
-                </a:solidFill>
-                <a:latin typeface="Arial"/>
-                <a:ea typeface="Arial"/>
-              </a:rPr>
-              <a:t>arios</a:t>
+              <a:t>Scenarios</a:t>
             </a:r>
             <a:endParaRPr b="0" lang="en-US" sz="2800" spc="-1" strike="noStrike">
-              <a:solidFill>
-                <a:srgbClr val="000000"/>
-              </a:solidFill>
               <a:latin typeface="Arial"/>
             </a:endParaRPr>
           </a:p>
@@ -11293,14 +9978,14 @@
       </p:sp>
       <p:sp>
         <p:nvSpPr>
-          <p:cNvPr id="81" name="CustomShape 2"/>
+          <p:cNvPr id="79" name="CustomShape 2"/>
           <p:cNvSpPr/>
           <p:nvPr/>
         </p:nvSpPr>
         <p:spPr>
           <a:xfrm>
             <a:off x="3582360" y="3516840"/>
-            <a:ext cx="1827720" cy="360"/>
+            <a:ext cx="1827360" cy="360"/>
           </a:xfrm>
           <a:custGeom>
             <a:avLst/>
@@ -11336,7 +10021,7 @@
       </p:sp>
       <p:pic>
         <p:nvPicPr>
-          <p:cNvPr id="82" name="Google Shape;70;p15" descr=""/>
+          <p:cNvPr id="80" name="Google Shape;70;p15" descr=""/>
           <p:cNvPicPr/>
           <p:nvPr/>
         </p:nvPicPr>
@@ -11347,7 +10032,7 @@
         <p:spPr>
           <a:xfrm>
             <a:off x="544680" y="2290680"/>
-            <a:ext cx="3200040" cy="2133360"/>
+            <a:ext cx="3199680" cy="2133000"/>
           </a:xfrm>
           <a:prstGeom prst="rect">
             <a:avLst/>
@@ -11359,14 +10044,14 @@
       </p:pic>
       <p:sp>
         <p:nvSpPr>
-          <p:cNvPr id="83" name="CustomShape 3"/>
+          <p:cNvPr id="81" name="CustomShape 3"/>
           <p:cNvSpPr/>
           <p:nvPr/>
         </p:nvSpPr>
         <p:spPr>
           <a:xfrm>
             <a:off x="454680" y="4528080"/>
-            <a:ext cx="2999520" cy="609480"/>
+            <a:ext cx="2999160" cy="609120"/>
           </a:xfrm>
           <a:prstGeom prst="rect">
             <a:avLst/>
@@ -11383,7 +10068,7 @@
           <a:fontRef idx="minor"/>
         </p:style>
         <p:txBody>
-          <a:bodyPr tIns="91440" bIns="91440">
+          <a:bodyPr lIns="90000" rIns="90000" tIns="91440" bIns="91440">
             <a:spAutoFit/>
           </a:bodyPr>
           <a:p>
@@ -11413,7 +10098,7 @@
       </p:sp>
       <p:pic>
         <p:nvPicPr>
-          <p:cNvPr id="84" name="Google Shape;72;p15" descr=""/>
+          <p:cNvPr id="82" name="Google Shape;72;p15" descr=""/>
           <p:cNvPicPr/>
           <p:nvPr/>
         </p:nvPicPr>
@@ -11424,7 +10109,7 @@
         <p:spPr>
           <a:xfrm>
             <a:off x="5479920" y="2290680"/>
-            <a:ext cx="3201120" cy="2132640"/>
+            <a:ext cx="3200760" cy="2132280"/>
           </a:xfrm>
           <a:prstGeom prst="rect">
             <a:avLst/>
@@ -11436,14 +10121,14 @@
       </p:pic>
       <p:sp>
         <p:nvSpPr>
-          <p:cNvPr id="85" name="CustomShape 4"/>
+          <p:cNvPr id="83" name="CustomShape 4"/>
           <p:cNvSpPr/>
           <p:nvPr/>
         </p:nvSpPr>
         <p:spPr>
           <a:xfrm>
             <a:off x="5620320" y="4528080"/>
-            <a:ext cx="2999520" cy="609480"/>
+            <a:ext cx="2999160" cy="609120"/>
           </a:xfrm>
           <a:prstGeom prst="rect">
             <a:avLst/>
@@ -11460,7 +10145,7 @@
           <a:fontRef idx="minor"/>
         </p:style>
         <p:txBody>
-          <a:bodyPr tIns="91440" bIns="91440">
+          <a:bodyPr lIns="90000" rIns="90000" tIns="91440" bIns="91440">
             <a:spAutoFit/>
           </a:bodyPr>
           <a:p>
@@ -11490,14 +10175,14 @@
       </p:sp>
       <p:sp>
         <p:nvSpPr>
-          <p:cNvPr id="86" name="TextShape 5"/>
-          <p:cNvSpPr txBox="1"/>
+          <p:cNvPr id="84" name="CustomShape 5"/>
+          <p:cNvSpPr/>
           <p:nvPr/>
         </p:nvSpPr>
         <p:spPr>
           <a:xfrm>
             <a:off x="312120" y="684720"/>
-            <a:ext cx="8520120" cy="3416040"/>
+            <a:ext cx="8519760" cy="3415680"/>
           </a:xfrm>
           <a:prstGeom prst="rect">
             <a:avLst/>
@@ -11507,12 +10192,18 @@
             <a:noFill/>
           </a:ln>
         </p:spPr>
+        <p:style>
+          <a:lnRef idx="0"/>
+          <a:fillRef idx="0"/>
+          <a:effectRef idx="0"/>
+          <a:fontRef idx="minor"/>
+        </p:style>
         <p:txBody>
-          <a:bodyPr tIns="91440" bIns="91440">
+          <a:bodyPr lIns="90000" rIns="90000" tIns="91440" bIns="91440">
             <a:normAutofit/>
           </a:bodyPr>
           <a:p>
-            <a:pPr marL="457200" indent="-342720">
+            <a:pPr marL="457200" indent="-342360">
               <a:lnSpc>
                 <a:spcPct val="115000"/>
               </a:lnSpc>
@@ -11533,14 +10224,11 @@
               <a:t>You develop code on your computer, which is nice.</a:t>
             </a:r>
             <a:endParaRPr b="0" lang="en-US" sz="1800" spc="-1" strike="noStrike">
-              <a:solidFill>
-                <a:srgbClr val="000000"/>
-              </a:solidFill>
-              <a:latin typeface="Arial"/>
-            </a:endParaRPr>
-          </a:p>
-          <a:p>
-            <a:pPr marL="457200" indent="-342720">
+              <a:latin typeface="Arial"/>
+            </a:endParaRPr>
+          </a:p>
+          <a:p>
+            <a:pPr marL="457200" indent="-342360">
               <a:lnSpc>
                 <a:spcPct val="115000"/>
               </a:lnSpc>
@@ -11561,14 +10249,14 @@
               <a:t>You want to run it on someone else’s computer, which is evil.</a:t>
             </a:r>
             <a:endParaRPr b="0" lang="en-US" sz="1800" spc="-1" strike="noStrike">
-              <a:solidFill>
-                <a:srgbClr val="000000"/>
-              </a:solidFill>
-              <a:latin typeface="Arial"/>
-            </a:endParaRPr>
-          </a:p>
-          <a:p>
-            <a:pPr lvl="1" marL="864000" indent="-324000">
+              <a:latin typeface="Arial"/>
+            </a:endParaRPr>
+          </a:p>
+          <a:p>
+            <a:pPr lvl="1" marL="864000" indent="-323640">
+              <a:lnSpc>
+                <a:spcPct val="100000"/>
+              </a:lnSpc>
               <a:spcBef>
                 <a:spcPts val="1134"/>
               </a:spcBef>
@@ -11576,7 +10264,7 @@
                 <a:srgbClr val="000000"/>
               </a:buClr>
               <a:buSzPct val="75000"/>
-              <a:buFont typeface="Symbol" charset="2"/>
+              <a:buFont typeface="Symbol"/>
               <a:buChar char=""/>
             </a:pPr>
             <a:r>
@@ -11590,9 +10278,6 @@
               <a:t>Different OS, packages, R/python version, perhaps even compiler architecture (new Macs are ARM)</a:t>
             </a:r>
             <a:endParaRPr b="0" lang="en-US" sz="1800" spc="-1" strike="noStrike">
-              <a:solidFill>
-                <a:srgbClr val="000000"/>
-              </a:solidFill>
               <a:latin typeface="Arial"/>
             </a:endParaRPr>
           </a:p>
@@ -11630,14 +10315,14 @@
       </p:grpSpPr>
       <p:sp>
         <p:nvSpPr>
-          <p:cNvPr id="87" name="TextShape 1"/>
-          <p:cNvSpPr txBox="1"/>
+          <p:cNvPr id="85" name="CustomShape 1"/>
+          <p:cNvSpPr/>
           <p:nvPr/>
         </p:nvSpPr>
         <p:spPr>
           <a:xfrm>
             <a:off x="311760" y="444960"/>
-            <a:ext cx="8520120" cy="572400"/>
+            <a:ext cx="8519760" cy="572040"/>
           </a:xfrm>
           <a:prstGeom prst="rect">
             <a:avLst/>
@@ -11647,8 +10332,14 @@
             <a:noFill/>
           </a:ln>
         </p:spPr>
+        <p:style>
+          <a:lnRef idx="0"/>
+          <a:fillRef idx="0"/>
+          <a:effectRef idx="0"/>
+          <a:fontRef idx="minor"/>
+        </p:style>
         <p:txBody>
-          <a:bodyPr tIns="91440" bIns="91440">
+          <a:bodyPr lIns="90000" rIns="90000" tIns="91440" bIns="91440">
             <a:normAutofit fontScale="97000"/>
           </a:bodyPr>
           <a:p>
@@ -11668,22 +10359,9 @@
                 <a:latin typeface="Arial"/>
                 <a:ea typeface="Arial"/>
               </a:rPr>
-              <a:t>Scen</a:t>
-            </a:r>
-            <a:r>
-              <a:rPr b="0" lang="en" sz="2800" spc="-1" strike="noStrike">
-                <a:solidFill>
-                  <a:srgbClr val="000000"/>
-                </a:solidFill>
-                <a:latin typeface="Arial"/>
-                <a:ea typeface="Arial"/>
-              </a:rPr>
-              <a:t>arios</a:t>
+              <a:t>Scenarios</a:t>
             </a:r>
             <a:endParaRPr b="0" lang="en-US" sz="2800" spc="-1" strike="noStrike">
-              <a:solidFill>
-                <a:srgbClr val="000000"/>
-              </a:solidFill>
               <a:latin typeface="Arial"/>
             </a:endParaRPr>
           </a:p>
@@ -11691,14 +10369,14 @@
       </p:sp>
       <p:sp>
         <p:nvSpPr>
-          <p:cNvPr id="88" name="TextShape 2"/>
-          <p:cNvSpPr txBox="1"/>
+          <p:cNvPr id="86" name="CustomShape 2"/>
+          <p:cNvSpPr/>
           <p:nvPr/>
         </p:nvSpPr>
         <p:spPr>
           <a:xfrm>
             <a:off x="311760" y="1152360"/>
-            <a:ext cx="8520120" cy="3416040"/>
+            <a:ext cx="8519760" cy="3415680"/>
           </a:xfrm>
           <a:prstGeom prst="rect">
             <a:avLst/>
@@ -11708,12 +10386,18 @@
             <a:noFill/>
           </a:ln>
         </p:spPr>
+        <p:style>
+          <a:lnRef idx="0"/>
+          <a:fillRef idx="0"/>
+          <a:effectRef idx="0"/>
+          <a:fontRef idx="minor"/>
+        </p:style>
         <p:txBody>
-          <a:bodyPr tIns="91440" bIns="91440">
+          <a:bodyPr lIns="90000" rIns="90000" tIns="91440" bIns="91440">
             <a:normAutofit/>
           </a:bodyPr>
           <a:p>
-            <a:pPr marL="457200" indent="-342720">
+            <a:pPr marL="457200" indent="-342360">
               <a:lnSpc>
                 <a:spcPct val="115000"/>
               </a:lnSpc>
@@ -11734,14 +10418,11 @@
               <a:t>Reusable tools, e.g. CAFEH</a:t>
             </a:r>
             <a:endParaRPr b="0" lang="en-US" sz="1800" spc="-1" strike="noStrike">
-              <a:solidFill>
-                <a:srgbClr val="000000"/>
-              </a:solidFill>
-              <a:latin typeface="Arial"/>
-            </a:endParaRPr>
-          </a:p>
-          <a:p>
-            <a:pPr marL="457200" indent="-342720">
+              <a:latin typeface="Arial"/>
+            </a:endParaRPr>
+          </a:p>
+          <a:p>
+            <a:pPr marL="457200" indent="-342360">
               <a:lnSpc>
                 <a:spcPct val="115000"/>
               </a:lnSpc>
@@ -11762,9 +10443,6 @@
               <a:t>Specific analyses, e.g. “the knockoffs preprint figure 2”</a:t>
             </a:r>
             <a:endParaRPr b="0" lang="en-US" sz="1800" spc="-1" strike="noStrike">
-              <a:solidFill>
-                <a:srgbClr val="000000"/>
-              </a:solidFill>
               <a:latin typeface="Arial"/>
             </a:endParaRPr>
           </a:p>
@@ -11772,7 +10450,7 @@
       </p:sp>
       <p:pic>
         <p:nvPicPr>
-          <p:cNvPr id="89" name="Google Shape;80;p16" descr=""/>
+          <p:cNvPr id="87" name="Google Shape;80;p16" descr=""/>
           <p:cNvPicPr/>
           <p:nvPr/>
         </p:nvPicPr>
@@ -11783,7 +10461,7 @@
         <p:spPr>
           <a:xfrm>
             <a:off x="1807200" y="2625840"/>
-            <a:ext cx="1827720" cy="1819440"/>
+            <a:ext cx="1827360" cy="1819080"/>
           </a:xfrm>
           <a:prstGeom prst="rect">
             <a:avLst/>
@@ -11795,7 +10473,7 @@
       </p:pic>
       <p:pic>
         <p:nvPicPr>
-          <p:cNvPr id="90" name="Google Shape;81;p16" descr=""/>
+          <p:cNvPr id="88" name="Google Shape;81;p16" descr=""/>
           <p:cNvPicPr/>
           <p:nvPr/>
         </p:nvPicPr>
@@ -11806,7 +10484,7 @@
         <p:spPr>
           <a:xfrm>
             <a:off x="5197320" y="2473560"/>
-            <a:ext cx="1885680" cy="1885680"/>
+            <a:ext cx="1885320" cy="1885320"/>
           </a:xfrm>
           <a:prstGeom prst="rect">
             <a:avLst/>
@@ -11848,14 +10526,14 @@
       </p:grpSpPr>
       <p:sp>
         <p:nvSpPr>
-          <p:cNvPr id="91" name="TextShape 1"/>
-          <p:cNvSpPr txBox="1"/>
+          <p:cNvPr id="89" name="CustomShape 1"/>
+          <p:cNvSpPr/>
           <p:nvPr/>
         </p:nvSpPr>
         <p:spPr>
           <a:xfrm>
             <a:off x="311760" y="444960"/>
-            <a:ext cx="8520120" cy="572400"/>
+            <a:ext cx="8519760" cy="572040"/>
           </a:xfrm>
           <a:prstGeom prst="rect">
             <a:avLst/>
@@ -11865,8 +10543,14 @@
             <a:noFill/>
           </a:ln>
         </p:spPr>
+        <p:style>
+          <a:lnRef idx="0"/>
+          <a:fillRef idx="0"/>
+          <a:effectRef idx="0"/>
+          <a:fontRef idx="minor"/>
+        </p:style>
         <p:txBody>
-          <a:bodyPr tIns="91440" bIns="91440">
+          <a:bodyPr lIns="90000" rIns="90000" tIns="91440" bIns="91440">
             <a:normAutofit fontScale="97000"/>
           </a:bodyPr>
           <a:p>
@@ -11886,22 +10570,9 @@
                 <a:latin typeface="Arial"/>
                 <a:ea typeface="Arial"/>
               </a:rPr>
-              <a:t>Desid</a:t>
-            </a:r>
-            <a:r>
-              <a:rPr b="0" lang="en" sz="2800" spc="-1" strike="noStrike">
-                <a:solidFill>
-                  <a:srgbClr val="000000"/>
-                </a:solidFill>
-                <a:latin typeface="Arial"/>
-                <a:ea typeface="Arial"/>
-              </a:rPr>
-              <a:t>erata</a:t>
+              <a:t>Desiderata</a:t>
             </a:r>
             <a:endParaRPr b="0" lang="en-US" sz="2800" spc="-1" strike="noStrike">
-              <a:solidFill>
-                <a:srgbClr val="000000"/>
-              </a:solidFill>
               <a:latin typeface="Arial"/>
             </a:endParaRPr>
           </a:p>
@@ -11909,14 +10580,14 @@
       </p:sp>
       <p:sp>
         <p:nvSpPr>
-          <p:cNvPr id="92" name="TextShape 2"/>
-          <p:cNvSpPr txBox="1"/>
+          <p:cNvPr id="90" name="CustomShape 2"/>
+          <p:cNvSpPr/>
           <p:nvPr/>
         </p:nvSpPr>
         <p:spPr>
           <a:xfrm>
             <a:off x="311760" y="1152360"/>
-            <a:ext cx="4259880" cy="3416040"/>
+            <a:ext cx="4259520" cy="3415680"/>
           </a:xfrm>
           <a:prstGeom prst="rect">
             <a:avLst/>
@@ -11926,12 +10597,18 @@
             <a:noFill/>
           </a:ln>
         </p:spPr>
+        <p:style>
+          <a:lnRef idx="0"/>
+          <a:fillRef idx="0"/>
+          <a:effectRef idx="0"/>
+          <a:fontRef idx="minor"/>
+        </p:style>
         <p:txBody>
-          <a:bodyPr tIns="91440" bIns="91440">
+          <a:bodyPr lIns="90000" rIns="90000" tIns="91440" bIns="91440">
             <a:normAutofit/>
           </a:bodyPr>
           <a:p>
-            <a:pPr marL="457200" indent="-342720">
+            <a:pPr marL="457200" indent="-342360">
               <a:lnSpc>
                 <a:spcPct val="115000"/>
               </a:lnSpc>
@@ -11962,14 +10639,11 @@
               <a:t>: I want to install exact versions of all deps</a:t>
             </a:r>
             <a:endParaRPr b="0" lang="en-US" sz="1800" spc="-1" strike="noStrike">
-              <a:solidFill>
-                <a:srgbClr val="000000"/>
-              </a:solidFill>
-              <a:latin typeface="Arial"/>
-            </a:endParaRPr>
-          </a:p>
-          <a:p>
-            <a:pPr marL="457200" indent="-342720">
+              <a:latin typeface="Arial"/>
+            </a:endParaRPr>
+          </a:p>
+          <a:p>
+            <a:pPr marL="457200" indent="-342360">
               <a:lnSpc>
                 <a:spcPct val="115000"/>
               </a:lnSpc>
@@ -12000,14 +10674,11 @@
               <a:t>: I want to permit a variety of deps for…</a:t>
             </a:r>
             <a:endParaRPr b="0" lang="en-US" sz="1800" spc="-1" strike="noStrike">
-              <a:solidFill>
-                <a:srgbClr val="000000"/>
-              </a:solidFill>
-              <a:latin typeface="Arial"/>
-            </a:endParaRPr>
-          </a:p>
-          <a:p>
-            <a:pPr lvl="1" marL="914400" indent="-317160">
+              <a:latin typeface="Arial"/>
+            </a:endParaRPr>
+          </a:p>
+          <a:p>
+            <a:pPr lvl="1" marL="914400" indent="-316800">
               <a:lnSpc>
                 <a:spcPct val="115000"/>
               </a:lnSpc>
@@ -12028,14 +10699,11 @@
               <a:t>Extensions of this work</a:t>
             </a:r>
             <a:endParaRPr b="0" lang="en-US" sz="1400" spc="-1" strike="noStrike">
-              <a:solidFill>
-                <a:srgbClr val="000000"/>
-              </a:solidFill>
-              <a:latin typeface="Arial"/>
-            </a:endParaRPr>
-          </a:p>
-          <a:p>
-            <a:pPr lvl="1" marL="914400" indent="-317160">
+              <a:latin typeface="Arial"/>
+            </a:endParaRPr>
+          </a:p>
+          <a:p>
+            <a:pPr lvl="1" marL="914400" indent="-316800">
               <a:lnSpc>
                 <a:spcPct val="115000"/>
               </a:lnSpc>
@@ -12056,14 +10724,11 @@
               <a:t>People running another OS</a:t>
             </a:r>
             <a:endParaRPr b="0" lang="en-US" sz="1400" spc="-1" strike="noStrike">
-              <a:solidFill>
-                <a:srgbClr val="000000"/>
-              </a:solidFill>
-              <a:latin typeface="Arial"/>
-            </a:endParaRPr>
-          </a:p>
-          <a:p>
-            <a:pPr marL="457200" indent="-342720">
+              <a:latin typeface="Arial"/>
+            </a:endParaRPr>
+          </a:p>
+          <a:p>
+            <a:pPr marL="457200" indent="-342360">
               <a:lnSpc>
                 <a:spcPct val="115000"/>
               </a:lnSpc>
@@ -12094,9 +10759,6 @@
               <a:t>: Installing R version 3.6.3 on the knockoffs project shouldn’t over-write my installation of R 4.2.2 for a side project</a:t>
             </a:r>
             <a:endParaRPr b="0" lang="en-US" sz="1800" spc="-1" strike="noStrike">
-              <a:solidFill>
-                <a:srgbClr val="000000"/>
-              </a:solidFill>
               <a:latin typeface="Arial"/>
             </a:endParaRPr>
           </a:p>
@@ -12116,9 +10778,6 @@
               </a:tabLst>
             </a:pPr>
             <a:endParaRPr b="0" lang="en-US" sz="1800" spc="-1" strike="noStrike">
-              <a:solidFill>
-                <a:srgbClr val="000000"/>
-              </a:solidFill>
               <a:latin typeface="Arial"/>
             </a:endParaRPr>
           </a:p>
@@ -12156,13 +10815,13 @@
       </p:grpSpPr>
       <p:graphicFrame>
         <p:nvGraphicFramePr>
-          <p:cNvPr id="93" name="Table 1"/>
+          <p:cNvPr id="91" name="Table 1"/>
           <p:cNvGraphicFramePr/>
           <p:nvPr/>
         </p:nvGraphicFramePr>
         <p:xfrm>
           <a:off x="136080" y="998640"/>
-          <a:ext cx="8694720" cy="3169080"/>
+          <a:ext cx="8694360" cy="3848760"/>
         </p:xfrm>
         <a:graphic>
           <a:graphicData uri="http://schemas.openxmlformats.org/drawingml/2006/table">
@@ -12190,7 +10849,7 @@
                 </a:tc>
                 <a:tc>
                   <a:txBody>
-                    <a:bodyPr lIns="91080" rIns="91080" tIns="91080" bIns="91080">
+                    <a:bodyPr lIns="91080" rIns="91080">
                       <a:noAutofit/>
                     </a:bodyPr>
                     <a:p>
@@ -12223,7 +10882,7 @@
                 </a:tc>
                 <a:tc>
                   <a:txBody>
-                    <a:bodyPr lIns="91080" rIns="91080" tIns="91080" bIns="91080">
+                    <a:bodyPr lIns="91080" rIns="91080">
                       <a:noAutofit/>
                     </a:bodyPr>
                     <a:p>
@@ -12256,7 +10915,7 @@
                 </a:tc>
                 <a:tc>
                   <a:txBody>
-                    <a:bodyPr lIns="91080" rIns="91080" tIns="91080" bIns="91080">
+                    <a:bodyPr lIns="91080" rIns="91080">
                       <a:noAutofit/>
                     </a:bodyPr>
                     <a:p>
@@ -12289,7 +10948,7 @@
                 </a:tc>
                 <a:tc>
                   <a:txBody>
-                    <a:bodyPr lIns="91080" rIns="91080" tIns="91080" bIns="91080">
+                    <a:bodyPr lIns="91080" rIns="91080">
                       <a:noAutofit/>
                     </a:bodyPr>
                     <a:p>
@@ -12322,7 +10981,7 @@
                 </a:tc>
                 <a:tc>
                   <a:txBody>
-                    <a:bodyPr lIns="91080" rIns="91080" tIns="91080" bIns="91080">
+                    <a:bodyPr lIns="91080" rIns="91080">
                       <a:noAutofit/>
                     </a:bodyPr>
                     <a:p>
@@ -12357,7 +11016,7 @@
               <a:tr h="523800">
                 <a:tc>
                   <a:txBody>
-                    <a:bodyPr lIns="91080" rIns="91080" tIns="91080" bIns="91080">
+                    <a:bodyPr lIns="91080" rIns="91080">
                       <a:noAutofit/>
                     </a:bodyPr>
                     <a:p>
@@ -12390,7 +11049,7 @@
                 </a:tc>
                 <a:tc>
                   <a:txBody>
-                    <a:bodyPr lIns="91080" rIns="91080" tIns="91080" bIns="91080">
+                    <a:bodyPr lIns="91080" rIns="91080">
                       <a:noAutofit/>
                     </a:bodyPr>
                     <a:p>
@@ -12425,7 +11084,7 @@
                 </a:tc>
                 <a:tc>
                   <a:txBody>
-                    <a:bodyPr lIns="91080" rIns="91080" tIns="91080" bIns="91080">
+                    <a:bodyPr lIns="91080" rIns="91080">
                       <a:noAutofit/>
                     </a:bodyPr>
                     <a:p>
@@ -12460,7 +11119,7 @@
                 </a:tc>
                 <a:tc>
                   <a:txBody>
-                    <a:bodyPr lIns="91080" rIns="91080" tIns="91080" bIns="91080">
+                    <a:bodyPr lIns="91080" rIns="91080">
                       <a:noAutofit/>
                     </a:bodyPr>
                     <a:p>
@@ -12495,7 +11154,7 @@
                 </a:tc>
                 <a:tc>
                   <a:txBody>
-                    <a:bodyPr lIns="91080" rIns="91080" tIns="91080" bIns="91080">
+                    <a:bodyPr lIns="91080" rIns="91080">
                       <a:noAutofit/>
                     </a:bodyPr>
                     <a:p>
@@ -12530,7 +11189,7 @@
                 </a:tc>
                 <a:tc>
                   <a:txBody>
-                    <a:bodyPr lIns="91080" rIns="91080" tIns="91080" bIns="91080">
+                    <a:bodyPr lIns="91080" rIns="91080">
                       <a:noAutofit/>
                     </a:bodyPr>
                     <a:p>
@@ -12579,7 +11238,7 @@
                 </a:tc>
                 <a:tc>
                   <a:txBody>
-                    <a:bodyPr lIns="91080" rIns="91080" tIns="91080" bIns="91080">
+                    <a:bodyPr lIns="91080" rIns="91080">
                       <a:noAutofit/>
                     </a:bodyPr>
                     <a:p>
@@ -12655,7 +11314,7 @@
                 </a:tc>
                 <a:tc>
                   <a:txBody>
-                    <a:bodyPr lIns="91080" rIns="91080" tIns="91080" bIns="91080">
+                    <a:bodyPr lIns="91080" rIns="91080">
                       <a:noAutofit/>
                     </a:bodyPr>
                     <a:p>
@@ -12697,7 +11356,7 @@
                 </a:tc>
                 <a:tc>
                   <a:txBody>
-                    <a:bodyPr lIns="91080" rIns="91080" tIns="91080" bIns="91080">
+                    <a:bodyPr lIns="91080" rIns="91080">
                       <a:noAutofit/>
                     </a:bodyPr>
                     <a:p>
@@ -12760,7 +11419,7 @@
                 </a:tc>
                 <a:tc>
                   <a:txBody>
-                    <a:bodyPr lIns="91080" rIns="91080" tIns="91080" bIns="91080">
+                    <a:bodyPr lIns="91080" rIns="91080">
                       <a:noAutofit/>
                     </a:bodyPr>
                     <a:p>
@@ -12797,7 +11456,7 @@
               <a:tr h="353160">
                 <a:tc rowSpan="4">
                   <a:txBody>
-                    <a:bodyPr lIns="91080" rIns="91080" tIns="91080" bIns="91080">
+                    <a:bodyPr lIns="91080" rIns="91080">
                       <a:noAutofit/>
                     </a:bodyPr>
                     <a:p>
@@ -12830,7 +11489,7 @@
                 </a:tc>
                 <a:tc>
                   <a:txBody>
-                    <a:bodyPr lIns="91080" rIns="91080" tIns="91080" bIns="91080">
+                    <a:bodyPr lIns="91080" rIns="91080">
                       <a:noAutofit/>
                     </a:bodyPr>
                     <a:p>
@@ -12865,7 +11524,7 @@
                 </a:tc>
                 <a:tc>
                   <a:txBody>
-                    <a:bodyPr lIns="91080" rIns="91080" tIns="91080" bIns="91080">
+                    <a:bodyPr lIns="91080" rIns="91080">
                       <a:noAutofit/>
                     </a:bodyPr>
                     <a:p>
@@ -12900,7 +11559,7 @@
                 </a:tc>
                 <a:tc>
                   <a:txBody>
-                    <a:bodyPr lIns="91080" rIns="91080" tIns="91080" bIns="91080">
+                    <a:bodyPr lIns="91080" rIns="91080">
                       <a:noAutofit/>
                     </a:bodyPr>
                     <a:p>
@@ -12935,7 +11594,7 @@
                 </a:tc>
                 <a:tc>
                   <a:txBody>
-                    <a:bodyPr lIns="91080" rIns="91080" tIns="91080" bIns="91080">
+                    <a:bodyPr lIns="91080" rIns="91080">
                       <a:noAutofit/>
                     </a:bodyPr>
                     <a:p>
@@ -12970,7 +11629,7 @@
                 </a:tc>
                 <a:tc>
                   <a:txBody>
-                    <a:bodyPr lIns="91080" rIns="91080" tIns="91080" bIns="91080">
+                    <a:bodyPr lIns="91080" rIns="91080">
                       <a:noAutofit/>
                     </a:bodyPr>
                     <a:p>
@@ -13005,7 +11664,7 @@
                 </a:tc>
                 <a:tc>
                   <a:txBody>
-                    <a:bodyPr lIns="91080" rIns="91080" tIns="91080" bIns="91080">
+                    <a:bodyPr lIns="91080" rIns="91080">
                       <a:noAutofit/>
                     </a:bodyPr>
                     <a:p>
@@ -13049,7 +11708,7 @@
                 </a:tc>
                 <a:tc>
                   <a:txBody>
-                    <a:bodyPr lIns="91080" rIns="91080" tIns="91080" bIns="91080">
+                    <a:bodyPr lIns="91080" rIns="91080">
                       <a:noAutofit/>
                     </a:bodyPr>
                     <a:p>
@@ -13084,7 +11743,7 @@
                 </a:tc>
                 <a:tc>
                   <a:txBody>
-                    <a:bodyPr lIns="91080" rIns="91080" tIns="91080" bIns="91080">
+                    <a:bodyPr lIns="91080" rIns="91080">
                       <a:noAutofit/>
                     </a:bodyPr>
                     <a:p>
@@ -13119,7 +11778,7 @@
                 </a:tc>
                 <a:tc>
                   <a:txBody>
-                    <a:bodyPr lIns="91080" rIns="91080" tIns="91080" bIns="91080">
+                    <a:bodyPr lIns="91080" rIns="91080">
                       <a:noAutofit/>
                     </a:bodyPr>
                     <a:p>
@@ -13154,7 +11813,7 @@
                 </a:tc>
                 <a:tc>
                   <a:txBody>
-                    <a:bodyPr lIns="91080" rIns="91080" tIns="91080" bIns="91080">
+                    <a:bodyPr lIns="91080" rIns="91080">
                       <a:noAutofit/>
                     </a:bodyPr>
                     <a:p>
@@ -13189,7 +11848,7 @@
                 </a:tc>
                 <a:tc>
                   <a:txBody>
-                    <a:bodyPr lIns="91080" rIns="91080" tIns="91080" bIns="91080">
+                    <a:bodyPr lIns="91080" rIns="91080">
                       <a:noAutofit/>
                     </a:bodyPr>
                     <a:p>
@@ -13240,7 +11899,7 @@
                 </a:tc>
                 <a:tc>
                   <a:txBody>
-                    <a:bodyPr lIns="91080" rIns="91080" tIns="91080" bIns="91080">
+                    <a:bodyPr lIns="91080" rIns="91080">
                       <a:noAutofit/>
                     </a:bodyPr>
                     <a:p>
@@ -13275,7 +11934,7 @@
                 </a:tc>
                 <a:tc>
                   <a:txBody>
-                    <a:bodyPr lIns="91080" rIns="91080" tIns="91080" bIns="91080">
+                    <a:bodyPr lIns="91080" rIns="91080">
                       <a:noAutofit/>
                     </a:bodyPr>
                     <a:p>
@@ -13310,7 +11969,7 @@
                 </a:tc>
                 <a:tc>
                   <a:txBody>
-                    <a:bodyPr lIns="91080" rIns="91080" tIns="91080" bIns="91080">
+                    <a:bodyPr lIns="91080" rIns="91080">
                       <a:noAutofit/>
                     </a:bodyPr>
                     <a:p>
@@ -13345,7 +12004,7 @@
                 </a:tc>
                 <a:tc>
                   <a:txBody>
-                    <a:bodyPr lIns="91080" rIns="91080" tIns="91080" bIns="91080">
+                    <a:bodyPr lIns="91080" rIns="91080">
                       <a:noAutofit/>
                     </a:bodyPr>
                     <a:p>
@@ -13380,7 +12039,7 @@
                 </a:tc>
                 <a:tc>
                   <a:txBody>
-                    <a:bodyPr lIns="91080" rIns="91080" tIns="91080" bIns="91080">
+                    <a:bodyPr lIns="91080" rIns="91080">
                       <a:noAutofit/>
                     </a:bodyPr>
                     <a:p>
@@ -13431,7 +12090,7 @@
                 </a:tc>
                 <a:tc>
                   <a:txBody>
-                    <a:bodyPr lIns="91080" rIns="91080" tIns="91080" bIns="91080">
+                    <a:bodyPr lIns="91080" rIns="91080">
                       <a:noAutofit/>
                     </a:bodyPr>
                     <a:p>
@@ -13466,7 +12125,7 @@
                 </a:tc>
                 <a:tc>
                   <a:txBody>
-                    <a:bodyPr lIns="91080" rIns="91080" tIns="91080" bIns="91080">
+                    <a:bodyPr lIns="91080" rIns="91080">
                       <a:noAutofit/>
                     </a:bodyPr>
                     <a:p>
@@ -13501,7 +12160,7 @@
                 </a:tc>
                 <a:tc>
                   <a:txBody>
-                    <a:bodyPr lIns="91080" rIns="91080" tIns="91080" bIns="91080">
+                    <a:bodyPr lIns="91080" rIns="91080">
                       <a:noAutofit/>
                     </a:bodyPr>
                     <a:p>
@@ -13536,7 +12195,7 @@
                 </a:tc>
                 <a:tc>
                   <a:txBody>
-                    <a:bodyPr lIns="91080" rIns="91080" tIns="91080" bIns="91080">
+                    <a:bodyPr lIns="91080" rIns="91080">
                       <a:noAutofit/>
                     </a:bodyPr>
                     <a:p>
@@ -13571,7 +12230,7 @@
                 </a:tc>
                 <a:tc>
                   <a:txBody>
-                    <a:bodyPr lIns="91080" rIns="91080" tIns="91080" bIns="91080">
+                    <a:bodyPr lIns="91080" rIns="91080">
                       <a:noAutofit/>
                     </a:bodyPr>
                     <a:p>
@@ -13606,7 +12265,7 @@
                 </a:tc>
                 <a:tc>
                   <a:txBody>
-                    <a:bodyPr lIns="91080" rIns="91080" tIns="91080" bIns="91080">
+                    <a:bodyPr lIns="91080" rIns="91080">
                       <a:noAutofit/>
                     </a:bodyPr>
                     <a:p>
@@ -13646,14 +12305,14 @@
       </p:graphicFrame>
       <p:sp>
         <p:nvSpPr>
-          <p:cNvPr id="94" name="TextShape 2"/>
-          <p:cNvSpPr txBox="1"/>
+          <p:cNvPr id="92" name="CustomShape 2"/>
+          <p:cNvSpPr/>
           <p:nvPr/>
         </p:nvSpPr>
         <p:spPr>
           <a:xfrm>
             <a:off x="311760" y="444960"/>
-            <a:ext cx="8520120" cy="572400"/>
+            <a:ext cx="8519760" cy="572040"/>
           </a:xfrm>
           <a:prstGeom prst="rect">
             <a:avLst/>
@@ -13663,8 +12322,14 @@
             <a:noFill/>
           </a:ln>
         </p:spPr>
+        <p:style>
+          <a:lnRef idx="0"/>
+          <a:fillRef idx="0"/>
+          <a:effectRef idx="0"/>
+          <a:fontRef idx="minor"/>
+        </p:style>
         <p:txBody>
-          <a:bodyPr tIns="91440" bIns="91440">
+          <a:bodyPr lIns="90000" rIns="90000" tIns="91440" bIns="91440">
             <a:normAutofit fontScale="97000"/>
           </a:bodyPr>
           <a:p>
@@ -13684,42 +12349,9 @@
                 <a:latin typeface="Arial"/>
                 <a:ea typeface="Arial"/>
               </a:rPr>
-              <a:t>Contr</a:t>
-            </a:r>
-            <a:r>
-              <a:rPr b="0" lang="en" sz="2800" spc="-1" strike="noStrike">
-                <a:solidFill>
-                  <a:srgbClr val="000000"/>
-                </a:solidFill>
-                <a:latin typeface="Arial"/>
-                <a:ea typeface="Arial"/>
-              </a:rPr>
-              <a:t>olling </a:t>
-            </a:r>
-            <a:r>
-              <a:rPr b="0" lang="en" sz="2800" spc="-1" strike="noStrike">
-                <a:solidFill>
-                  <a:srgbClr val="000000"/>
-                </a:solidFill>
-                <a:latin typeface="Arial"/>
-                <a:ea typeface="Arial"/>
-              </a:rPr>
-              <a:t>pack</a:t>
-            </a:r>
-            <a:r>
-              <a:rPr b="0" lang="en" sz="2800" spc="-1" strike="noStrike">
-                <a:solidFill>
-                  <a:srgbClr val="000000"/>
-                </a:solidFill>
-                <a:latin typeface="Arial"/>
-                <a:ea typeface="Arial"/>
-              </a:rPr>
-              <a:t>ages</a:t>
+              <a:t>Controlling packages</a:t>
             </a:r>
             <a:endParaRPr b="0" lang="en-US" sz="2800" spc="-1" strike="noStrike">
-              <a:solidFill>
-                <a:srgbClr val="000000"/>
-              </a:solidFill>
               <a:latin typeface="Arial"/>
             </a:endParaRPr>
           </a:p>
@@ -13757,14 +12389,14 @@
       </p:grpSpPr>
       <p:sp>
         <p:nvSpPr>
-          <p:cNvPr id="95" name="TextShape 1"/>
-          <p:cNvSpPr txBox="1"/>
+          <p:cNvPr id="93" name="CustomShape 1"/>
+          <p:cNvSpPr/>
           <p:nvPr/>
         </p:nvSpPr>
         <p:spPr>
           <a:xfrm>
             <a:off x="311760" y="444960"/>
-            <a:ext cx="8520120" cy="572400"/>
+            <a:ext cx="8519760" cy="572040"/>
           </a:xfrm>
           <a:prstGeom prst="rect">
             <a:avLst/>
@@ -13774,8 +12406,14 @@
             <a:noFill/>
           </a:ln>
         </p:spPr>
+        <p:style>
+          <a:lnRef idx="0"/>
+          <a:fillRef idx="0"/>
+          <a:effectRef idx="0"/>
+          <a:fontRef idx="minor"/>
+        </p:style>
         <p:txBody>
-          <a:bodyPr tIns="91440" bIns="91440">
+          <a:bodyPr lIns="90000" rIns="90000" tIns="91440" bIns="91440">
             <a:normAutofit fontScale="97000"/>
           </a:bodyPr>
           <a:p>
@@ -13795,32 +12433,9 @@
                 <a:latin typeface="Arial"/>
                 <a:ea typeface="Arial"/>
               </a:rPr>
-              <a:t>Enca</a:t>
-            </a:r>
-            <a:r>
-              <a:rPr b="0" lang="en" sz="2800" spc="-1" strike="noStrike">
-                <a:solidFill>
-                  <a:srgbClr val="000000"/>
-                </a:solidFill>
-                <a:latin typeface="Arial"/>
-                <a:ea typeface="Arial"/>
-              </a:rPr>
-              <a:t>psula</a:t>
-            </a:r>
-            <a:r>
-              <a:rPr b="0" lang="en" sz="2800" spc="-1" strike="noStrike">
-                <a:solidFill>
-                  <a:srgbClr val="000000"/>
-                </a:solidFill>
-                <a:latin typeface="Arial"/>
-                <a:ea typeface="Arial"/>
-              </a:rPr>
-              <a:t>tion</a:t>
+              <a:t>Encapsulation</a:t>
             </a:r>
             <a:endParaRPr b="0" lang="en-US" sz="2800" spc="-1" strike="noStrike">
-              <a:solidFill>
-                <a:srgbClr val="000000"/>
-              </a:solidFill>
               <a:latin typeface="Arial"/>
             </a:endParaRPr>
           </a:p>
@@ -13828,14 +12443,14 @@
       </p:sp>
       <p:sp>
         <p:nvSpPr>
-          <p:cNvPr id="96" name="TextShape 2"/>
-          <p:cNvSpPr txBox="1"/>
+          <p:cNvPr id="94" name="CustomShape 2"/>
+          <p:cNvSpPr/>
           <p:nvPr/>
         </p:nvSpPr>
         <p:spPr>
           <a:xfrm>
             <a:off x="311760" y="1152360"/>
-            <a:ext cx="8520120" cy="3416040"/>
+            <a:ext cx="8519760" cy="3415680"/>
           </a:xfrm>
           <a:prstGeom prst="rect">
             <a:avLst/>
@@ -13845,29 +12460,22 @@
             <a:noFill/>
           </a:ln>
         </p:spPr>
-        <p:txBody>
-          <a:bodyPr tIns="91440" bIns="91440">
-            <a:normAutofit/>
-          </a:bodyPr>
-          <a:p>
-            <a:endParaRPr b="0" lang="en-US" sz="1400" spc="-1" strike="noStrike">
-              <a:solidFill>
-                <a:srgbClr val="000000"/>
-              </a:solidFill>
-              <a:latin typeface="Arial"/>
-            </a:endParaRPr>
-          </a:p>
-        </p:txBody>
+        <p:style>
+          <a:lnRef idx="0"/>
+          <a:fillRef idx="0"/>
+          <a:effectRef idx="0"/>
+          <a:fontRef idx="minor"/>
+        </p:style>
       </p:sp>
       <p:graphicFrame>
         <p:nvGraphicFramePr>
-          <p:cNvPr id="97" name="Table 3"/>
+          <p:cNvPr id="95" name="Table 3"/>
           <p:cNvGraphicFramePr/>
           <p:nvPr/>
         </p:nvGraphicFramePr>
         <p:xfrm>
           <a:off x="94680" y="1773360"/>
-          <a:ext cx="8694720" cy="2777760"/>
+          <a:ext cx="8694360" cy="2971800"/>
         </p:xfrm>
         <a:graphic>
           <a:graphicData uri="http://schemas.openxmlformats.org/drawingml/2006/table">
@@ -13895,7 +12503,7 @@
                 </a:tc>
                 <a:tc>
                   <a:txBody>
-                    <a:bodyPr lIns="91080" rIns="91080" tIns="91080" bIns="91080">
+                    <a:bodyPr lIns="91080" rIns="91080">
                       <a:noAutofit/>
                     </a:bodyPr>
                     <a:p>
@@ -13928,7 +12536,7 @@
                 </a:tc>
                 <a:tc>
                   <a:txBody>
-                    <a:bodyPr lIns="91080" rIns="91080" tIns="91080" bIns="91080">
+                    <a:bodyPr lIns="91080" rIns="91080">
                       <a:noAutofit/>
                     </a:bodyPr>
                     <a:p>
@@ -13961,7 +12569,7 @@
                 </a:tc>
                 <a:tc>
                   <a:txBody>
-                    <a:bodyPr lIns="91080" rIns="91080" tIns="91080" bIns="91080">
+                    <a:bodyPr lIns="91080" rIns="91080">
                       <a:noAutofit/>
                     </a:bodyPr>
                     <a:p>
@@ -13994,7 +12602,7 @@
                 </a:tc>
                 <a:tc>
                   <a:txBody>
-                    <a:bodyPr lIns="91080" rIns="91080" tIns="91080" bIns="91080">
+                    <a:bodyPr lIns="91080" rIns="91080">
                       <a:noAutofit/>
                     </a:bodyPr>
                     <a:p>
@@ -14027,7 +12635,7 @@
                 </a:tc>
                 <a:tc>
                   <a:txBody>
-                    <a:bodyPr lIns="91080" rIns="91080" tIns="91080" bIns="91080">
+                    <a:bodyPr lIns="91080" rIns="91080">
                       <a:noAutofit/>
                     </a:bodyPr>
                     <a:p>
@@ -14062,7 +12670,7 @@
               <a:tr h="523800">
                 <a:tc rowSpan="5">
                   <a:txBody>
-                    <a:bodyPr lIns="91080" rIns="91080" tIns="91080" bIns="91080">
+                    <a:bodyPr lIns="91080" rIns="91080">
                       <a:noAutofit/>
                     </a:bodyPr>
                     <a:p>
@@ -14095,7 +12703,7 @@
                 </a:tc>
                 <a:tc>
                   <a:txBody>
-                    <a:bodyPr lIns="91080" rIns="91080" tIns="91080" bIns="91080">
+                    <a:bodyPr lIns="91080" rIns="91080">
                       <a:noAutofit/>
                     </a:bodyPr>
                     <a:p>
@@ -14130,7 +12738,7 @@
                 </a:tc>
                 <a:tc>
                   <a:txBody>
-                    <a:bodyPr lIns="91080" rIns="91080" tIns="91080" bIns="91080">
+                    <a:bodyPr lIns="91080" rIns="91080">
                       <a:noAutofit/>
                     </a:bodyPr>
                     <a:p>
@@ -14165,7 +12773,7 @@
                 </a:tc>
                 <a:tc>
                   <a:txBody>
-                    <a:bodyPr lIns="91080" rIns="91080" tIns="91080" bIns="91080">
+                    <a:bodyPr lIns="91080" rIns="91080">
                       <a:noAutofit/>
                     </a:bodyPr>
                     <a:p>
@@ -14200,7 +12808,7 @@
                 </a:tc>
                 <a:tc>
                   <a:txBody>
-                    <a:bodyPr lIns="91080" rIns="91080" tIns="91080" bIns="91080">
+                    <a:bodyPr lIns="91080" rIns="91080">
                       <a:noAutofit/>
                     </a:bodyPr>
                     <a:p>
@@ -14235,7 +12843,7 @@
                 </a:tc>
                 <a:tc>
                   <a:txBody>
-                    <a:bodyPr lIns="91080" rIns="91080" tIns="91080" bIns="91080">
+                    <a:bodyPr lIns="91080" rIns="91080">
                       <a:noAutofit/>
                     </a:bodyPr>
                     <a:p>
@@ -14270,7 +12878,7 @@
                 </a:tc>
                 <a:tc>
                   <a:txBody>
-                    <a:bodyPr lIns="91080" rIns="91080" tIns="91080" bIns="91080">
+                    <a:bodyPr lIns="91080" rIns="91080">
                       <a:noAutofit/>
                     </a:bodyPr>
                     <a:p>
@@ -14337,7 +12945,7 @@
                 </a:tc>
                 <a:tc>
                   <a:txBody>
-                    <a:bodyPr lIns="91080" rIns="91080" tIns="91080" bIns="91080">
+                    <a:bodyPr lIns="91080" rIns="91080">
                       <a:noAutofit/>
                     </a:bodyPr>
                     <a:p>
@@ -14372,7 +12980,7 @@
                 </a:tc>
                 <a:tc>
                   <a:txBody>
-                    <a:bodyPr lIns="91080" rIns="91080" tIns="91080" bIns="91080">
+                    <a:bodyPr lIns="91080" rIns="91080">
                       <a:noAutofit/>
                     </a:bodyPr>
                     <a:p>
@@ -14407,7 +13015,7 @@
                 </a:tc>
                 <a:tc>
                   <a:txBody>
-                    <a:bodyPr lIns="91080" rIns="91080" tIns="91080" bIns="91080">
+                    <a:bodyPr lIns="91080" rIns="91080">
                       <a:noAutofit/>
                     </a:bodyPr>
                     <a:p>
@@ -14442,7 +13050,7 @@
                 </a:tc>
                 <a:tc>
                   <a:txBody>
-                    <a:bodyPr lIns="91080" rIns="91080" tIns="91080" bIns="91080">
+                    <a:bodyPr lIns="91080" rIns="91080">
                       <a:noAutofit/>
                     </a:bodyPr>
                     <a:p>
@@ -14477,7 +13085,7 @@
                 </a:tc>
                 <a:tc>
                   <a:txBody>
-                    <a:bodyPr lIns="91080" rIns="91080" tIns="91080" bIns="91080">
+                    <a:bodyPr lIns="91080" rIns="91080">
                       <a:noAutofit/>
                     </a:bodyPr>
                     <a:p>
@@ -14512,7 +13120,7 @@
                 </a:tc>
                 <a:tc>
                   <a:txBody>
-                    <a:bodyPr lIns="91080" rIns="91080" tIns="91080" bIns="91080">
+                    <a:bodyPr lIns="91080" rIns="91080">
                       <a:noAutofit/>
                     </a:bodyPr>
                     <a:p>
@@ -14556,7 +13164,7 @@
                 </a:tc>
                 <a:tc>
                   <a:txBody>
-                    <a:bodyPr lIns="91080" rIns="91080" tIns="91080" bIns="91080">
+                    <a:bodyPr lIns="91080" rIns="91080">
                       <a:noAutofit/>
                     </a:bodyPr>
                     <a:p>
@@ -14591,7 +13199,7 @@
                 </a:tc>
                 <a:tc>
                   <a:txBody>
-                    <a:bodyPr lIns="91080" rIns="91080" tIns="91080" bIns="91080">
+                    <a:bodyPr lIns="91080" rIns="91080">
                       <a:noAutofit/>
                     </a:bodyPr>
                     <a:p>
@@ -14626,7 +13234,7 @@
                 </a:tc>
                 <a:tc>
                   <a:txBody>
-                    <a:bodyPr lIns="91080" rIns="91080" tIns="91080" bIns="91080">
+                    <a:bodyPr lIns="91080" rIns="91080">
                       <a:noAutofit/>
                     </a:bodyPr>
                     <a:p>
@@ -14661,7 +13269,7 @@
                 </a:tc>
                 <a:tc>
                   <a:txBody>
-                    <a:bodyPr lIns="91080" rIns="91080" tIns="91080" bIns="91080">
+                    <a:bodyPr lIns="91080" rIns="91080">
                       <a:noAutofit/>
                     </a:bodyPr>
                     <a:p>
@@ -14696,7 +13304,7 @@
                 </a:tc>
                 <a:tc>
                   <a:txBody>
-                    <a:bodyPr lIns="91080" rIns="91080" tIns="91080" bIns="91080">
+                    <a:bodyPr lIns="91080" rIns="91080">
                       <a:noAutofit/>
                     </a:bodyPr>
                     <a:p>
@@ -14731,7 +13339,7 @@
                 </a:tc>
                 <a:tc>
                   <a:txBody>
-                    <a:bodyPr lIns="91080" rIns="91080" tIns="91080" bIns="91080">
+                    <a:bodyPr lIns="91080" rIns="91080">
                       <a:noAutofit/>
                     </a:bodyPr>
                     <a:p>
@@ -14775,7 +13383,7 @@
                 </a:tc>
                 <a:tc>
                   <a:txBody>
-                    <a:bodyPr lIns="91080" rIns="91080" tIns="91080" bIns="91080">
+                    <a:bodyPr lIns="91080" rIns="91080">
                       <a:noAutofit/>
                     </a:bodyPr>
                     <a:p>
@@ -14810,7 +13418,7 @@
                 </a:tc>
                 <a:tc>
                   <a:txBody>
-                    <a:bodyPr lIns="91080" rIns="91080" tIns="91080" bIns="91080">
+                    <a:bodyPr lIns="91080" rIns="91080">
                       <a:noAutofit/>
                     </a:bodyPr>
                     <a:p>
@@ -14845,7 +13453,7 @@
                 </a:tc>
                 <a:tc>
                   <a:txBody>
-                    <a:bodyPr lIns="91080" rIns="91080" tIns="91080" bIns="91080">
+                    <a:bodyPr lIns="91080" rIns="91080">
                       <a:noAutofit/>
                     </a:bodyPr>
                     <a:p>
@@ -14880,7 +13488,7 @@
                 </a:tc>
                 <a:tc>
                   <a:txBody>
-                    <a:bodyPr lIns="91080" rIns="91080" tIns="91080" bIns="91080">
+                    <a:bodyPr lIns="91080" rIns="91080">
                       <a:noAutofit/>
                     </a:bodyPr>
                     <a:p>
@@ -14915,7 +13523,7 @@
                 </a:tc>
                 <a:tc>
                   <a:txBody>
-                    <a:bodyPr lIns="91080" rIns="91080" tIns="91080" bIns="91080">
+                    <a:bodyPr lIns="91080" rIns="91080">
                       <a:noAutofit/>
                     </a:bodyPr>
                     <a:p>
@@ -14950,7 +13558,7 @@
                 </a:tc>
                 <a:tc>
                   <a:txBody>
-                    <a:bodyPr lIns="91080" rIns="91080" tIns="91080" bIns="91080">
+                    <a:bodyPr lIns="91080" rIns="91080">
                       <a:noAutofit/>
                     </a:bodyPr>
                     <a:p>
@@ -14994,7 +13602,7 @@
                 </a:tc>
                 <a:tc>
                   <a:txBody>
-                    <a:bodyPr lIns="91080" rIns="91080" tIns="91080" bIns="91080">
+                    <a:bodyPr lIns="91080" rIns="91080">
                       <a:noAutofit/>
                     </a:bodyPr>
                     <a:p>
@@ -15029,7 +13637,7 @@
                 </a:tc>
                 <a:tc>
                   <a:txBody>
-                    <a:bodyPr lIns="91080" rIns="91080" tIns="91080" bIns="91080">
+                    <a:bodyPr lIns="91080" rIns="91080">
                       <a:noAutofit/>
                     </a:bodyPr>
                     <a:p>
@@ -15064,7 +13672,7 @@
                 </a:tc>
                 <a:tc>
                   <a:txBody>
-                    <a:bodyPr lIns="91080" rIns="91080" tIns="91080" bIns="91080">
+                    <a:bodyPr lIns="91080" rIns="91080">
                       <a:noAutofit/>
                     </a:bodyPr>
                     <a:p>
@@ -15099,7 +13707,7 @@
                 </a:tc>
                 <a:tc>
                   <a:txBody>
-                    <a:bodyPr lIns="91080" rIns="91080" tIns="91080" bIns="91080">
+                    <a:bodyPr lIns="91080" rIns="91080">
                       <a:noAutofit/>
                     </a:bodyPr>
                     <a:p>
@@ -15134,7 +13742,7 @@
                 </a:tc>
                 <a:tc>
                   <a:txBody>
-                    <a:bodyPr lIns="91080" rIns="91080" tIns="91080" bIns="91080">
+                    <a:bodyPr lIns="91080" rIns="91080">
                       <a:noAutofit/>
                     </a:bodyPr>
                     <a:p>
@@ -15211,14 +13819,14 @@
       </p:grpSpPr>
       <p:sp>
         <p:nvSpPr>
-          <p:cNvPr id="98" name="TextShape 1"/>
-          <p:cNvSpPr txBox="1"/>
+          <p:cNvPr id="96" name="CustomShape 1"/>
+          <p:cNvSpPr/>
           <p:nvPr/>
         </p:nvSpPr>
         <p:spPr>
           <a:xfrm>
             <a:off x="311760" y="444960"/>
-            <a:ext cx="8520120" cy="572400"/>
+            <a:ext cx="8519760" cy="572040"/>
           </a:xfrm>
           <a:prstGeom prst="rect">
             <a:avLst/>
@@ -15228,8 +13836,14 @@
             <a:noFill/>
           </a:ln>
         </p:spPr>
+        <p:style>
+          <a:lnRef idx="0"/>
+          <a:fillRef idx="0"/>
+          <a:effectRef idx="0"/>
+          <a:fontRef idx="minor"/>
+        </p:style>
         <p:txBody>
-          <a:bodyPr tIns="91440" bIns="91440">
+          <a:bodyPr lIns="90000" rIns="90000" tIns="91440" bIns="91440">
             <a:normAutofit fontScale="97000"/>
           </a:bodyPr>
           <a:p>
@@ -15249,42 +13863,9 @@
                 <a:latin typeface="Arial"/>
                 <a:ea typeface="Arial"/>
               </a:rPr>
-              <a:t>My </a:t>
-            </a:r>
-            <a:r>
-              <a:rPr b="0" lang="en" sz="2800" spc="-1" strike="noStrike">
-                <a:solidFill>
-                  <a:srgbClr val="000000"/>
-                </a:solidFill>
-                <a:latin typeface="Arial"/>
-                <a:ea typeface="Arial"/>
-              </a:rPr>
-              <a:t>sche</a:t>
-            </a:r>
-            <a:r>
-              <a:rPr b="0" lang="en" sz="2800" spc="-1" strike="noStrike">
-                <a:solidFill>
-                  <a:srgbClr val="000000"/>
-                </a:solidFill>
-                <a:latin typeface="Arial"/>
-                <a:ea typeface="Arial"/>
-              </a:rPr>
-              <a:t>me in </a:t>
-            </a:r>
-            <a:r>
-              <a:rPr b="0" lang="en" sz="2800" spc="-1" strike="noStrike">
-                <a:solidFill>
-                  <a:srgbClr val="000000"/>
-                </a:solidFill>
-                <a:latin typeface="Arial"/>
-                <a:ea typeface="Arial"/>
-              </a:rPr>
-              <a:t>R</a:t>
+              <a:t>My scheme in R</a:t>
             </a:r>
             <a:endParaRPr b="0" lang="en-US" sz="2800" spc="-1" strike="noStrike">
-              <a:solidFill>
-                <a:srgbClr val="000000"/>
-              </a:solidFill>
               <a:latin typeface="Arial"/>
             </a:endParaRPr>
           </a:p>
@@ -15292,14 +13873,14 @@
       </p:sp>
       <p:sp>
         <p:nvSpPr>
-          <p:cNvPr id="99" name="TextShape 2"/>
-          <p:cNvSpPr txBox="1"/>
+          <p:cNvPr id="97" name="CustomShape 2"/>
+          <p:cNvSpPr/>
           <p:nvPr/>
         </p:nvSpPr>
         <p:spPr>
           <a:xfrm>
             <a:off x="311760" y="1152360"/>
-            <a:ext cx="6103800" cy="3416040"/>
+            <a:ext cx="6103440" cy="3415680"/>
           </a:xfrm>
           <a:prstGeom prst="rect">
             <a:avLst/>
@@ -15309,8 +13890,14 @@
             <a:noFill/>
           </a:ln>
         </p:spPr>
+        <p:style>
+          <a:lnRef idx="0"/>
+          <a:fillRef idx="0"/>
+          <a:effectRef idx="0"/>
+          <a:fontRef idx="minor"/>
+        </p:style>
         <p:txBody>
-          <a:bodyPr tIns="91440" bIns="91440">
+          <a:bodyPr lIns="90000" rIns="90000" tIns="91440" bIns="91440">
             <a:normAutofit/>
           </a:bodyPr>
           <a:p>
@@ -15333,14 +13920,11 @@
               <a:t>Don’t:</a:t>
             </a:r>
             <a:endParaRPr b="0" lang="en-US" sz="1800" spc="-1" strike="noStrike">
-              <a:solidFill>
-                <a:srgbClr val="000000"/>
-              </a:solidFill>
-              <a:latin typeface="Arial"/>
-            </a:endParaRPr>
-          </a:p>
-          <a:p>
-            <a:pPr marL="457200" indent="-342720">
+              <a:latin typeface="Arial"/>
+            </a:endParaRPr>
+          </a:p>
+          <a:p>
+            <a:pPr marL="457200" indent="-342360">
               <a:lnSpc>
                 <a:spcPct val="115000"/>
               </a:lnSpc>
@@ -15367,14 +13951,11 @@
               <a:t>Use whatever R version happens to be installed</a:t>
             </a:r>
             <a:endParaRPr b="0" lang="en-US" sz="1800" spc="-1" strike="noStrike">
-              <a:solidFill>
-                <a:srgbClr val="000000"/>
-              </a:solidFill>
-              <a:latin typeface="Arial"/>
-            </a:endParaRPr>
-          </a:p>
-          <a:p>
-            <a:pPr marL="457200" indent="-342720">
+              <a:latin typeface="Arial"/>
+            </a:endParaRPr>
+          </a:p>
+          <a:p>
+            <a:pPr marL="457200" indent="-342360">
               <a:lnSpc>
                 <a:spcPct val="115000"/>
               </a:lnSpc>
@@ -15398,9 +13979,6 @@
               <a:t>Use whatever R packages happen to be installed</a:t>
             </a:r>
             <a:endParaRPr b="0" lang="en-US" sz="1800" spc="-1" strike="noStrike">
-              <a:solidFill>
-                <a:srgbClr val="000000"/>
-              </a:solidFill>
               <a:latin typeface="Arial"/>
             </a:endParaRPr>
           </a:p>
@@ -15427,14 +14005,11 @@
               <a:t>Do:</a:t>
             </a:r>
             <a:endParaRPr b="0" lang="en-US" sz="1800" spc="-1" strike="noStrike">
-              <a:solidFill>
-                <a:srgbClr val="000000"/>
-              </a:solidFill>
-              <a:latin typeface="Arial"/>
-            </a:endParaRPr>
-          </a:p>
-          <a:p>
-            <a:pPr marL="457200" indent="-342720">
+              <a:latin typeface="Arial"/>
+            </a:endParaRPr>
+          </a:p>
+          <a:p>
+            <a:pPr marL="457200" indent="-342360">
               <a:lnSpc>
                 <a:spcPct val="115000"/>
               </a:lnSpc>
@@ -15461,14 +14036,11 @@
               <a:t>Run experiments on AWS or in Docker</a:t>
             </a:r>
             <a:endParaRPr b="0" lang="en-US" sz="1800" spc="-1" strike="noStrike">
-              <a:solidFill>
-                <a:srgbClr val="000000"/>
-              </a:solidFill>
-              <a:latin typeface="Arial"/>
-            </a:endParaRPr>
-          </a:p>
-          <a:p>
-            <a:pPr marL="457200" indent="-342720">
+              <a:latin typeface="Arial"/>
+            </a:endParaRPr>
+          </a:p>
+          <a:p>
+            <a:pPr marL="457200" indent="-342360">
               <a:lnSpc>
                 <a:spcPct val="115000"/>
               </a:lnSpc>
@@ -15514,14 +14086,11 @@
               <a:t> to install an explicitly named R version</a:t>
             </a:r>
             <a:endParaRPr b="0" lang="en-US" sz="1800" spc="-1" strike="noStrike">
-              <a:solidFill>
-                <a:srgbClr val="000000"/>
-              </a:solidFill>
-              <a:latin typeface="Arial"/>
-            </a:endParaRPr>
-          </a:p>
-          <a:p>
-            <a:pPr marL="457200" indent="-342720">
+              <a:latin typeface="Arial"/>
+            </a:endParaRPr>
+          </a:p>
+          <a:p>
+            <a:pPr marL="457200" indent="-342360">
               <a:lnSpc>
                 <a:spcPct val="115000"/>
               </a:lnSpc>
@@ -15567,9 +14136,6 @@
               <a:t> R package) or BioConductor</a:t>
             </a:r>
             <a:endParaRPr b="0" lang="en-US" sz="1800" spc="-1" strike="noStrike">
-              <a:solidFill>
-                <a:srgbClr val="000000"/>
-              </a:solidFill>
               <a:latin typeface="Arial"/>
             </a:endParaRPr>
           </a:p>
@@ -15577,14 +14143,14 @@
       </p:sp>
       <p:sp>
         <p:nvSpPr>
-          <p:cNvPr id="100" name="TextShape 3"/>
-          <p:cNvSpPr txBox="1"/>
+          <p:cNvPr id="98" name="CustomShape 3"/>
+          <p:cNvSpPr/>
           <p:nvPr/>
         </p:nvSpPr>
         <p:spPr>
           <a:xfrm>
             <a:off x="6415920" y="1152360"/>
-            <a:ext cx="2590560" cy="3416040"/>
+            <a:ext cx="2590200" cy="3415680"/>
           </a:xfrm>
           <a:prstGeom prst="rect">
             <a:avLst/>
@@ -15594,8 +14160,14 @@
             <a:noFill/>
           </a:ln>
         </p:spPr>
+        <p:style>
+          <a:lnRef idx="0"/>
+          <a:fillRef idx="0"/>
+          <a:effectRef idx="0"/>
+          <a:fontRef idx="minor"/>
+        </p:style>
         <p:txBody>
-          <a:bodyPr tIns="91440" bIns="91440">
+          <a:bodyPr lIns="90000" rIns="90000" tIns="91440" bIns="91440">
             <a:normAutofit/>
           </a:bodyPr>
           <a:p>
@@ -15618,14 +14190,11 @@
               <a:t>Alternatives:</a:t>
             </a:r>
             <a:endParaRPr b="0" lang="en-US" sz="1800" spc="-1" strike="noStrike">
-              <a:solidFill>
-                <a:srgbClr val="000000"/>
-              </a:solidFill>
-              <a:latin typeface="Arial"/>
-            </a:endParaRPr>
-          </a:p>
-          <a:p>
-            <a:pPr marL="457200" indent="-342720">
+              <a:latin typeface="Arial"/>
+            </a:endParaRPr>
+          </a:p>
+          <a:p>
+            <a:pPr marL="457200" indent="-342360">
               <a:lnSpc>
                 <a:spcPct val="115000"/>
               </a:lnSpc>
@@ -15652,14 +14221,11 @@
               <a:t>Use renv with Rswitch (Mac only)</a:t>
             </a:r>
             <a:endParaRPr b="0" lang="en-US" sz="1800" spc="-1" strike="noStrike">
-              <a:solidFill>
-                <a:srgbClr val="000000"/>
-              </a:solidFill>
-              <a:latin typeface="Arial"/>
-            </a:endParaRPr>
-          </a:p>
-          <a:p>
-            <a:pPr marL="457200" indent="-342720">
+              <a:latin typeface="Arial"/>
+            </a:endParaRPr>
+          </a:p>
+          <a:p>
+            <a:pPr marL="457200" indent="-342360">
               <a:lnSpc>
                 <a:spcPct val="115000"/>
               </a:lnSpc>
@@ -15683,9 +14249,6 @@
               <a:t>Use Conda</a:t>
             </a:r>
             <a:endParaRPr b="0" lang="en-US" sz="1800" spc="-1" strike="noStrike">
-              <a:solidFill>
-                <a:srgbClr val="000000"/>
-              </a:solidFill>
               <a:latin typeface="Arial"/>
             </a:endParaRPr>
           </a:p>
@@ -15723,14 +14286,14 @@
       </p:grpSpPr>
       <p:sp>
         <p:nvSpPr>
-          <p:cNvPr id="101" name="TextShape 1"/>
-          <p:cNvSpPr txBox="1"/>
+          <p:cNvPr id="99" name="CustomShape 1"/>
+          <p:cNvSpPr/>
           <p:nvPr/>
         </p:nvSpPr>
         <p:spPr>
           <a:xfrm>
             <a:off x="311760" y="444960"/>
-            <a:ext cx="8520120" cy="572400"/>
+            <a:ext cx="8519760" cy="572040"/>
           </a:xfrm>
           <a:prstGeom prst="rect">
             <a:avLst/>
@@ -15740,8 +14303,14 @@
             <a:noFill/>
           </a:ln>
         </p:spPr>
+        <p:style>
+          <a:lnRef idx="0"/>
+          <a:fillRef idx="0"/>
+          <a:effectRef idx="0"/>
+          <a:fontRef idx="minor"/>
+        </p:style>
         <p:txBody>
-          <a:bodyPr tIns="91440" bIns="91440">
+          <a:bodyPr lIns="90000" rIns="90000" tIns="91440" bIns="91440">
             <a:normAutofit fontScale="97000"/>
           </a:bodyPr>
           <a:p>
@@ -15761,72 +14330,9 @@
                 <a:latin typeface="Arial"/>
                 <a:ea typeface="Arial"/>
               </a:rPr>
-              <a:t>How </a:t>
-            </a:r>
-            <a:r>
-              <a:rPr b="0" lang="en" sz="2800" spc="-1" strike="noStrike">
-                <a:solidFill>
-                  <a:srgbClr val="000000"/>
-                </a:solidFill>
-                <a:latin typeface="Arial"/>
-                <a:ea typeface="Arial"/>
-              </a:rPr>
-              <a:t>to </a:t>
-            </a:r>
-            <a:r>
-              <a:rPr b="0" lang="en" sz="2800" spc="-1" strike="noStrike">
-                <a:solidFill>
-                  <a:srgbClr val="000000"/>
-                </a:solidFill>
-                <a:latin typeface="Arial"/>
-                <a:ea typeface="Arial"/>
-              </a:rPr>
-              <a:t>install </a:t>
-            </a:r>
-            <a:r>
-              <a:rPr b="0" lang="en" sz="2800" spc="-1" strike="noStrike">
-                <a:solidFill>
-                  <a:srgbClr val="000000"/>
-                </a:solidFill>
-                <a:latin typeface="Arial"/>
-                <a:ea typeface="Arial"/>
-              </a:rPr>
-              <a:t>R on </a:t>
-            </a:r>
-            <a:r>
-              <a:rPr b="0" lang="en" sz="2800" spc="-1" strike="noStrike">
-                <a:solidFill>
-                  <a:srgbClr val="000000"/>
-                </a:solidFill>
-                <a:latin typeface="Arial"/>
-                <a:ea typeface="Arial"/>
-              </a:rPr>
-              <a:t>ubunt</a:t>
-            </a:r>
-            <a:r>
-              <a:rPr b="0" lang="en" sz="2800" spc="-1" strike="noStrike">
-                <a:solidFill>
-                  <a:srgbClr val="000000"/>
-                </a:solidFill>
-                <a:latin typeface="Arial"/>
-                <a:ea typeface="Arial"/>
-              </a:rPr>
-              <a:t>u </a:t>
-            </a:r>
-            <a:r>
-              <a:rPr b="0" lang="en" sz="2800" spc="-1" strike="noStrike">
-                <a:solidFill>
-                  <a:srgbClr val="000000"/>
-                </a:solidFill>
-                <a:latin typeface="Arial"/>
-                <a:ea typeface="Arial"/>
-              </a:rPr>
-              <a:t>linux</a:t>
+              <a:t>How to install R on ubuntu linux</a:t>
             </a:r>
             <a:endParaRPr b="0" lang="en-US" sz="2800" spc="-1" strike="noStrike">
-              <a:solidFill>
-                <a:srgbClr val="000000"/>
-              </a:solidFill>
               <a:latin typeface="Arial"/>
             </a:endParaRPr>
           </a:p>
@@ -15834,14 +14340,14 @@
       </p:sp>
       <p:sp>
         <p:nvSpPr>
-          <p:cNvPr id="102" name="TextShape 2"/>
-          <p:cNvSpPr txBox="1"/>
+          <p:cNvPr id="100" name="CustomShape 2"/>
+          <p:cNvSpPr/>
           <p:nvPr/>
         </p:nvSpPr>
         <p:spPr>
           <a:xfrm>
             <a:off x="311760" y="1152360"/>
-            <a:ext cx="8520120" cy="3416040"/>
+            <a:ext cx="8519760" cy="3415680"/>
           </a:xfrm>
           <a:prstGeom prst="rect">
             <a:avLst/>
@@ -15851,8 +14357,14 @@
             <a:noFill/>
           </a:ln>
         </p:spPr>
+        <p:style>
+          <a:lnRef idx="0"/>
+          <a:fillRef idx="0"/>
+          <a:effectRef idx="0"/>
+          <a:fontRef idx="minor"/>
+        </p:style>
         <p:txBody>
-          <a:bodyPr tIns="91440" bIns="91440">
+          <a:bodyPr lIns="90000" rIns="90000" tIns="91440" bIns="91440">
             <a:normAutofit/>
           </a:bodyPr>
           <a:p>
@@ -15877,9 +14389,6 @@
               <a:t>Posit/Rstudio instructions</a:t>
             </a:r>
             <a:endParaRPr b="0" lang="en-US" sz="1800" spc="-1" strike="noStrike">
-              <a:solidFill>
-                <a:srgbClr val="000000"/>
-              </a:solidFill>
               <a:latin typeface="Arial"/>
             </a:endParaRPr>
           </a:p>
@@ -15896,9 +14405,6 @@
               </a:tabLst>
             </a:pPr>
             <a:endParaRPr b="0" lang="en-US" sz="1800" spc="-1" strike="noStrike">
-              <a:solidFill>
-                <a:srgbClr val="000000"/>
-              </a:solidFill>
               <a:latin typeface="Arial"/>
             </a:endParaRPr>
           </a:p>
@@ -15925,9 +14431,6 @@
               <a:t>R_VERSION=4.1.2</a:t>
             </a:r>
             <a:endParaRPr b="0" lang="en-US" sz="1400" spc="-1" strike="noStrike">
-              <a:solidFill>
-                <a:srgbClr val="000000"/>
-              </a:solidFill>
               <a:latin typeface="Arial"/>
             </a:endParaRPr>
           </a:p>
@@ -15954,9 +14457,6 @@
               <a:t>curl -O https://cdn.rstudio.com/r/ubuntu-2004/pkgs/r-${R_VERSION}_1_amd64.deb</a:t>
             </a:r>
             <a:endParaRPr b="0" lang="en-US" sz="1400" spc="-1" strike="noStrike">
-              <a:solidFill>
-                <a:srgbClr val="000000"/>
-              </a:solidFill>
               <a:latin typeface="Arial"/>
             </a:endParaRPr>
           </a:p>
@@ -15983,9 +14483,6 @@
               <a:t>sudo gdebi r-${R_VERSION}_1_amd64.deb</a:t>
             </a:r>
             <a:endParaRPr b="0" lang="en-US" sz="1400" spc="-1" strike="noStrike">
-              <a:solidFill>
-                <a:srgbClr val="000000"/>
-              </a:solidFill>
               <a:latin typeface="Arial"/>
             </a:endParaRPr>
           </a:p>
@@ -16012,9 +14509,6 @@
               <a:t>sudo ln -s /opt/R/${R_VERSION}/bin/R /usr/local/bin/R</a:t>
             </a:r>
             <a:endParaRPr b="0" lang="en-US" sz="1400" spc="-1" strike="noStrike">
-              <a:solidFill>
-                <a:srgbClr val="000000"/>
-              </a:solidFill>
               <a:latin typeface="Arial"/>
             </a:endParaRPr>
           </a:p>
@@ -16041,9 +14535,6 @@
               <a:t>sudo ln -s /opt/R/${R_VERSION}/bin/Rscript /usr/local/bin/Rscript</a:t>
             </a:r>
             <a:endParaRPr b="0" lang="en-US" sz="1400" spc="-1" strike="noStrike">
-              <a:solidFill>
-                <a:srgbClr val="000000"/>
-              </a:solidFill>
               <a:latin typeface="Arial"/>
             </a:endParaRPr>
           </a:p>
@@ -16070,9 +14561,6 @@
               <a:t>R --version # 4.1.2 desired</a:t>
             </a:r>
             <a:endParaRPr b="0" lang="en-US" sz="1400" spc="-1" strike="noStrike">
-              <a:solidFill>
-                <a:srgbClr val="000000"/>
-              </a:solidFill>
               <a:latin typeface="Arial"/>
             </a:endParaRPr>
           </a:p>
@@ -16092,9 +14580,6 @@
               </a:tabLst>
             </a:pPr>
             <a:endParaRPr b="0" lang="en-US" sz="1400" spc="-1" strike="noStrike">
-              <a:solidFill>
-                <a:srgbClr val="000000"/>
-              </a:solidFill>
               <a:latin typeface="Arial"/>
             </a:endParaRPr>
           </a:p>
@@ -16132,14 +14617,14 @@
       </p:grpSpPr>
       <p:sp>
         <p:nvSpPr>
-          <p:cNvPr id="103" name="TextShape 1"/>
-          <p:cNvSpPr txBox="1"/>
+          <p:cNvPr id="101" name="CustomShape 1"/>
+          <p:cNvSpPr/>
           <p:nvPr/>
         </p:nvSpPr>
         <p:spPr>
           <a:xfrm>
             <a:off x="311760" y="444960"/>
-            <a:ext cx="8520120" cy="572400"/>
+            <a:ext cx="8519760" cy="572040"/>
           </a:xfrm>
           <a:prstGeom prst="rect">
             <a:avLst/>
@@ -16149,8 +14634,14 @@
             <a:noFill/>
           </a:ln>
         </p:spPr>
+        <p:style>
+          <a:lnRef idx="0"/>
+          <a:fillRef idx="0"/>
+          <a:effectRef idx="0"/>
+          <a:fontRef idx="minor"/>
+        </p:style>
         <p:txBody>
-          <a:bodyPr tIns="91440" bIns="91440">
+          <a:bodyPr lIns="90000" rIns="90000" tIns="91440" bIns="91440">
             <a:normAutofit fontScale="97000"/>
           </a:bodyPr>
           <a:p>
@@ -16170,82 +14661,9 @@
                 <a:latin typeface="Arial"/>
                 <a:ea typeface="Arial"/>
               </a:rPr>
-              <a:t>How </a:t>
-            </a:r>
-            <a:r>
-              <a:rPr b="0" lang="en" sz="2800" spc="-1" strike="noStrike">
-                <a:solidFill>
-                  <a:srgbClr val="000000"/>
-                </a:solidFill>
-                <a:latin typeface="Arial"/>
-                <a:ea typeface="Arial"/>
-              </a:rPr>
-              <a:t>to </a:t>
-            </a:r>
-            <a:r>
-              <a:rPr b="0" lang="en" sz="2800" spc="-1" strike="noStrike">
-                <a:solidFill>
-                  <a:srgbClr val="000000"/>
-                </a:solidFill>
-                <a:latin typeface="Arial"/>
-                <a:ea typeface="Arial"/>
-              </a:rPr>
-              <a:t>install </a:t>
-            </a:r>
-            <a:r>
-              <a:rPr b="0" lang="en" sz="2800" spc="-1" strike="noStrike">
-                <a:solidFill>
-                  <a:srgbClr val="000000"/>
-                </a:solidFill>
-                <a:latin typeface="Arial"/>
-                <a:ea typeface="Arial"/>
-              </a:rPr>
-              <a:t>versi</a:t>
-            </a:r>
-            <a:r>
-              <a:rPr b="0" lang="en" sz="2800" spc="-1" strike="noStrike">
-                <a:solidFill>
-                  <a:srgbClr val="000000"/>
-                </a:solidFill>
-                <a:latin typeface="Arial"/>
-                <a:ea typeface="Arial"/>
-              </a:rPr>
-              <a:t>oned </a:t>
-            </a:r>
-            <a:r>
-              <a:rPr b="0" lang="en" sz="2800" spc="-1" strike="noStrike">
-                <a:solidFill>
-                  <a:srgbClr val="000000"/>
-                </a:solidFill>
-                <a:latin typeface="Arial"/>
-                <a:ea typeface="Arial"/>
-              </a:rPr>
-              <a:t>R </a:t>
-            </a:r>
-            <a:r>
-              <a:rPr b="0" lang="en" sz="2800" spc="-1" strike="noStrike">
-                <a:solidFill>
-                  <a:srgbClr val="000000"/>
-                </a:solidFill>
-                <a:latin typeface="Arial"/>
-                <a:ea typeface="Arial"/>
-              </a:rPr>
-              <a:t>pack</a:t>
-            </a:r>
-            <a:r>
-              <a:rPr b="0" lang="en" sz="2800" spc="-1" strike="noStrike">
-                <a:solidFill>
-                  <a:srgbClr val="000000"/>
-                </a:solidFill>
-                <a:latin typeface="Arial"/>
-                <a:ea typeface="Arial"/>
-              </a:rPr>
-              <a:t>ages</a:t>
+              <a:t>How to install versioned R packages</a:t>
             </a:r>
             <a:endParaRPr b="0" lang="en-US" sz="2800" spc="-1" strike="noStrike">
-              <a:solidFill>
-                <a:srgbClr val="000000"/>
-              </a:solidFill>
               <a:latin typeface="Arial"/>
             </a:endParaRPr>
           </a:p>
@@ -16253,14 +14671,14 @@
       </p:sp>
       <p:sp>
         <p:nvSpPr>
-          <p:cNvPr id="104" name="TextShape 2"/>
-          <p:cNvSpPr txBox="1"/>
+          <p:cNvPr id="102" name="CustomShape 2"/>
+          <p:cNvSpPr/>
           <p:nvPr/>
         </p:nvSpPr>
         <p:spPr>
           <a:xfrm>
             <a:off x="311760" y="1152360"/>
-            <a:ext cx="8520120" cy="3860280"/>
+            <a:ext cx="8519760" cy="3859920"/>
           </a:xfrm>
           <a:prstGeom prst="rect">
             <a:avLst/>
@@ -16272,9 +14690,15 @@
             <a:noFill/>
           </a:ln>
         </p:spPr>
+        <p:style>
+          <a:lnRef idx="0"/>
+          <a:fillRef idx="0"/>
+          <a:effectRef idx="0"/>
+          <a:fontRef idx="minor"/>
+        </p:style>
         <p:txBody>
-          <a:bodyPr tIns="91440" bIns="91440">
-            <a:normAutofit/>
+          <a:bodyPr lIns="90000" rIns="90000" tIns="91440" bIns="91440">
+            <a:normAutofit fontScale="89000"/>
           </a:bodyPr>
           <a:p>
             <a:pPr>
@@ -16299,9 +14723,6 @@
               <a:t># MRAN</a:t>
             </a:r>
             <a:endParaRPr b="0" lang="en-US" sz="1050" spc="-1" strike="noStrike">
-              <a:solidFill>
-                <a:srgbClr val="000000"/>
-              </a:solidFill>
               <a:latin typeface="Arial"/>
             </a:endParaRPr>
           </a:p>
@@ -16523,9 +14944,6 @@
               <a:t>)</a:t>
             </a:r>
             <a:endParaRPr b="0" lang="en-US" sz="1050" spc="-1" strike="noStrike">
-              <a:solidFill>
-                <a:srgbClr val="000000"/>
-              </a:solidFill>
               <a:latin typeface="Arial"/>
             </a:endParaRPr>
           </a:p>
@@ -16669,9 +15087,6 @@
               <a:t>))</a:t>
             </a:r>
             <a:endParaRPr b="0" lang="en-US" sz="1050" spc="-1" strike="noStrike">
-              <a:solidFill>
-                <a:srgbClr val="000000"/>
-              </a:solidFill>
               <a:latin typeface="Arial"/>
             </a:endParaRPr>
           </a:p>
@@ -16737,9 +15152,6 @@
               <a:t>)</a:t>
             </a:r>
             <a:endParaRPr b="0" lang="en-US" sz="1050" spc="-1" strike="noStrike">
-              <a:solidFill>
-                <a:srgbClr val="000000"/>
-              </a:solidFill>
               <a:latin typeface="Arial"/>
             </a:endParaRPr>
           </a:p>
@@ -16805,9 +15217,6 @@
               <a:t>(</a:t>
             </a:r>
             <a:endParaRPr b="0" lang="en-US" sz="1050" spc="-1" strike="noStrike">
-              <a:solidFill>
-                <a:srgbClr val="000000"/>
-              </a:solidFill>
               <a:latin typeface="Arial"/>
             </a:endParaRPr>
           </a:p>
@@ -17068,9 +15477,6 @@
               <a:t>,</a:t>
             </a:r>
             <a:endParaRPr b="0" lang="en-US" sz="1050" spc="-1" strike="noStrike">
-              <a:solidFill>
-                <a:srgbClr val="000000"/>
-              </a:solidFill>
               <a:latin typeface="Arial"/>
             </a:endParaRPr>
           </a:p>
@@ -17253,9 +15659,6 @@
               <a:t>),</a:t>
             </a:r>
             <a:endParaRPr b="0" lang="en-US" sz="1050" spc="-1" strike="noStrike">
-              <a:solidFill>
-                <a:srgbClr val="000000"/>
-              </a:solidFill>
               <a:latin typeface="Arial"/>
             </a:endParaRPr>
           </a:p>
@@ -17334,9 +15737,6 @@
               <a:t>,</a:t>
             </a:r>
             <a:endParaRPr b="0" lang="en-US" sz="1050" spc="-1" strike="noStrike">
-              <a:solidFill>
-                <a:srgbClr val="000000"/>
-              </a:solidFill>
               <a:latin typeface="Arial"/>
             </a:endParaRPr>
           </a:p>
@@ -17441,9 +15841,6 @@
               <a:t>)</a:t>
             </a:r>
             <a:endParaRPr b="0" lang="en-US" sz="1050" spc="-1" strike="noStrike">
-              <a:solidFill>
-                <a:srgbClr val="000000"/>
-              </a:solidFill>
               <a:latin typeface="Arial"/>
             </a:endParaRPr>
           </a:p>
@@ -17470,9 +15867,6 @@
               <a:t>)</a:t>
             </a:r>
             <a:endParaRPr b="0" lang="en-US" sz="1050" spc="-1" strike="noStrike">
-              <a:solidFill>
-                <a:srgbClr val="000000"/>
-              </a:solidFill>
               <a:latin typeface="Arial"/>
             </a:endParaRPr>
           </a:p>
@@ -17500,9 +15894,6 @@
               <a:t># BIOC</a:t>
             </a:r>
             <a:endParaRPr b="0" lang="en-US" sz="1050" spc="-1" strike="noStrike">
-              <a:solidFill>
-                <a:srgbClr val="000000"/>
-              </a:solidFill>
               <a:latin typeface="Arial"/>
             </a:endParaRPr>
           </a:p>
@@ -17568,9 +15959,6 @@
               <a:t>)</a:t>
             </a:r>
             <a:endParaRPr b="0" lang="en-US" sz="1050" spc="-1" strike="noStrike">
-              <a:solidFill>
-                <a:srgbClr val="000000"/>
-              </a:solidFill>
               <a:latin typeface="Arial"/>
             </a:endParaRPr>
           </a:p>
@@ -17714,9 +16102,6 @@
               <a:t>)</a:t>
             </a:r>
             <a:endParaRPr b="0" lang="en-US" sz="1050" spc="-1" strike="noStrike">
-              <a:solidFill>
-                <a:srgbClr val="000000"/>
-              </a:solidFill>
               <a:latin typeface="Arial"/>
             </a:endParaRPr>
           </a:p>
@@ -17744,9 +16129,6 @@
               <a:t># CRAN</a:t>
             </a:r>
             <a:endParaRPr b="0" lang="en-US" sz="1050" spc="-1" strike="noStrike">
-              <a:solidFill>
-                <a:srgbClr val="000000"/>
-              </a:solidFill>
               <a:latin typeface="Arial"/>
             </a:endParaRPr>
           </a:p>
@@ -17916,9 +16298,6 @@
               <a:t>)</a:t>
             </a:r>
             <a:endParaRPr b="0" lang="en-US" sz="1050" spc="-1" strike="noStrike">
-              <a:solidFill>
-                <a:srgbClr val="000000"/>
-              </a:solidFill>
               <a:latin typeface="Arial"/>
             </a:endParaRPr>
           </a:p>
@@ -17935,9 +16314,6 @@
               </a:tabLst>
             </a:pPr>
             <a:endParaRPr b="0" lang="en-US" sz="1050" spc="-1" strike="noStrike">
-              <a:solidFill>
-                <a:srgbClr val="000000"/>
-              </a:solidFill>
               <a:latin typeface="Arial"/>
             </a:endParaRPr>
           </a:p>
